--- a/notes/notes/ds-algo/ch6-bst.pptx
+++ b/notes/notes/ds-algo/ch6-bst.pptx
@@ -5,22 +5,29 @@
     <p:sldMasterId id="2147483660" r:id="rId1"/>
   </p:sldMasterIdLst>
   <p:notesMasterIdLst>
-    <p:notesMasterId r:id="rId15"/>
+    <p:notesMasterId r:id="rId22"/>
   </p:notesMasterIdLst>
   <p:sldIdLst>
-    <p:sldId id="281" r:id="rId2"/>
-    <p:sldId id="257" r:id="rId3"/>
-    <p:sldId id="285" r:id="rId4"/>
-    <p:sldId id="282" r:id="rId5"/>
-    <p:sldId id="283" r:id="rId6"/>
-    <p:sldId id="284" r:id="rId7"/>
-    <p:sldId id="288" r:id="rId8"/>
-    <p:sldId id="286" r:id="rId9"/>
-    <p:sldId id="287" r:id="rId10"/>
-    <p:sldId id="289" r:id="rId11"/>
-    <p:sldId id="290" r:id="rId12"/>
-    <p:sldId id="291" r:id="rId13"/>
-    <p:sldId id="292" r:id="rId14"/>
+    <p:sldId id="257" r:id="rId2"/>
+    <p:sldId id="285" r:id="rId3"/>
+    <p:sldId id="282" r:id="rId4"/>
+    <p:sldId id="283" r:id="rId5"/>
+    <p:sldId id="284" r:id="rId6"/>
+    <p:sldId id="288" r:id="rId7"/>
+    <p:sldId id="286" r:id="rId8"/>
+    <p:sldId id="287" r:id="rId9"/>
+    <p:sldId id="289" r:id="rId10"/>
+    <p:sldId id="290" r:id="rId11"/>
+    <p:sldId id="291" r:id="rId12"/>
+    <p:sldId id="292" r:id="rId13"/>
+    <p:sldId id="293" r:id="rId14"/>
+    <p:sldId id="294" r:id="rId15"/>
+    <p:sldId id="295" r:id="rId16"/>
+    <p:sldId id="296" r:id="rId17"/>
+    <p:sldId id="297" r:id="rId18"/>
+    <p:sldId id="298" r:id="rId19"/>
+    <p:sldId id="299" r:id="rId20"/>
+    <p:sldId id="281" r:id="rId21"/>
   </p:sldIdLst>
   <p:sldSz cx="9144000" cy="6858000" type="screen4x3"/>
   <p:notesSz cx="6858000" cy="9144000"/>
@@ -209,7 +216,7 @@
           <a:p>
             <a:fld id="{9BFDADED-620D-D24E-82E2-96F000A12D1D}" type="datetimeFigureOut">
               <a:rPr lang="en-CN" smtClean="0"/>
-              <a:t>2024/1/22</a:t>
+              <a:t>2024/1/23</a:t>
             </a:fld>
             <a:endParaRPr lang="en-CN"/>
           </a:p>
@@ -542,7 +549,7 @@
           <a:p>
             <a:fld id="{9A852FB5-1F09-5546-B530-97D4A6D60E74}" type="slidenum">
               <a:rPr lang="en-CN" smtClean="0"/>
-              <a:t>2</a:t>
+              <a:t>1</a:t>
             </a:fld>
             <a:endParaRPr lang="en-CN"/>
           </a:p>
@@ -552,6 +559,90 @@
     <p:extLst>
       <p:ext uri="{BB962C8B-B14F-4D97-AF65-F5344CB8AC3E}">
         <p14:creationId xmlns:p14="http://schemas.microsoft.com/office/powerpoint/2010/main" val="1668306737"/>
+      </p:ext>
+    </p:extLst>
+  </p:cSld>
+  <p:clrMapOvr>
+    <a:masterClrMapping/>
+  </p:clrMapOvr>
+</p:notes>
+</file>
+
+<file path=ppt/notesSlides/notesSlide2.xml><?xml version="1.0" encoding="utf-8"?>
+<p:notes xmlns:a="http://schemas.openxmlformats.org/drawingml/2006/main" xmlns:r="http://schemas.openxmlformats.org/officeDocument/2006/relationships" xmlns:p="http://schemas.openxmlformats.org/presentationml/2006/main">
+  <p:cSld>
+    <p:spTree>
+      <p:nvGrpSpPr>
+        <p:cNvPr id="1" name=""/>
+        <p:cNvGrpSpPr/>
+        <p:nvPr/>
+      </p:nvGrpSpPr>
+      <p:grpSpPr>
+        <a:xfrm>
+          <a:off x="0" y="0"/>
+          <a:ext cx="0" cy="0"/>
+          <a:chOff x="0" y="0"/>
+          <a:chExt cx="0" cy="0"/>
+        </a:xfrm>
+      </p:grpSpPr>
+      <p:sp>
+        <p:nvSpPr>
+          <p:cNvPr id="2" name="Slide Image Placeholder 1"/>
+          <p:cNvSpPr>
+            <a:spLocks noGrp="1" noRot="1" noChangeAspect="1"/>
+          </p:cNvSpPr>
+          <p:nvPr>
+            <p:ph type="sldImg"/>
+          </p:nvPr>
+        </p:nvSpPr>
+        <p:spPr/>
+      </p:sp>
+      <p:sp>
+        <p:nvSpPr>
+          <p:cNvPr id="3" name="Notes Placeholder 2"/>
+          <p:cNvSpPr>
+            <a:spLocks noGrp="1"/>
+          </p:cNvSpPr>
+          <p:nvPr>
+            <p:ph type="body" idx="1"/>
+          </p:nvPr>
+        </p:nvSpPr>
+        <p:spPr/>
+        <p:txBody>
+          <a:bodyPr/>
+          <a:lstStyle/>
+          <a:p>
+            <a:endParaRPr kumimoji="1" lang="zh-CN" altLang="en-US" dirty="0"/>
+          </a:p>
+        </p:txBody>
+      </p:sp>
+      <p:sp>
+        <p:nvSpPr>
+          <p:cNvPr id="4" name="Slide Number Placeholder 3"/>
+          <p:cNvSpPr>
+            <a:spLocks noGrp="1"/>
+          </p:cNvSpPr>
+          <p:nvPr>
+            <p:ph type="sldNum" sz="quarter" idx="5"/>
+          </p:nvPr>
+        </p:nvSpPr>
+        <p:spPr/>
+        <p:txBody>
+          <a:bodyPr/>
+          <a:lstStyle/>
+          <a:p>
+            <a:fld id="{9A852FB5-1F09-5546-B530-97D4A6D60E74}" type="slidenum">
+              <a:rPr lang="en-CN" smtClean="0"/>
+              <a:t>16</a:t>
+            </a:fld>
+            <a:endParaRPr lang="en-CN"/>
+          </a:p>
+        </p:txBody>
+      </p:sp>
+    </p:spTree>
+    <p:extLst>
+      <p:ext uri="{BB962C8B-B14F-4D97-AF65-F5344CB8AC3E}">
+        <p14:creationId xmlns:p14="http://schemas.microsoft.com/office/powerpoint/2010/main" val="2301027538"/>
       </p:ext>
     </p:extLst>
   </p:cSld>
@@ -1698,7 +1789,7 @@
           <a:p>
             <a:fld id="{58D30FAB-176C-8449-8796-69F8D9C85B57}" type="datetime1">
               <a:rPr lang="en-US" smtClean="0"/>
-              <a:t>1/22/24</a:t>
+              <a:t>1/23/24</a:t>
             </a:fld>
             <a:endParaRPr lang="en-CN"/>
           </a:p>
@@ -2098,533 +2189,10 @@
       </p:grpSpPr>
       <p:sp>
         <p:nvSpPr>
-          <p:cNvPr id="2" name="Slide Number Placeholder 1">
-            <a:extLst>
-              <a:ext uri="{FF2B5EF4-FFF2-40B4-BE49-F238E27FC236}">
-                <a16:creationId xmlns:a16="http://schemas.microsoft.com/office/drawing/2014/main" id="{B21780A8-2A62-1D37-FA41-493440D7A0C2}"/>
-              </a:ext>
-            </a:extLst>
-          </p:cNvPr>
-          <p:cNvSpPr>
-            <a:spLocks noGrp="1"/>
-          </p:cNvSpPr>
-          <p:nvPr>
-            <p:ph type="sldNum" sz="quarter" idx="12"/>
-          </p:nvPr>
-        </p:nvSpPr>
-        <p:spPr/>
-        <p:txBody>
-          <a:bodyPr/>
-          <a:lstStyle/>
-          <a:p>
-            <a:fld id="{7A304655-5D53-B746-8252-3F5A598C52D3}" type="slidenum">
-              <a:rPr lang="en-CN" smtClean="0"/>
-              <a:pPr/>
-              <a:t>1</a:t>
-            </a:fld>
-            <a:endParaRPr lang="en-CN"/>
-          </a:p>
-        </p:txBody>
-      </p:sp>
-      <p:pic>
-        <p:nvPicPr>
-          <p:cNvPr id="5" name="Picture 4">
-            <a:extLst>
-              <a:ext uri="{FF2B5EF4-FFF2-40B4-BE49-F238E27FC236}">
-                <a16:creationId xmlns:a16="http://schemas.microsoft.com/office/drawing/2014/main" id="{B7523383-5359-C9E3-DD01-5D842BC27323}"/>
-              </a:ext>
-            </a:extLst>
-          </p:cNvPr>
-          <p:cNvPicPr>
-            <a:picLocks noChangeAspect="1"/>
-          </p:cNvPicPr>
-          <p:nvPr/>
-        </p:nvPicPr>
-        <p:blipFill>
-          <a:blip r:embed="rId2"/>
-          <a:stretch>
-            <a:fillRect/>
-          </a:stretch>
-        </p:blipFill>
-        <p:spPr>
-          <a:xfrm>
-            <a:off x="3202164" y="770223"/>
-            <a:ext cx="2739672" cy="1823127"/>
-          </a:xfrm>
-          <a:prstGeom prst="rect">
-            <a:avLst/>
-          </a:prstGeom>
-        </p:spPr>
-      </p:pic>
-      <p:pic>
-        <p:nvPicPr>
-          <p:cNvPr id="6" name="Picture 5">
-            <a:extLst>
-              <a:ext uri="{FF2B5EF4-FFF2-40B4-BE49-F238E27FC236}">
-                <a16:creationId xmlns:a16="http://schemas.microsoft.com/office/drawing/2014/main" id="{1D8F1FCB-02CC-AE75-09A2-48046C2FFF58}"/>
-              </a:ext>
-            </a:extLst>
-          </p:cNvPr>
-          <p:cNvPicPr>
-            <a:picLocks noChangeAspect="1"/>
-          </p:cNvPicPr>
-          <p:nvPr/>
-        </p:nvPicPr>
-        <p:blipFill>
-          <a:blip r:embed="rId3"/>
-          <a:stretch>
-            <a:fillRect/>
-          </a:stretch>
-        </p:blipFill>
-        <p:spPr>
-          <a:xfrm>
-            <a:off x="2137580" y="2724992"/>
-            <a:ext cx="4608174" cy="1972057"/>
-          </a:xfrm>
-          <a:prstGeom prst="rect">
-            <a:avLst/>
-          </a:prstGeom>
-        </p:spPr>
-      </p:pic>
-      <p:sp>
-        <p:nvSpPr>
-          <p:cNvPr id="8" name="TextBox 7">
-            <a:extLst>
-              <a:ext uri="{FF2B5EF4-FFF2-40B4-BE49-F238E27FC236}">
-                <a16:creationId xmlns:a16="http://schemas.microsoft.com/office/drawing/2014/main" id="{FCF5365B-5FB3-4693-8FDD-59683605F615}"/>
-              </a:ext>
-            </a:extLst>
-          </p:cNvPr>
-          <p:cNvSpPr txBox="1"/>
-          <p:nvPr/>
-        </p:nvSpPr>
-        <p:spPr>
-          <a:xfrm>
-            <a:off x="2137580" y="4719538"/>
-            <a:ext cx="4608174" cy="646331"/>
-          </a:xfrm>
-          <a:prstGeom prst="rect">
-            <a:avLst/>
-          </a:prstGeom>
-          <a:noFill/>
-        </p:spPr>
-        <p:txBody>
-          <a:bodyPr wrap="square">
-            <a:spAutoFit/>
-          </a:bodyPr>
-          <a:lstStyle/>
-          <a:p>
-            <a:pPr algn="ctr"/>
-            <a:r>
-              <a:rPr lang="en-US" altLang="zh-CN" dirty="0"/>
-              <a:t>QQ: 2095728218</a:t>
-            </a:r>
-          </a:p>
-          <a:p>
-            <a:pPr algn="ctr"/>
-            <a:r>
-              <a:rPr lang="en-US" altLang="zh-CN" dirty="0" err="1"/>
-              <a:t>gwzhang@cug.edu.cn</a:t>
-            </a:r>
-            <a:endParaRPr lang="en-US" altLang="zh-CN" dirty="0"/>
-          </a:p>
-        </p:txBody>
-      </p:sp>
-    </p:spTree>
-    <p:extLst>
-      <p:ext uri="{BB962C8B-B14F-4D97-AF65-F5344CB8AC3E}">
-        <p14:creationId xmlns:p14="http://schemas.microsoft.com/office/powerpoint/2010/main" val="1646968304"/>
-      </p:ext>
-    </p:extLst>
-  </p:cSld>
-  <p:clrMapOvr>
-    <a:masterClrMapping/>
-  </p:clrMapOvr>
-</p:sld>
-</file>
-
-<file path=ppt/slides/slide10.xml><?xml version="1.0" encoding="utf-8"?>
-<p:sld xmlns:a="http://schemas.openxmlformats.org/drawingml/2006/main" xmlns:r="http://schemas.openxmlformats.org/officeDocument/2006/relationships" xmlns:p="http://schemas.openxmlformats.org/presentationml/2006/main">
-  <p:cSld>
-    <p:spTree>
-      <p:nvGrpSpPr>
-        <p:cNvPr id="1" name=""/>
-        <p:cNvGrpSpPr/>
-        <p:nvPr/>
-      </p:nvGrpSpPr>
-      <p:grpSpPr>
-        <a:xfrm>
-          <a:off x="0" y="0"/>
-          <a:ext cx="0" cy="0"/>
-          <a:chOff x="0" y="0"/>
-          <a:chExt cx="0" cy="0"/>
-        </a:xfrm>
-      </p:grpSpPr>
-      <p:sp>
-        <p:nvSpPr>
-          <p:cNvPr id="2" name="Slide Number Placeholder 1">
-            <a:extLst>
-              <a:ext uri="{FF2B5EF4-FFF2-40B4-BE49-F238E27FC236}">
-                <a16:creationId xmlns:a16="http://schemas.microsoft.com/office/drawing/2014/main" id="{E373E668-847D-ED0C-5E50-9EF947EC89FA}"/>
-              </a:ext>
-            </a:extLst>
-          </p:cNvPr>
-          <p:cNvSpPr>
-            <a:spLocks noGrp="1"/>
-          </p:cNvSpPr>
-          <p:nvPr>
-            <p:ph type="sldNum" sz="quarter" idx="12"/>
-          </p:nvPr>
-        </p:nvSpPr>
-        <p:spPr/>
-        <p:txBody>
-          <a:bodyPr/>
-          <a:lstStyle/>
-          <a:p>
-            <a:fld id="{7A304655-5D53-B746-8252-3F5A598C52D3}" type="slidenum">
-              <a:rPr lang="en-CN" smtClean="0"/>
-              <a:pPr/>
-              <a:t>10</a:t>
-            </a:fld>
-            <a:endParaRPr lang="en-CN"/>
-          </a:p>
-        </p:txBody>
-      </p:sp>
-      <p:sp>
-        <p:nvSpPr>
-          <p:cNvPr id="3" name="Title 2">
-            <a:extLst>
-              <a:ext uri="{FF2B5EF4-FFF2-40B4-BE49-F238E27FC236}">
-                <a16:creationId xmlns:a16="http://schemas.microsoft.com/office/drawing/2014/main" id="{81A1DD38-946C-5041-5FA6-5E3ADB592241}"/>
-              </a:ext>
-            </a:extLst>
-          </p:cNvPr>
-          <p:cNvSpPr>
-            <a:spLocks noGrp="1"/>
-          </p:cNvSpPr>
-          <p:nvPr>
-            <p:ph type="title"/>
-          </p:nvPr>
-        </p:nvSpPr>
-        <p:spPr/>
-        <p:txBody>
-          <a:bodyPr/>
-          <a:lstStyle/>
-          <a:p>
-            <a:r>
-              <a:rPr kumimoji="1" lang="en-US" altLang="zh-CN" dirty="0"/>
-              <a:t>By</a:t>
-            </a:r>
-            <a:r>
-              <a:rPr kumimoji="1" lang="zh-CN" altLang="en-US" dirty="0"/>
-              <a:t> </a:t>
-            </a:r>
-            <a:r>
-              <a:rPr kumimoji="1" lang="en-US" altLang="zh-CN" dirty="0"/>
-              <a:t>case</a:t>
-            </a:r>
-            <a:r>
-              <a:rPr kumimoji="1" lang="zh-CN" altLang="en-US" dirty="0"/>
-              <a:t> </a:t>
-            </a:r>
-            <a:r>
-              <a:rPr kumimoji="1" lang="en-US" altLang="zh-CN" dirty="0"/>
-              <a:t>analysis!</a:t>
-            </a:r>
-            <a:r>
-              <a:rPr kumimoji="1" lang="zh-CN" altLang="en-US" dirty="0"/>
-              <a:t> </a:t>
-            </a:r>
-          </a:p>
-        </p:txBody>
-      </p:sp>
-      <p:sp>
-        <p:nvSpPr>
-          <p:cNvPr id="4" name="TextBox 3">
-            <a:extLst>
-              <a:ext uri="{FF2B5EF4-FFF2-40B4-BE49-F238E27FC236}">
-                <a16:creationId xmlns:a16="http://schemas.microsoft.com/office/drawing/2014/main" id="{50B0B41C-176F-67FB-D05E-790186DF1E49}"/>
-              </a:ext>
-            </a:extLst>
-          </p:cNvPr>
-          <p:cNvSpPr txBox="1"/>
-          <p:nvPr/>
-        </p:nvSpPr>
-        <p:spPr>
-          <a:xfrm>
-            <a:off x="812800" y="1411111"/>
-            <a:ext cx="5455340" cy="3785652"/>
-          </a:xfrm>
-          <a:prstGeom prst="rect">
-            <a:avLst/>
-          </a:prstGeom>
-          <a:noFill/>
-        </p:spPr>
-        <p:txBody>
-          <a:bodyPr wrap="none" rtlCol="0">
-            <a:spAutoFit/>
-          </a:bodyPr>
-          <a:lstStyle/>
-          <a:p>
-            <a:pPr marL="342900" indent="-342900" algn="l">
-              <a:buFont typeface="Arial" panose="020B0604020202020204" pitchFamily="34" charset="0"/>
-              <a:buChar char="•"/>
-            </a:pPr>
-            <a:r>
-              <a:rPr kumimoji="1" lang="zh-CN" altLang="en-US" sz="2400" dirty="0"/>
-              <a:t>按照要删除的节点挂了</a:t>
-            </a:r>
-            <a:r>
-              <a:rPr kumimoji="1" lang="zh-CN" altLang="en-US" sz="2400" dirty="0">
-                <a:solidFill>
-                  <a:srgbClr val="FF0000"/>
-                </a:solidFill>
-              </a:rPr>
-              <a:t>几个孩子</a:t>
-            </a:r>
-            <a:r>
-              <a:rPr kumimoji="1" lang="zh-CN" altLang="en-US" sz="2400" dirty="0"/>
-              <a:t>分为</a:t>
-            </a:r>
-            <a:endParaRPr kumimoji="1" lang="en-US" altLang="zh-CN" sz="2400" dirty="0"/>
-          </a:p>
-          <a:p>
-            <a:pPr marL="800100" lvl="1" indent="-342900">
-              <a:buFont typeface="Arial" panose="020B0604020202020204" pitchFamily="34" charset="0"/>
-              <a:buChar char="•"/>
-            </a:pPr>
-            <a:r>
-              <a:rPr kumimoji="1" lang="en-US" altLang="zh-CN" sz="2400" dirty="0">
-                <a:solidFill>
-                  <a:srgbClr val="FF0000"/>
-                </a:solidFill>
-              </a:rPr>
-              <a:t>0</a:t>
-            </a:r>
-            <a:r>
-              <a:rPr kumimoji="1" lang="en-US" altLang="zh-CN" sz="2400" dirty="0"/>
-              <a:t>:</a:t>
-            </a:r>
-            <a:r>
-              <a:rPr kumimoji="1" lang="zh-CN" altLang="en-US" sz="2400" dirty="0"/>
-              <a:t> 直接删去</a:t>
-            </a:r>
-            <a:endParaRPr kumimoji="1" lang="en-US" altLang="zh-CN" sz="2400" dirty="0"/>
-          </a:p>
-          <a:p>
-            <a:pPr marL="1257300" lvl="2" indent="-342900">
-              <a:buFont typeface="Arial" panose="020B0604020202020204" pitchFamily="34" charset="0"/>
-              <a:buChar char="•"/>
-            </a:pPr>
-            <a:r>
-              <a:rPr kumimoji="1" lang="zh-CN" altLang="en-US" sz="2400" dirty="0"/>
-              <a:t>保持了</a:t>
-            </a:r>
-            <a:r>
-              <a:rPr kumimoji="1" lang="en-US" altLang="zh-CN" sz="2400" dirty="0"/>
-              <a:t>BST</a:t>
-            </a:r>
-            <a:r>
-              <a:rPr kumimoji="1" lang="zh-CN" altLang="en-US" sz="2400" dirty="0"/>
-              <a:t>的性质吗</a:t>
-            </a:r>
-            <a:r>
-              <a:rPr kumimoji="1" lang="en-US" altLang="zh-CN" sz="2400" dirty="0"/>
-              <a:t>?</a:t>
-            </a:r>
-          </a:p>
-          <a:p>
-            <a:pPr marL="800100" lvl="1" indent="-342900">
-              <a:buFont typeface="Arial" panose="020B0604020202020204" pitchFamily="34" charset="0"/>
-              <a:buChar char="•"/>
-            </a:pPr>
-            <a:r>
-              <a:rPr kumimoji="1" lang="en-US" altLang="zh-CN" sz="2400" dirty="0">
-                <a:solidFill>
-                  <a:srgbClr val="FF0000"/>
-                </a:solidFill>
-              </a:rPr>
-              <a:t>1</a:t>
-            </a:r>
-            <a:r>
-              <a:rPr kumimoji="1" lang="en-US" altLang="zh-CN" sz="2400" dirty="0"/>
-              <a:t>:</a:t>
-            </a:r>
-            <a:r>
-              <a:rPr kumimoji="1" lang="zh-CN" altLang="en-US" sz="2400" dirty="0"/>
-              <a:t> 直接删去</a:t>
-            </a:r>
-            <a:r>
-              <a:rPr kumimoji="1" lang="en-US" altLang="zh-CN" sz="2400" dirty="0"/>
-              <a:t>,</a:t>
-            </a:r>
-            <a:r>
-              <a:rPr kumimoji="1" lang="zh-CN" altLang="en-US" sz="2400" dirty="0"/>
-              <a:t> 把那个孩子</a:t>
-            </a:r>
-            <a:r>
-              <a:rPr kumimoji="1" lang="zh-CN" altLang="en-CN" sz="2400" dirty="0"/>
-              <a:t>挂过来</a:t>
-            </a:r>
-            <a:endParaRPr kumimoji="1" lang="en-US" altLang="zh-CN" sz="2400" dirty="0"/>
-          </a:p>
-          <a:p>
-            <a:pPr marL="1257300" lvl="2" indent="-342900">
-              <a:buFont typeface="Arial" panose="020B0604020202020204" pitchFamily="34" charset="0"/>
-              <a:buChar char="•"/>
-            </a:pPr>
-            <a:r>
-              <a:rPr kumimoji="1" lang="zh-CN" altLang="en-US" sz="2400" dirty="0"/>
-              <a:t>保持了</a:t>
-            </a:r>
-            <a:r>
-              <a:rPr kumimoji="1" lang="en-US" altLang="zh-CN" sz="2400" dirty="0"/>
-              <a:t>BST</a:t>
-            </a:r>
-            <a:r>
-              <a:rPr kumimoji="1" lang="zh-CN" altLang="en-US" sz="2400" dirty="0"/>
-              <a:t>的性质吗</a:t>
-            </a:r>
-            <a:r>
-              <a:rPr kumimoji="1" lang="en-US" altLang="zh-CN" sz="2400" dirty="0"/>
-              <a:t>?</a:t>
-            </a:r>
-          </a:p>
-          <a:p>
-            <a:pPr marL="1257300" lvl="2" indent="-342900">
-              <a:buFont typeface="Arial" panose="020B0604020202020204" pitchFamily="34" charset="0"/>
-              <a:buChar char="•"/>
-            </a:pPr>
-            <a:endParaRPr kumimoji="1" lang="en-US" altLang="zh-CN" sz="2400" dirty="0"/>
-          </a:p>
-          <a:p>
-            <a:pPr marL="1257300" lvl="2" indent="-342900">
-              <a:buFont typeface="Arial" panose="020B0604020202020204" pitchFamily="34" charset="0"/>
-              <a:buChar char="•"/>
-            </a:pPr>
-            <a:endParaRPr kumimoji="1" lang="en-US" altLang="zh-CN" sz="2400" dirty="0"/>
-          </a:p>
-          <a:p>
-            <a:pPr marL="1257300" lvl="2" indent="-342900">
-              <a:buFont typeface="Arial" panose="020B0604020202020204" pitchFamily="34" charset="0"/>
-              <a:buChar char="•"/>
-            </a:pPr>
-            <a:endParaRPr kumimoji="1" lang="en-US" altLang="zh-CN" sz="2400" dirty="0"/>
-          </a:p>
-          <a:p>
-            <a:pPr marL="1257300" lvl="2" indent="-342900">
-              <a:buFont typeface="Arial" panose="020B0604020202020204" pitchFamily="34" charset="0"/>
-              <a:buChar char="•"/>
-            </a:pPr>
-            <a:endParaRPr kumimoji="1" lang="en-US" altLang="zh-CN" sz="2400" dirty="0"/>
-          </a:p>
-          <a:p>
-            <a:pPr marL="800100" lvl="1" indent="-342900">
-              <a:buFont typeface="Arial" panose="020B0604020202020204" pitchFamily="34" charset="0"/>
-              <a:buChar char="•"/>
-            </a:pPr>
-            <a:r>
-              <a:rPr kumimoji="1" lang="en-US" altLang="zh-CN" sz="2400" dirty="0">
-                <a:solidFill>
-                  <a:srgbClr val="FF0000"/>
-                </a:solidFill>
-              </a:rPr>
-              <a:t>2</a:t>
-            </a:r>
-            <a:r>
-              <a:rPr kumimoji="1" lang="en-US" altLang="zh-CN" sz="2400" dirty="0"/>
-              <a:t>:</a:t>
-            </a:r>
-            <a:r>
-              <a:rPr kumimoji="1" lang="zh-CN" altLang="en-US" sz="2400" dirty="0"/>
-              <a:t> 那该选谁做继承人</a:t>
-            </a:r>
-            <a:r>
-              <a:rPr kumimoji="1" lang="en-US" altLang="zh-CN" sz="2400" dirty="0"/>
-              <a:t>???</a:t>
-            </a:r>
-            <a:endParaRPr kumimoji="1" lang="zh-CN" altLang="en-US" sz="2400" dirty="0"/>
-          </a:p>
-        </p:txBody>
-      </p:sp>
-      <p:pic>
-        <p:nvPicPr>
-          <p:cNvPr id="5" name="Picture 4">
-            <a:extLst>
-              <a:ext uri="{FF2B5EF4-FFF2-40B4-BE49-F238E27FC236}">
-                <a16:creationId xmlns:a16="http://schemas.microsoft.com/office/drawing/2014/main" id="{E0D713BB-8FB5-9361-FCE6-CB24F50D3E6F}"/>
-              </a:ext>
-            </a:extLst>
-          </p:cNvPr>
-          <p:cNvPicPr>
-            <a:picLocks noChangeAspect="1"/>
-          </p:cNvPicPr>
-          <p:nvPr/>
-        </p:nvPicPr>
-        <p:blipFill>
-          <a:blip r:embed="rId2"/>
-          <a:stretch>
-            <a:fillRect/>
-          </a:stretch>
-        </p:blipFill>
-        <p:spPr>
-          <a:xfrm>
-            <a:off x="6013450" y="2145354"/>
-            <a:ext cx="2819400" cy="3175000"/>
-          </a:xfrm>
-          <a:prstGeom prst="rect">
-            <a:avLst/>
-          </a:prstGeom>
-        </p:spPr>
-      </p:pic>
-      <p:cxnSp>
-        <p:nvCxnSpPr>
-          <p:cNvPr id="6" name="Straight Arrow Connector 5">
-            <a:extLst>
-              <a:ext uri="{FF2B5EF4-FFF2-40B4-BE49-F238E27FC236}">
-                <a16:creationId xmlns:a16="http://schemas.microsoft.com/office/drawing/2014/main" id="{426BBBC0-D90B-DD7B-DC17-1DC07BF18B07}"/>
-              </a:ext>
-            </a:extLst>
-          </p:cNvPr>
-          <p:cNvCxnSpPr/>
-          <p:nvPr/>
-        </p:nvCxnSpPr>
-        <p:spPr>
-          <a:xfrm flipV="1">
-            <a:off x="7773105" y="3182521"/>
-            <a:ext cx="699911" cy="349955"/>
-          </a:xfrm>
-          <a:prstGeom prst="straightConnector1">
-            <a:avLst/>
-          </a:prstGeom>
-          <a:ln w="57150">
-            <a:solidFill>
-              <a:srgbClr val="FF0000"/>
-            </a:solidFill>
-            <a:tailEnd type="triangle"/>
-          </a:ln>
-        </p:spPr>
-        <p:style>
-          <a:lnRef idx="1">
-            <a:schemeClr val="accent1"/>
-          </a:lnRef>
-          <a:fillRef idx="0">
-            <a:schemeClr val="accent1"/>
-          </a:fillRef>
-          <a:effectRef idx="0">
-            <a:schemeClr val="accent1"/>
-          </a:effectRef>
-          <a:fontRef idx="minor">
-            <a:schemeClr val="tx1"/>
-          </a:fontRef>
-        </p:style>
-      </p:cxnSp>
-      <p:sp>
-        <p:nvSpPr>
-          <p:cNvPr id="7" name="Freeform 6">
-            <a:extLst>
-              <a:ext uri="{FF2B5EF4-FFF2-40B4-BE49-F238E27FC236}">
-                <a16:creationId xmlns:a16="http://schemas.microsoft.com/office/drawing/2014/main" id="{980908E3-7465-D28E-9B05-1605DEEFE2AD}"/>
+          <p:cNvPr id="3" name="Rectangle 2">
+            <a:extLst>
+              <a:ext uri="{FF2B5EF4-FFF2-40B4-BE49-F238E27FC236}">
+                <a16:creationId xmlns:a16="http://schemas.microsoft.com/office/drawing/2014/main" id="{1D03929E-B7C5-1B04-3393-1A8AE3FEEBDE}"/>
               </a:ext>
             </a:extLst>
           </p:cNvPr>
@@ -2633,58 +2201,17 @@
         </p:nvSpPr>
         <p:spPr>
           <a:xfrm>
-            <a:off x="7360356" y="2878667"/>
-            <a:ext cx="353302" cy="869244"/>
-          </a:xfrm>
-          <a:custGeom>
-            <a:avLst/>
-            <a:gdLst>
-              <a:gd name="connsiteX0" fmla="*/ 0 w 353302"/>
-              <a:gd name="connsiteY0" fmla="*/ 0 h 869244"/>
-              <a:gd name="connsiteX1" fmla="*/ 349955 w 353302"/>
-              <a:gd name="connsiteY1" fmla="*/ 417689 h 869244"/>
-              <a:gd name="connsiteX2" fmla="*/ 146755 w 353302"/>
-              <a:gd name="connsiteY2" fmla="*/ 869244 h 869244"/>
-            </a:gdLst>
-            <a:ahLst/>
-            <a:cxnLst>
-              <a:cxn ang="0">
-                <a:pos x="connsiteX0" y="connsiteY0"/>
-              </a:cxn>
-              <a:cxn ang="0">
-                <a:pos x="connsiteX1" y="connsiteY1"/>
-              </a:cxn>
-              <a:cxn ang="0">
-                <a:pos x="connsiteX2" y="connsiteY2"/>
-              </a:cxn>
-            </a:cxnLst>
-            <a:rect l="l" t="t" r="r" b="b"/>
-            <a:pathLst>
-              <a:path w="353302" h="869244">
-                <a:moveTo>
-                  <a:pt x="0" y="0"/>
-                </a:moveTo>
-                <a:cubicBezTo>
-                  <a:pt x="162748" y="136407"/>
-                  <a:pt x="325496" y="272815"/>
-                  <a:pt x="349955" y="417689"/>
-                </a:cubicBezTo>
-                <a:cubicBezTo>
-                  <a:pt x="374414" y="562563"/>
-                  <a:pt x="260584" y="715903"/>
-                  <a:pt x="146755" y="869244"/>
-                </a:cubicBezTo>
-              </a:path>
-            </a:pathLst>
-          </a:custGeom>
-          <a:noFill/>
-          <a:ln w="50800">
-            <a:solidFill>
-              <a:srgbClr val="C00000"/>
-            </a:solidFill>
-            <a:prstDash val="sysDash"/>
-            <a:tailEnd type="triangle" w="med" len="lg"/>
-          </a:ln>
+            <a:off x="532435" y="590309"/>
+            <a:ext cx="4039565" cy="4953964"/>
+          </a:xfrm>
+          <a:prstGeom prst="rect">
+            <a:avLst/>
+          </a:prstGeom>
+          <a:solidFill>
+            <a:schemeClr val="lt1">
+              <a:alpha val="75518"/>
+            </a:schemeClr>
+          </a:solidFill>
         </p:spPr>
         <p:style>
           <a:lnRef idx="2">
@@ -2705,46 +2232,20 @@
           <a:lstStyle/>
           <a:p>
             <a:pPr algn="ctr"/>
-            <a:endParaRPr kumimoji="1" lang="zh-CN" altLang="en-US"/>
-          </a:p>
-        </p:txBody>
-      </p:sp>
-    </p:spTree>
-    <p:extLst>
-      <p:ext uri="{BB962C8B-B14F-4D97-AF65-F5344CB8AC3E}">
-        <p14:creationId xmlns:p14="http://schemas.microsoft.com/office/powerpoint/2010/main" val="1717940072"/>
-      </p:ext>
-    </p:extLst>
-  </p:cSld>
-  <p:clrMapOvr>
-    <a:masterClrMapping/>
-  </p:clrMapOvr>
-</p:sld>
-</file>
-
-<file path=ppt/slides/slide11.xml><?xml version="1.0" encoding="utf-8"?>
-<p:sld xmlns:a="http://schemas.openxmlformats.org/drawingml/2006/main" xmlns:r="http://schemas.openxmlformats.org/officeDocument/2006/relationships" xmlns:p="http://schemas.openxmlformats.org/presentationml/2006/main">
-  <p:cSld>
-    <p:spTree>
-      <p:nvGrpSpPr>
-        <p:cNvPr id="1" name=""/>
-        <p:cNvGrpSpPr/>
-        <p:nvPr/>
-      </p:nvGrpSpPr>
-      <p:grpSpPr>
-        <a:xfrm>
-          <a:off x="0" y="0"/>
-          <a:ext cx="0" cy="0"/>
-          <a:chOff x="0" y="0"/>
-          <a:chExt cx="0" cy="0"/>
-        </a:xfrm>
-      </p:grpSpPr>
+            <a:endParaRPr kumimoji="1" lang="zh-CN" altLang="en-US" sz="1600" dirty="0">
+              <a:latin typeface="Consolas" panose="020B0609020204030204" pitchFamily="49" charset="0"/>
+              <a:ea typeface="FangSong" panose="02010609060101010101" pitchFamily="49" charset="-122"/>
+              <a:cs typeface="Consolas" panose="020B0609020204030204" pitchFamily="49" charset="0"/>
+            </a:endParaRPr>
+          </a:p>
+        </p:txBody>
+      </p:sp>
       <p:sp>
         <p:nvSpPr>
           <p:cNvPr id="2" name="Slide Number Placeholder 1">
             <a:extLst>
               <a:ext uri="{FF2B5EF4-FFF2-40B4-BE49-F238E27FC236}">
-                <a16:creationId xmlns:a16="http://schemas.microsoft.com/office/drawing/2014/main" id="{8E50C3E6-4429-77B1-103C-E94C55B0B9DA}"/>
+                <a16:creationId xmlns:a16="http://schemas.microsoft.com/office/drawing/2014/main" id="{221EDF88-8D28-2A7D-1737-B9112AC5E0F0}"/>
               </a:ext>
             </a:extLst>
           </p:cNvPr>
@@ -2763,42 +2264,9 @@
             <a:fld id="{7A304655-5D53-B746-8252-3F5A598C52D3}" type="slidenum">
               <a:rPr lang="en-CN" smtClean="0"/>
               <a:pPr/>
-              <a:t>11</a:t>
+              <a:t>1</a:t>
             </a:fld>
-            <a:endParaRPr lang="en-CN"/>
-          </a:p>
-        </p:txBody>
-      </p:sp>
-      <p:sp>
-        <p:nvSpPr>
-          <p:cNvPr id="3" name="Title 2">
-            <a:extLst>
-              <a:ext uri="{FF2B5EF4-FFF2-40B4-BE49-F238E27FC236}">
-                <a16:creationId xmlns:a16="http://schemas.microsoft.com/office/drawing/2014/main" id="{56C4097F-0921-3440-5083-F45161DCB3E0}"/>
-              </a:ext>
-            </a:extLst>
-          </p:cNvPr>
-          <p:cNvSpPr>
-            <a:spLocks noGrp="1"/>
-          </p:cNvSpPr>
-          <p:nvPr>
-            <p:ph type="title"/>
-          </p:nvPr>
-        </p:nvSpPr>
-        <p:spPr/>
-        <p:txBody>
-          <a:bodyPr/>
-          <a:lstStyle/>
-          <a:p>
-            <a:r>
-              <a:rPr kumimoji="1" lang="zh-CN" altLang="en-US" dirty="0"/>
-              <a:t>例子</a:t>
-            </a:r>
-            <a:r>
-              <a:rPr kumimoji="1" lang="en-US" altLang="zh-CN" dirty="0"/>
-              <a:t>2.</a:t>
-            </a:r>
-            <a:endParaRPr kumimoji="1" lang="zh-CN" altLang="en-US" dirty="0"/>
+            <a:endParaRPr lang="en-CN" dirty="0"/>
           </a:p>
         </p:txBody>
       </p:sp>
@@ -2807,7 +2275,7 @@
           <p:cNvPr id="4" name="TextBox 3">
             <a:extLst>
               <a:ext uri="{FF2B5EF4-FFF2-40B4-BE49-F238E27FC236}">
-                <a16:creationId xmlns:a16="http://schemas.microsoft.com/office/drawing/2014/main" id="{58BA2A1E-7D92-7BC8-5BBA-6F7CA111077A}"/>
+                <a16:creationId xmlns:a16="http://schemas.microsoft.com/office/drawing/2014/main" id="{8B29882B-FFAE-239E-8E47-130FA67976AD}"/>
               </a:ext>
             </a:extLst>
           </p:cNvPr>
@@ -2816,391 +2284,8 @@
         </p:nvSpPr>
         <p:spPr>
           <a:xfrm>
-            <a:off x="723900" y="1358900"/>
-            <a:ext cx="4394152" cy="830997"/>
-          </a:xfrm>
-          <a:prstGeom prst="rect">
-            <a:avLst/>
-          </a:prstGeom>
-          <a:noFill/>
-        </p:spPr>
-        <p:txBody>
-          <a:bodyPr wrap="none" rtlCol="0">
-            <a:spAutoFit/>
-          </a:bodyPr>
-          <a:lstStyle/>
-          <a:p>
-            <a:pPr marL="342900" indent="-342900" algn="l">
-              <a:buFont typeface="Arial" panose="020B0604020202020204" pitchFamily="34" charset="0"/>
-              <a:buChar char="•"/>
-            </a:pPr>
-            <a:r>
-              <a:rPr kumimoji="1" lang="zh-CN" altLang="en-US" sz="2400" dirty="0"/>
-              <a:t>刚刚的不够强</a:t>
-            </a:r>
-            <a:r>
-              <a:rPr kumimoji="1" lang="en-US" altLang="zh-CN" sz="2400" dirty="0"/>
-              <a:t>,</a:t>
-            </a:r>
-            <a:r>
-              <a:rPr kumimoji="1" lang="zh-CN" altLang="en-US" sz="2400" dirty="0"/>
-              <a:t> 再来一组强的</a:t>
-            </a:r>
-            <a:endParaRPr kumimoji="1" lang="en-US" altLang="zh-CN" sz="2400" dirty="0"/>
-          </a:p>
-          <a:p>
-            <a:pPr marL="342900" indent="-342900">
-              <a:buFont typeface="Arial" panose="020B0604020202020204" pitchFamily="34" charset="0"/>
-              <a:buChar char="•"/>
-            </a:pPr>
-            <a:r>
-              <a:rPr kumimoji="1" lang="zh-CN" altLang="en-US" sz="2400" dirty="0"/>
-              <a:t>分析大小关系</a:t>
-            </a:r>
-          </a:p>
-        </p:txBody>
-      </p:sp>
-      <p:pic>
-        <p:nvPicPr>
-          <p:cNvPr id="5" name="Picture 4">
-            <a:extLst>
-              <a:ext uri="{FF2B5EF4-FFF2-40B4-BE49-F238E27FC236}">
-                <a16:creationId xmlns:a16="http://schemas.microsoft.com/office/drawing/2014/main" id="{13CC1097-4DC2-0274-AD47-20720C1813E1}"/>
-              </a:ext>
-            </a:extLst>
-          </p:cNvPr>
-          <p:cNvPicPr>
-            <a:picLocks noChangeAspect="1"/>
-          </p:cNvPicPr>
-          <p:nvPr/>
-        </p:nvPicPr>
-        <p:blipFill>
-          <a:blip r:embed="rId2"/>
-          <a:stretch>
-            <a:fillRect/>
-          </a:stretch>
-        </p:blipFill>
-        <p:spPr>
-          <a:xfrm>
-            <a:off x="215852" y="2189897"/>
-            <a:ext cx="5105400" cy="3898872"/>
-          </a:xfrm>
-          <a:prstGeom prst="rect">
-            <a:avLst/>
-          </a:prstGeom>
-        </p:spPr>
-      </p:pic>
-      <p:cxnSp>
-        <p:nvCxnSpPr>
-          <p:cNvPr id="6" name="Straight Arrow Connector 5">
-            <a:extLst>
-              <a:ext uri="{FF2B5EF4-FFF2-40B4-BE49-F238E27FC236}">
-                <a16:creationId xmlns:a16="http://schemas.microsoft.com/office/drawing/2014/main" id="{3E30DE22-3AED-2A08-26E0-6D43D4BAE287}"/>
-              </a:ext>
-            </a:extLst>
-          </p:cNvPr>
-          <p:cNvCxnSpPr/>
-          <p:nvPr/>
-        </p:nvCxnSpPr>
-        <p:spPr>
-          <a:xfrm flipV="1">
-            <a:off x="3429705" y="2990301"/>
-            <a:ext cx="699911" cy="349955"/>
-          </a:xfrm>
-          <a:prstGeom prst="straightConnector1">
-            <a:avLst/>
-          </a:prstGeom>
-          <a:ln w="57150">
-            <a:solidFill>
-              <a:srgbClr val="FF0000"/>
-            </a:solidFill>
-            <a:tailEnd type="triangle"/>
-          </a:ln>
-        </p:spPr>
-        <p:style>
-          <a:lnRef idx="1">
-            <a:schemeClr val="accent1"/>
-          </a:lnRef>
-          <a:fillRef idx="0">
-            <a:schemeClr val="accent1"/>
-          </a:fillRef>
-          <a:effectRef idx="0">
-            <a:schemeClr val="accent1"/>
-          </a:effectRef>
-          <a:fontRef idx="minor">
-            <a:schemeClr val="tx1"/>
-          </a:fontRef>
-        </p:style>
-      </p:cxnSp>
-      <p:sp>
-        <p:nvSpPr>
-          <p:cNvPr id="7" name="TextBox 6">
-            <a:extLst>
-              <a:ext uri="{FF2B5EF4-FFF2-40B4-BE49-F238E27FC236}">
-                <a16:creationId xmlns:a16="http://schemas.microsoft.com/office/drawing/2014/main" id="{8F37A5FF-0C50-9F8D-E449-8A848BE24ADA}"/>
-              </a:ext>
-            </a:extLst>
-          </p:cNvPr>
-          <p:cNvSpPr txBox="1"/>
-          <p:nvPr/>
-        </p:nvSpPr>
-        <p:spPr>
-          <a:xfrm>
-            <a:off x="3429705" y="3000983"/>
-            <a:ext cx="717248" cy="400110"/>
-          </a:xfrm>
-          <a:prstGeom prst="rect">
-            <a:avLst/>
-          </a:prstGeom>
-          <a:noFill/>
-        </p:spPr>
-        <p:txBody>
-          <a:bodyPr wrap="none" rtlCol="0">
-            <a:spAutoFit/>
-          </a:bodyPr>
-          <a:lstStyle/>
-          <a:p>
-            <a:pPr algn="l"/>
-            <a:r>
-              <a:rPr kumimoji="1" lang="en-US" altLang="zh-CN" sz="2000" dirty="0"/>
-              <a:t>0111</a:t>
-            </a:r>
-            <a:endParaRPr kumimoji="1" lang="zh-CN" altLang="en-US" sz="2000" dirty="0"/>
-          </a:p>
-        </p:txBody>
-      </p:sp>
-      <p:sp>
-        <p:nvSpPr>
-          <p:cNvPr id="9" name="Freeform 8">
-            <a:extLst>
-              <a:ext uri="{FF2B5EF4-FFF2-40B4-BE49-F238E27FC236}">
-                <a16:creationId xmlns:a16="http://schemas.microsoft.com/office/drawing/2014/main" id="{6BB52863-D03E-6A88-ECCD-4306D27E7D60}"/>
-              </a:ext>
-            </a:extLst>
-          </p:cNvPr>
-          <p:cNvSpPr/>
-          <p:nvPr/>
-        </p:nvSpPr>
-        <p:spPr>
-          <a:xfrm>
-            <a:off x="1803400" y="3403756"/>
-            <a:ext cx="2032000" cy="2298700"/>
-          </a:xfrm>
-          <a:custGeom>
-            <a:avLst/>
-            <a:gdLst>
-              <a:gd name="connsiteX0" fmla="*/ 1485900 w 2032000"/>
-              <a:gd name="connsiteY0" fmla="*/ 0 h 2298700"/>
-              <a:gd name="connsiteX1" fmla="*/ 0 w 2032000"/>
-              <a:gd name="connsiteY1" fmla="*/ 2235200 h 2298700"/>
-              <a:gd name="connsiteX2" fmla="*/ 2032000 w 2032000"/>
-              <a:gd name="connsiteY2" fmla="*/ 2298700 h 2298700"/>
-              <a:gd name="connsiteX3" fmla="*/ 1485900 w 2032000"/>
-              <a:gd name="connsiteY3" fmla="*/ 0 h 2298700"/>
-            </a:gdLst>
-            <a:ahLst/>
-            <a:cxnLst>
-              <a:cxn ang="0">
-                <a:pos x="connsiteX0" y="connsiteY0"/>
-              </a:cxn>
-              <a:cxn ang="0">
-                <a:pos x="connsiteX1" y="connsiteY1"/>
-              </a:cxn>
-              <a:cxn ang="0">
-                <a:pos x="connsiteX2" y="connsiteY2"/>
-              </a:cxn>
-              <a:cxn ang="0">
-                <a:pos x="connsiteX3" y="connsiteY3"/>
-              </a:cxn>
-            </a:cxnLst>
-            <a:rect l="l" t="t" r="r" b="b"/>
-            <a:pathLst>
-              <a:path w="2032000" h="2298700">
-                <a:moveTo>
-                  <a:pt x="1485900" y="0"/>
-                </a:moveTo>
-                <a:lnTo>
-                  <a:pt x="0" y="2235200"/>
-                </a:lnTo>
-                <a:lnTo>
-                  <a:pt x="2032000" y="2298700"/>
-                </a:lnTo>
-                <a:lnTo>
-                  <a:pt x="1485900" y="0"/>
-                </a:lnTo>
-                <a:close/>
-              </a:path>
-            </a:pathLst>
-          </a:custGeom>
-          <a:solidFill>
-            <a:schemeClr val="lt1">
-              <a:alpha val="75518"/>
-            </a:schemeClr>
-          </a:solidFill>
-        </p:spPr>
-        <p:style>
-          <a:lnRef idx="2">
-            <a:schemeClr val="accent5"/>
-          </a:lnRef>
-          <a:fillRef idx="1">
-            <a:schemeClr val="lt1"/>
-          </a:fillRef>
-          <a:effectRef idx="0">
-            <a:schemeClr val="accent5"/>
-          </a:effectRef>
-          <a:fontRef idx="minor">
-            <a:schemeClr val="dk1"/>
-          </a:fontRef>
-        </p:style>
-        <p:txBody>
-          <a:bodyPr rtlCol="0" anchor="ctr"/>
-          <a:lstStyle/>
-          <a:p>
-            <a:pPr algn="ctr"/>
-            <a:r>
-              <a:rPr kumimoji="1" lang="zh-CN" altLang="en-US" sz="1600" dirty="0">
-                <a:latin typeface="Consolas" panose="020B0609020204030204" pitchFamily="49" charset="0"/>
-                <a:ea typeface="FangSong" panose="02010609060101010101" pitchFamily="49" charset="-122"/>
-                <a:cs typeface="Consolas" panose="020B0609020204030204" pitchFamily="49" charset="0"/>
-              </a:rPr>
-              <a:t>    </a:t>
-            </a:r>
-            <a:r>
-              <a:rPr kumimoji="1" lang="en-US" altLang="zh-CN" sz="1600" dirty="0">
-                <a:latin typeface="Consolas" panose="020B0609020204030204" pitchFamily="49" charset="0"/>
-                <a:ea typeface="FangSong" panose="02010609060101010101" pitchFamily="49" charset="-122"/>
-                <a:cs typeface="Consolas" panose="020B0609020204030204" pitchFamily="49" charset="0"/>
-              </a:rPr>
-              <a:t>&lt;0111</a:t>
-            </a:r>
-            <a:endParaRPr kumimoji="1" lang="zh-CN" altLang="en-US" sz="1600" dirty="0">
-              <a:latin typeface="Consolas" panose="020B0609020204030204" pitchFamily="49" charset="0"/>
-              <a:ea typeface="FangSong" panose="02010609060101010101" pitchFamily="49" charset="-122"/>
-              <a:cs typeface="Consolas" panose="020B0609020204030204" pitchFamily="49" charset="0"/>
-            </a:endParaRPr>
-          </a:p>
-        </p:txBody>
-      </p:sp>
-      <p:sp>
-        <p:nvSpPr>
-          <p:cNvPr id="10" name="Freeform 9">
-            <a:extLst>
-              <a:ext uri="{FF2B5EF4-FFF2-40B4-BE49-F238E27FC236}">
-                <a16:creationId xmlns:a16="http://schemas.microsoft.com/office/drawing/2014/main" id="{5165849B-FE9F-F62F-169E-E974257942C4}"/>
-              </a:ext>
-            </a:extLst>
-          </p:cNvPr>
-          <p:cNvSpPr/>
-          <p:nvPr/>
-        </p:nvSpPr>
-        <p:spPr>
-          <a:xfrm>
-            <a:off x="3898900" y="3543456"/>
-            <a:ext cx="1003300" cy="1092200"/>
-          </a:xfrm>
-          <a:custGeom>
-            <a:avLst/>
-            <a:gdLst>
-              <a:gd name="connsiteX0" fmla="*/ 317500 w 1003300"/>
-              <a:gd name="connsiteY0" fmla="*/ 0 h 1092200"/>
-              <a:gd name="connsiteX1" fmla="*/ 0 w 1003300"/>
-              <a:gd name="connsiteY1" fmla="*/ 1028700 h 1092200"/>
-              <a:gd name="connsiteX2" fmla="*/ 1003300 w 1003300"/>
-              <a:gd name="connsiteY2" fmla="*/ 1092200 h 1092200"/>
-              <a:gd name="connsiteX3" fmla="*/ 317500 w 1003300"/>
-              <a:gd name="connsiteY3" fmla="*/ 0 h 1092200"/>
-            </a:gdLst>
-            <a:ahLst/>
-            <a:cxnLst>
-              <a:cxn ang="0">
-                <a:pos x="connsiteX0" y="connsiteY0"/>
-              </a:cxn>
-              <a:cxn ang="0">
-                <a:pos x="connsiteX1" y="connsiteY1"/>
-              </a:cxn>
-              <a:cxn ang="0">
-                <a:pos x="connsiteX2" y="connsiteY2"/>
-              </a:cxn>
-              <a:cxn ang="0">
-                <a:pos x="connsiteX3" y="connsiteY3"/>
-              </a:cxn>
-            </a:cxnLst>
-            <a:rect l="l" t="t" r="r" b="b"/>
-            <a:pathLst>
-              <a:path w="1003300" h="1092200">
-                <a:moveTo>
-                  <a:pt x="317500" y="0"/>
-                </a:moveTo>
-                <a:lnTo>
-                  <a:pt x="0" y="1028700"/>
-                </a:lnTo>
-                <a:lnTo>
-                  <a:pt x="1003300" y="1092200"/>
-                </a:lnTo>
-                <a:lnTo>
-                  <a:pt x="317500" y="0"/>
-                </a:lnTo>
-                <a:close/>
-              </a:path>
-            </a:pathLst>
-          </a:custGeom>
-          <a:solidFill>
-            <a:schemeClr val="lt1">
-              <a:alpha val="75518"/>
-            </a:schemeClr>
-          </a:solidFill>
-        </p:spPr>
-        <p:style>
-          <a:lnRef idx="2">
-            <a:schemeClr val="accent5"/>
-          </a:lnRef>
-          <a:fillRef idx="1">
-            <a:schemeClr val="lt1"/>
-          </a:fillRef>
-          <a:effectRef idx="0">
-            <a:schemeClr val="accent5"/>
-          </a:effectRef>
-          <a:fontRef idx="minor">
-            <a:schemeClr val="dk1"/>
-          </a:fontRef>
-        </p:style>
-        <p:txBody>
-          <a:bodyPr rtlCol="0" anchor="ctr"/>
-          <a:lstStyle/>
-          <a:p>
-            <a:pPr algn="ctr"/>
-            <a:r>
-              <a:rPr kumimoji="1" lang="en-US" altLang="zh-CN" sz="1600" dirty="0">
-                <a:latin typeface="Consolas" panose="020B0609020204030204" pitchFamily="49" charset="0"/>
-                <a:ea typeface="FangSong" panose="02010609060101010101" pitchFamily="49" charset="-122"/>
-                <a:cs typeface="Consolas" panose="020B0609020204030204" pitchFamily="49" charset="0"/>
-              </a:rPr>
-              <a:t>&gt;0111</a:t>
-            </a:r>
-            <a:endParaRPr kumimoji="1" lang="zh-CN" altLang="en-US" sz="1600" dirty="0">
-              <a:latin typeface="Consolas" panose="020B0609020204030204" pitchFamily="49" charset="0"/>
-              <a:ea typeface="FangSong" panose="02010609060101010101" pitchFamily="49" charset="-122"/>
-              <a:cs typeface="Consolas" panose="020B0609020204030204" pitchFamily="49" charset="0"/>
-            </a:endParaRPr>
-          </a:p>
-        </p:txBody>
-      </p:sp>
-      <p:sp>
-        <p:nvSpPr>
-          <p:cNvPr id="11" name="TextBox 10">
-            <a:extLst>
-              <a:ext uri="{FF2B5EF4-FFF2-40B4-BE49-F238E27FC236}">
-                <a16:creationId xmlns:a16="http://schemas.microsoft.com/office/drawing/2014/main" id="{CEF9DFA6-CCCC-2F43-EB00-D6FED0A2775E}"/>
-              </a:ext>
-            </a:extLst>
-          </p:cNvPr>
-          <p:cNvSpPr txBox="1"/>
-          <p:nvPr/>
-        </p:nvSpPr>
-        <p:spPr>
-          <a:xfrm>
-            <a:off x="5118052" y="2271107"/>
-            <a:ext cx="3933326" cy="1569660"/>
+            <a:off x="5331854" y="2194560"/>
+            <a:ext cx="3059109" cy="707886"/>
           </a:xfrm>
           <a:prstGeom prst="rect">
             <a:avLst/>
@@ -3213,180 +2298,20 @@
           </a:bodyPr>
           <a:lstStyle/>
           <a:p>
-            <a:pPr marL="342900" indent="-342900" algn="l">
-              <a:buFont typeface="Arial" panose="020B0604020202020204" pitchFamily="34" charset="0"/>
-              <a:buChar char="•"/>
-            </a:pPr>
-            <a:r>
-              <a:rPr kumimoji="1" lang="en-US" altLang="zh-CN" sz="2400" dirty="0"/>
-              <a:t>0111</a:t>
-            </a:r>
-            <a:r>
-              <a:rPr kumimoji="1" lang="zh-CN" altLang="en-US" sz="2400" dirty="0"/>
-              <a:t>在他们的 </a:t>
-            </a:r>
-            <a:r>
-              <a:rPr kumimoji="1" lang="en-US" altLang="zh-CN" sz="2400" dirty="0"/>
-              <a:t>“</a:t>
-            </a:r>
-            <a:r>
-              <a:rPr kumimoji="1" lang="zh-CN" altLang="en-US" sz="2400" dirty="0"/>
-              <a:t>中间</a:t>
-            </a:r>
-            <a:r>
-              <a:rPr kumimoji="1" lang="en-US" altLang="zh-CN" sz="2400" dirty="0"/>
-              <a:t>”</a:t>
-            </a:r>
-          </a:p>
-          <a:p>
-            <a:pPr marL="342900" indent="-342900" algn="l">
-              <a:buFont typeface="Arial" panose="020B0604020202020204" pitchFamily="34" charset="0"/>
-              <a:buChar char="•"/>
-            </a:pPr>
-            <a:r>
-              <a:rPr kumimoji="1" lang="zh-CN" altLang="en-US" sz="2400" dirty="0"/>
-              <a:t>选取</a:t>
-            </a:r>
-            <a:r>
-              <a:rPr kumimoji="1" lang="en-US" altLang="zh-CN" sz="2400" dirty="0"/>
-              <a:t>0111</a:t>
-            </a:r>
-            <a:r>
-              <a:rPr kumimoji="1" lang="zh-CN" altLang="en-US" sz="2400" dirty="0"/>
-              <a:t>的 </a:t>
-            </a:r>
-            <a:r>
-              <a:rPr kumimoji="1" lang="en-US" altLang="zh-CN" sz="2400" dirty="0"/>
-              <a:t>“</a:t>
-            </a:r>
-            <a:r>
-              <a:rPr kumimoji="1" lang="zh-CN" altLang="en-US" sz="2400" dirty="0"/>
-              <a:t>前驱</a:t>
-            </a:r>
-            <a:r>
-              <a:rPr kumimoji="1" lang="en-US" altLang="zh-CN" sz="2400" dirty="0"/>
-              <a:t>”</a:t>
-            </a:r>
-          </a:p>
-          <a:p>
-            <a:pPr marL="800100" lvl="1" indent="-342900">
-              <a:buFont typeface="Arial" panose="020B0604020202020204" pitchFamily="34" charset="0"/>
-              <a:buChar char="•"/>
-            </a:pPr>
-            <a:r>
-              <a:rPr kumimoji="1" lang="zh-CN" altLang="en-US" sz="2400" dirty="0"/>
-              <a:t>最小的比</a:t>
-            </a:r>
-            <a:r>
-              <a:rPr kumimoji="1" lang="en-US" altLang="zh-CN" sz="2400" dirty="0"/>
-              <a:t>0111</a:t>
-            </a:r>
-            <a:r>
-              <a:rPr kumimoji="1" lang="zh-CN" altLang="en-US" sz="2400" dirty="0"/>
-              <a:t>大的节点是谁</a:t>
-            </a:r>
-            <a:r>
-              <a:rPr kumimoji="1" lang="en-US" altLang="zh-CN" sz="2400" dirty="0"/>
-              <a:t>?</a:t>
-            </a:r>
-            <a:endParaRPr kumimoji="1" lang="zh-CN" altLang="en-US" sz="2400" dirty="0"/>
-          </a:p>
-        </p:txBody>
-      </p:sp>
-    </p:spTree>
-    <p:extLst>
-      <p:ext uri="{BB962C8B-B14F-4D97-AF65-F5344CB8AC3E}">
-        <p14:creationId xmlns:p14="http://schemas.microsoft.com/office/powerpoint/2010/main" val="2745345143"/>
-      </p:ext>
-    </p:extLst>
-  </p:cSld>
-  <p:clrMapOvr>
-    <a:masterClrMapping/>
-  </p:clrMapOvr>
-</p:sld>
-</file>
-
-<file path=ppt/slides/slide12.xml><?xml version="1.0" encoding="utf-8"?>
-<p:sld xmlns:a="http://schemas.openxmlformats.org/drawingml/2006/main" xmlns:r="http://schemas.openxmlformats.org/officeDocument/2006/relationships" xmlns:p="http://schemas.openxmlformats.org/presentationml/2006/main">
-  <p:cSld>
-    <p:spTree>
-      <p:nvGrpSpPr>
-        <p:cNvPr id="1" name=""/>
-        <p:cNvGrpSpPr/>
-        <p:nvPr/>
-      </p:nvGrpSpPr>
-      <p:grpSpPr>
-        <a:xfrm>
-          <a:off x="0" y="0"/>
-          <a:ext cx="0" cy="0"/>
-          <a:chOff x="0" y="0"/>
-          <a:chExt cx="0" cy="0"/>
-        </a:xfrm>
-      </p:grpSpPr>
-      <p:sp>
-        <p:nvSpPr>
-          <p:cNvPr id="2" name="Slide Number Placeholder 1">
-            <a:extLst>
-              <a:ext uri="{FF2B5EF4-FFF2-40B4-BE49-F238E27FC236}">
-                <a16:creationId xmlns:a16="http://schemas.microsoft.com/office/drawing/2014/main" id="{9C05D498-7714-9A28-E4D2-ACA7D8B8D00C}"/>
-              </a:ext>
-            </a:extLst>
-          </p:cNvPr>
-          <p:cNvSpPr>
-            <a:spLocks noGrp="1"/>
-          </p:cNvSpPr>
-          <p:nvPr>
-            <p:ph type="sldNum" sz="quarter" idx="12"/>
-          </p:nvPr>
-        </p:nvSpPr>
-        <p:spPr/>
-        <p:txBody>
-          <a:bodyPr/>
-          <a:lstStyle/>
-          <a:p>
-            <a:fld id="{7A304655-5D53-B746-8252-3F5A598C52D3}" type="slidenum">
-              <a:rPr lang="en-CN" smtClean="0"/>
-              <a:pPr/>
-              <a:t>12</a:t>
-            </a:fld>
-            <a:endParaRPr lang="en-CN"/>
-          </a:p>
-        </p:txBody>
-      </p:sp>
-      <p:sp>
-        <p:nvSpPr>
-          <p:cNvPr id="3" name="Title 2">
-            <a:extLst>
-              <a:ext uri="{FF2B5EF4-FFF2-40B4-BE49-F238E27FC236}">
-                <a16:creationId xmlns:a16="http://schemas.microsoft.com/office/drawing/2014/main" id="{75020A02-CB9F-031F-825F-F78396EA29C5}"/>
-              </a:ext>
-            </a:extLst>
-          </p:cNvPr>
-          <p:cNvSpPr>
-            <a:spLocks noGrp="1"/>
-          </p:cNvSpPr>
-          <p:nvPr>
-            <p:ph type="title"/>
-          </p:nvPr>
-        </p:nvSpPr>
-        <p:spPr/>
-        <p:txBody>
-          <a:bodyPr/>
-          <a:lstStyle/>
-          <a:p>
-            <a:r>
-              <a:rPr kumimoji="1" lang="zh-CN" altLang="en-US" dirty="0"/>
-              <a:t>找前驱</a:t>
-            </a:r>
-          </a:p>
-        </p:txBody>
-      </p:sp>
-      <p:sp>
-        <p:nvSpPr>
-          <p:cNvPr id="4" name="TextBox 3">
-            <a:extLst>
-              <a:ext uri="{FF2B5EF4-FFF2-40B4-BE49-F238E27FC236}">
-                <a16:creationId xmlns:a16="http://schemas.microsoft.com/office/drawing/2014/main" id="{45721E10-75F0-FC01-DB33-7F5D4E7FCAA4}"/>
+            <a:pPr algn="r"/>
+            <a:r>
+              <a:rPr kumimoji="1" lang="zh-CN" altLang="en-US" sz="4000" dirty="0"/>
+              <a:t>二叉搜索树</a:t>
+            </a:r>
+          </a:p>
+        </p:txBody>
+      </p:sp>
+      <p:sp>
+        <p:nvSpPr>
+          <p:cNvPr id="5" name="TextBox 4">
+            <a:extLst>
+              <a:ext uri="{FF2B5EF4-FFF2-40B4-BE49-F238E27FC236}">
+                <a16:creationId xmlns:a16="http://schemas.microsoft.com/office/drawing/2014/main" id="{FDFE109F-B3F0-E3BC-3AC3-5385038B9CFC}"/>
               </a:ext>
             </a:extLst>
           </p:cNvPr>
@@ -3395,234 +2320,8 @@
         </p:nvSpPr>
         <p:spPr>
           <a:xfrm>
-            <a:off x="723900" y="1282700"/>
-            <a:ext cx="6771405" cy="461665"/>
-          </a:xfrm>
-          <a:prstGeom prst="rect">
-            <a:avLst/>
-          </a:prstGeom>
-          <a:noFill/>
-        </p:spPr>
-        <p:txBody>
-          <a:bodyPr wrap="none" rtlCol="0">
-            <a:spAutoFit/>
-          </a:bodyPr>
-          <a:lstStyle/>
-          <a:p>
-            <a:pPr marL="342900" indent="-342900" algn="l">
-              <a:buFont typeface="Arial" panose="020B0604020202020204" pitchFamily="34" charset="0"/>
-              <a:buChar char="•"/>
-            </a:pPr>
-            <a:r>
-              <a:rPr kumimoji="1" lang="zh-CN" altLang="en-US" sz="2400" dirty="0"/>
-              <a:t>目标</a:t>
-            </a:r>
-            <a:r>
-              <a:rPr kumimoji="1" lang="en-US" altLang="zh-CN" sz="2400" dirty="0"/>
-              <a:t>:</a:t>
-            </a:r>
-            <a:r>
-              <a:rPr kumimoji="1" lang="zh-CN" altLang="en-US" sz="2400" dirty="0"/>
-              <a:t>最小的</a:t>
-            </a:r>
-            <a:r>
-              <a:rPr kumimoji="1" lang="zh-CN" altLang="en-US" sz="2400" dirty="0">
-                <a:solidFill>
-                  <a:srgbClr val="00B050"/>
-                </a:solidFill>
-              </a:rPr>
-              <a:t>比要删除的这个节点大的</a:t>
-            </a:r>
-            <a:r>
-              <a:rPr kumimoji="1" lang="zh-CN" altLang="en-US" sz="2400" dirty="0"/>
-              <a:t>节点是谁</a:t>
-            </a:r>
-          </a:p>
-        </p:txBody>
-      </p:sp>
-      <p:pic>
-        <p:nvPicPr>
-          <p:cNvPr id="5" name="Picture 4">
-            <a:extLst>
-              <a:ext uri="{FF2B5EF4-FFF2-40B4-BE49-F238E27FC236}">
-                <a16:creationId xmlns:a16="http://schemas.microsoft.com/office/drawing/2014/main" id="{FF72DD6D-581A-50D4-2664-34B73FC370F2}"/>
-              </a:ext>
-            </a:extLst>
-          </p:cNvPr>
-          <p:cNvPicPr>
-            <a:picLocks noChangeAspect="1"/>
-          </p:cNvPicPr>
-          <p:nvPr/>
-        </p:nvPicPr>
-        <p:blipFill>
-          <a:blip r:embed="rId2"/>
-          <a:stretch>
-            <a:fillRect/>
-          </a:stretch>
-        </p:blipFill>
-        <p:spPr>
-          <a:xfrm>
-            <a:off x="215852" y="1986541"/>
-            <a:ext cx="5105400" cy="3898872"/>
-          </a:xfrm>
-          <a:prstGeom prst="rect">
-            <a:avLst/>
-          </a:prstGeom>
-        </p:spPr>
-      </p:pic>
-      <p:cxnSp>
-        <p:nvCxnSpPr>
-          <p:cNvPr id="8" name="Straight Arrow Connector 7">
-            <a:extLst>
-              <a:ext uri="{FF2B5EF4-FFF2-40B4-BE49-F238E27FC236}">
-                <a16:creationId xmlns:a16="http://schemas.microsoft.com/office/drawing/2014/main" id="{D581BF59-7EA7-CC7E-6272-A97F8511C5B5}"/>
-              </a:ext>
-            </a:extLst>
-          </p:cNvPr>
-          <p:cNvCxnSpPr/>
-          <p:nvPr/>
-        </p:nvCxnSpPr>
-        <p:spPr>
-          <a:xfrm flipV="1">
-            <a:off x="1804105" y="2202901"/>
-            <a:ext cx="699911" cy="349955"/>
-          </a:xfrm>
-          <a:prstGeom prst="straightConnector1">
-            <a:avLst/>
-          </a:prstGeom>
-          <a:ln w="57150">
-            <a:solidFill>
-              <a:srgbClr val="FF0000"/>
-            </a:solidFill>
-            <a:tailEnd type="triangle"/>
-          </a:ln>
-        </p:spPr>
-        <p:style>
-          <a:lnRef idx="1">
-            <a:schemeClr val="accent1"/>
-          </a:lnRef>
-          <a:fillRef idx="0">
-            <a:schemeClr val="accent1"/>
-          </a:fillRef>
-          <a:effectRef idx="0">
-            <a:schemeClr val="accent1"/>
-          </a:effectRef>
-          <a:fontRef idx="minor">
-            <a:schemeClr val="tx1"/>
-          </a:fontRef>
-        </p:style>
-      </p:cxnSp>
-      <p:sp>
-        <p:nvSpPr>
-          <p:cNvPr id="6" name="TextBox 5">
-            <a:extLst>
-              <a:ext uri="{FF2B5EF4-FFF2-40B4-BE49-F238E27FC236}">
-                <a16:creationId xmlns:a16="http://schemas.microsoft.com/office/drawing/2014/main" id="{DEB4D46A-BA11-7F5C-42A7-9B67A2676562}"/>
-              </a:ext>
-            </a:extLst>
-          </p:cNvPr>
-          <p:cNvSpPr txBox="1"/>
-          <p:nvPr/>
-        </p:nvSpPr>
-        <p:spPr>
-          <a:xfrm>
-            <a:off x="1748681" y="2202901"/>
-            <a:ext cx="755335" cy="400110"/>
-          </a:xfrm>
-          <a:prstGeom prst="rect">
-            <a:avLst/>
-          </a:prstGeom>
-          <a:noFill/>
-        </p:spPr>
-        <p:txBody>
-          <a:bodyPr wrap="none" rtlCol="0">
-            <a:spAutoFit/>
-          </a:bodyPr>
-          <a:lstStyle/>
-          <a:p>
-            <a:pPr algn="l"/>
-            <a:r>
-              <a:rPr kumimoji="1" lang="en-US" altLang="zh-CN" sz="2000" dirty="0"/>
-              <a:t>0100</a:t>
-            </a:r>
-            <a:endParaRPr kumimoji="1" lang="zh-CN" altLang="en-US" sz="2000" dirty="0"/>
-          </a:p>
-        </p:txBody>
-      </p:sp>
-      <p:sp>
-        <p:nvSpPr>
-          <p:cNvPr id="11" name="Donut 10">
-            <a:extLst>
-              <a:ext uri="{FF2B5EF4-FFF2-40B4-BE49-F238E27FC236}">
-                <a16:creationId xmlns:a16="http://schemas.microsoft.com/office/drawing/2014/main" id="{38F75197-0D54-7E1A-48EF-1C5C6F5B6051}"/>
-              </a:ext>
-            </a:extLst>
-          </p:cNvPr>
-          <p:cNvSpPr/>
-          <p:nvPr/>
-        </p:nvSpPr>
-        <p:spPr>
-          <a:xfrm>
-            <a:off x="1955752" y="4787900"/>
-            <a:ext cx="863600" cy="863600"/>
-          </a:xfrm>
-          <a:prstGeom prst="donut">
-            <a:avLst/>
-          </a:prstGeom>
-          <a:solidFill>
-            <a:schemeClr val="accent5">
-              <a:lumMod val="60000"/>
-              <a:lumOff val="40000"/>
-              <a:alpha val="75518"/>
-            </a:schemeClr>
-          </a:solidFill>
-        </p:spPr>
-        <p:style>
-          <a:lnRef idx="2">
-            <a:schemeClr val="accent5"/>
-          </a:lnRef>
-          <a:fillRef idx="1">
-            <a:schemeClr val="lt1"/>
-          </a:fillRef>
-          <a:effectRef idx="0">
-            <a:schemeClr val="accent5"/>
-          </a:effectRef>
-          <a:fontRef idx="minor">
-            <a:schemeClr val="dk1"/>
-          </a:fontRef>
-        </p:style>
-        <p:txBody>
-          <a:bodyPr rtlCol="0" anchor="ctr"/>
-          <a:lstStyle/>
-          <a:p>
-            <a:pPr algn="ctr"/>
-            <a:endParaRPr kumimoji="1" lang="zh-CN" altLang="en-US" sz="1600" dirty="0">
-              <a:solidFill>
-                <a:schemeClr val="tx1"/>
-              </a:solidFill>
-              <a:latin typeface="Consolas" panose="020B0609020204030204" pitchFamily="49" charset="0"/>
-              <a:ea typeface="FangSong" panose="02010609060101010101" pitchFamily="49" charset="-122"/>
-              <a:cs typeface="Consolas" panose="020B0609020204030204" pitchFamily="49" charset="0"/>
-            </a:endParaRPr>
-          </a:p>
-        </p:txBody>
-      </p:sp>
-      <p:sp>
-        <p:nvSpPr>
-          <p:cNvPr id="12" name="TextBox 11">
-            <a:extLst>
-              <a:ext uri="{FF2B5EF4-FFF2-40B4-BE49-F238E27FC236}">
-                <a16:creationId xmlns:a16="http://schemas.microsoft.com/office/drawing/2014/main" id="{263AE319-0FB9-FDB4-4BEA-F8390C40A4E2}"/>
-              </a:ext>
-            </a:extLst>
-          </p:cNvPr>
-          <p:cNvSpPr txBox="1"/>
-          <p:nvPr/>
-        </p:nvSpPr>
-        <p:spPr>
-          <a:xfrm>
-            <a:off x="5321252" y="2134438"/>
-            <a:ext cx="3552277" cy="1200329"/>
+            <a:off x="5068712" y="882127"/>
+            <a:ext cx="3322254" cy="830997"/>
           </a:xfrm>
           <a:prstGeom prst="rect">
             <a:avLst/>
@@ -3635,55 +2334,21 @@
           </a:bodyPr>
           <a:lstStyle/>
           <a:p>
-            <a:pPr marL="342900" indent="-342900" algn="l">
-              <a:buFont typeface="Arial" panose="020B0604020202020204" pitchFamily="34" charset="0"/>
-              <a:buChar char="•"/>
-            </a:pPr>
-            <a:r>
-              <a:rPr kumimoji="1" lang="zh-CN" altLang="en-US" sz="2400" dirty="0"/>
-              <a:t>右孩子的左孩子的左孩子的</a:t>
-            </a:r>
-            <a:r>
-              <a:rPr kumimoji="1" lang="en-US" altLang="zh-CN" sz="2400" dirty="0"/>
-              <a:t>…</a:t>
-            </a:r>
-            <a:r>
-              <a:rPr kumimoji="1" lang="zh-CN" altLang="en-US" sz="2400" dirty="0"/>
-              <a:t>左孩子</a:t>
-            </a:r>
-            <a:endParaRPr kumimoji="1" lang="en-US" altLang="zh-CN" sz="2400" dirty="0"/>
-          </a:p>
-          <a:p>
-            <a:pPr marL="342900" indent="-342900" algn="l">
-              <a:buFont typeface="Arial" panose="020B0604020202020204" pitchFamily="34" charset="0"/>
-              <a:buChar char="•"/>
-            </a:pPr>
-            <a:r>
-              <a:rPr kumimoji="1" lang="zh-CN" altLang="en-US" sz="2400" dirty="0"/>
-              <a:t>对吗</a:t>
-            </a:r>
-            <a:r>
-              <a:rPr kumimoji="1" lang="en-US" altLang="zh-CN" sz="2400" dirty="0"/>
-              <a:t>?</a:t>
-            </a:r>
-            <a:r>
-              <a:rPr kumimoji="1" lang="zh-CN" altLang="en-US" sz="2400" dirty="0"/>
-              <a:t> 用反证法验证之</a:t>
-            </a:r>
-            <a:r>
-              <a:rPr kumimoji="1" lang="en-US" altLang="zh-CN" sz="2400" dirty="0"/>
-              <a:t>.</a:t>
-            </a:r>
-            <a:endParaRPr kumimoji="1" lang="zh-CN" altLang="en-US" sz="2400" dirty="0"/>
+            <a:pPr algn="r"/>
+            <a:r>
+              <a:rPr kumimoji="1" lang="en-US" altLang="zh-CN" sz="4800" dirty="0"/>
+              <a:t>6</a:t>
+            </a:r>
+            <a:endParaRPr kumimoji="1" lang="zh-CN" altLang="en-US" sz="4800" dirty="0"/>
           </a:p>
         </p:txBody>
       </p:sp>
       <p:pic>
         <p:nvPicPr>
-          <p:cNvPr id="13" name="Picture 12">
-            <a:extLst>
-              <a:ext uri="{FF2B5EF4-FFF2-40B4-BE49-F238E27FC236}">
-                <a16:creationId xmlns:a16="http://schemas.microsoft.com/office/drawing/2014/main" id="{6B01DD78-1579-61BD-8E9E-84C578F15E60}"/>
+          <p:cNvPr id="6" name="Picture 5">
+            <a:extLst>
+              <a:ext uri="{FF2B5EF4-FFF2-40B4-BE49-F238E27FC236}">
+                <a16:creationId xmlns:a16="http://schemas.microsoft.com/office/drawing/2014/main" id="{3B908FBE-75A3-5CA5-6FC9-FAEACB86E28C}"/>
               </a:ext>
             </a:extLst>
           </p:cNvPr>
@@ -3699,179 +2364,21 @@
           </a:stretch>
         </p:blipFill>
         <p:spPr>
-          <a:xfrm>
-            <a:off x="5261354" y="3841819"/>
-            <a:ext cx="3672074" cy="1536542"/>
+          <a:xfrm rot="16200000" flipV="1">
+            <a:off x="1134370" y="1481685"/>
+            <a:ext cx="2639608" cy="1440491"/>
           </a:xfrm>
           <a:prstGeom prst="rect">
             <a:avLst/>
           </a:prstGeom>
-          <a:ln>
-            <a:noFill/>
-          </a:ln>
-          <a:effectLst>
-            <a:outerShdw blurRad="292100" dist="139700" dir="2700000" algn="tl" rotWithShape="0">
-              <a:srgbClr val="333333">
-                <a:alpha val="65000"/>
-              </a:srgbClr>
-            </a:outerShdw>
-          </a:effectLst>
         </p:spPr>
       </p:pic>
-    </p:spTree>
-    <p:extLst>
-      <p:ext uri="{BB962C8B-B14F-4D97-AF65-F5344CB8AC3E}">
-        <p14:creationId xmlns:p14="http://schemas.microsoft.com/office/powerpoint/2010/main" val="3378555432"/>
-      </p:ext>
-    </p:extLst>
-  </p:cSld>
-  <p:clrMapOvr>
-    <a:masterClrMapping/>
-  </p:clrMapOvr>
-</p:sld>
-</file>
-
-<file path=ppt/slides/slide13.xml><?xml version="1.0" encoding="utf-8"?>
-<p:sld xmlns:a="http://schemas.openxmlformats.org/drawingml/2006/main" xmlns:r="http://schemas.openxmlformats.org/officeDocument/2006/relationships" xmlns:p="http://schemas.openxmlformats.org/presentationml/2006/main">
-  <p:cSld>
-    <p:spTree>
-      <p:nvGrpSpPr>
-        <p:cNvPr id="1" name=""/>
-        <p:cNvGrpSpPr/>
-        <p:nvPr/>
-      </p:nvGrpSpPr>
-      <p:grpSpPr>
-        <a:xfrm>
-          <a:off x="0" y="0"/>
-          <a:ext cx="0" cy="0"/>
-          <a:chOff x="0" y="0"/>
-          <a:chExt cx="0" cy="0"/>
-        </a:xfrm>
-      </p:grpSpPr>
-      <p:sp>
-        <p:nvSpPr>
-          <p:cNvPr id="2" name="Slide Number Placeholder 1">
-            <a:extLst>
-              <a:ext uri="{FF2B5EF4-FFF2-40B4-BE49-F238E27FC236}">
-                <a16:creationId xmlns:a16="http://schemas.microsoft.com/office/drawing/2014/main" id="{F52527F7-CF00-1C50-C413-253A53F51783}"/>
-              </a:ext>
-            </a:extLst>
-          </p:cNvPr>
-          <p:cNvSpPr>
-            <a:spLocks noGrp="1"/>
-          </p:cNvSpPr>
-          <p:nvPr>
-            <p:ph type="sldNum" sz="quarter" idx="12"/>
-          </p:nvPr>
-        </p:nvSpPr>
-        <p:spPr/>
-        <p:txBody>
-          <a:bodyPr/>
-          <a:lstStyle/>
-          <a:p>
-            <a:fld id="{7A304655-5D53-B746-8252-3F5A598C52D3}" type="slidenum">
-              <a:rPr lang="en-CN" smtClean="0"/>
-              <a:pPr/>
-              <a:t>13</a:t>
-            </a:fld>
-            <a:endParaRPr lang="en-CN"/>
-          </a:p>
-        </p:txBody>
-      </p:sp>
-      <p:sp>
-        <p:nvSpPr>
-          <p:cNvPr id="3" name="Title 2">
-            <a:extLst>
-              <a:ext uri="{FF2B5EF4-FFF2-40B4-BE49-F238E27FC236}">
-                <a16:creationId xmlns:a16="http://schemas.microsoft.com/office/drawing/2014/main" id="{0B1416E1-B654-FFB2-40DF-8171FE924FE7}"/>
-              </a:ext>
-            </a:extLst>
-          </p:cNvPr>
-          <p:cNvSpPr>
-            <a:spLocks noGrp="1"/>
-          </p:cNvSpPr>
-          <p:nvPr>
-            <p:ph type="title"/>
-          </p:nvPr>
-        </p:nvSpPr>
-        <p:spPr/>
-        <p:txBody>
-          <a:bodyPr/>
-          <a:lstStyle/>
-          <a:p>
-            <a:r>
-              <a:rPr kumimoji="1" lang="zh-CN" altLang="en-US" dirty="0"/>
-              <a:t>换上来之后</a:t>
-            </a:r>
-          </a:p>
-        </p:txBody>
-      </p:sp>
-    </p:spTree>
-    <p:extLst>
-      <p:ext uri="{BB962C8B-B14F-4D97-AF65-F5344CB8AC3E}">
-        <p14:creationId xmlns:p14="http://schemas.microsoft.com/office/powerpoint/2010/main" val="2654350858"/>
-      </p:ext>
-    </p:extLst>
-  </p:cSld>
-  <p:clrMapOvr>
-    <a:masterClrMapping/>
-  </p:clrMapOvr>
-</p:sld>
-</file>
-
-<file path=ppt/slides/slide2.xml><?xml version="1.0" encoding="utf-8"?>
-<p:sld xmlns:a="http://schemas.openxmlformats.org/drawingml/2006/main" xmlns:r="http://schemas.openxmlformats.org/officeDocument/2006/relationships" xmlns:p="http://schemas.openxmlformats.org/presentationml/2006/main">
-  <p:cSld>
-    <p:spTree>
-      <p:nvGrpSpPr>
-        <p:cNvPr id="1" name=""/>
-        <p:cNvGrpSpPr/>
-        <p:nvPr/>
-      </p:nvGrpSpPr>
-      <p:grpSpPr>
-        <a:xfrm>
-          <a:off x="0" y="0"/>
-          <a:ext cx="0" cy="0"/>
-          <a:chOff x="0" y="0"/>
-          <a:chExt cx="0" cy="0"/>
-        </a:xfrm>
-      </p:grpSpPr>
-      <p:sp>
-        <p:nvSpPr>
-          <p:cNvPr id="2" name="Slide Number Placeholder 1">
-            <a:extLst>
-              <a:ext uri="{FF2B5EF4-FFF2-40B4-BE49-F238E27FC236}">
-                <a16:creationId xmlns:a16="http://schemas.microsoft.com/office/drawing/2014/main" id="{221EDF88-8D28-2A7D-1737-B9112AC5E0F0}"/>
-              </a:ext>
-            </a:extLst>
-          </p:cNvPr>
-          <p:cNvSpPr>
-            <a:spLocks noGrp="1"/>
-          </p:cNvSpPr>
-          <p:nvPr>
-            <p:ph type="sldNum" sz="quarter" idx="12"/>
-          </p:nvPr>
-        </p:nvSpPr>
-        <p:spPr/>
-        <p:txBody>
-          <a:bodyPr/>
-          <a:lstStyle/>
-          <a:p>
-            <a:fld id="{7A304655-5D53-B746-8252-3F5A598C52D3}" type="slidenum">
-              <a:rPr lang="en-CN" smtClean="0"/>
-              <a:pPr/>
-              <a:t>2</a:t>
-            </a:fld>
-            <a:endParaRPr lang="en-CN" dirty="0"/>
-          </a:p>
-        </p:txBody>
-      </p:sp>
-      <p:sp>
-        <p:nvSpPr>
-          <p:cNvPr id="4" name="TextBox 3">
-            <a:extLst>
-              <a:ext uri="{FF2B5EF4-FFF2-40B4-BE49-F238E27FC236}">
-                <a16:creationId xmlns:a16="http://schemas.microsoft.com/office/drawing/2014/main" id="{8B29882B-FFAE-239E-8E47-130FA67976AD}"/>
+      <p:sp>
+        <p:nvSpPr>
+          <p:cNvPr id="7" name="TextBox 6">
+            <a:extLst>
+              <a:ext uri="{FF2B5EF4-FFF2-40B4-BE49-F238E27FC236}">
+                <a16:creationId xmlns:a16="http://schemas.microsoft.com/office/drawing/2014/main" id="{3920D4F6-4EC8-34F2-0D13-CF10700AD5FD}"/>
               </a:ext>
             </a:extLst>
           </p:cNvPr>
@@ -3880,110 +2387,7 @@
         </p:nvSpPr>
         <p:spPr>
           <a:xfrm>
-            <a:off x="5331854" y="2194560"/>
-            <a:ext cx="3059109" cy="707886"/>
-          </a:xfrm>
-          <a:prstGeom prst="rect">
-            <a:avLst/>
-          </a:prstGeom>
-          <a:noFill/>
-        </p:spPr>
-        <p:txBody>
-          <a:bodyPr wrap="square" rtlCol="0">
-            <a:spAutoFit/>
-          </a:bodyPr>
-          <a:lstStyle/>
-          <a:p>
-            <a:pPr algn="r"/>
-            <a:r>
-              <a:rPr kumimoji="1" lang="zh-CN" altLang="en-US" sz="4000" dirty="0"/>
-              <a:t>二叉搜索树</a:t>
-            </a:r>
-          </a:p>
-        </p:txBody>
-      </p:sp>
-      <p:sp>
-        <p:nvSpPr>
-          <p:cNvPr id="5" name="TextBox 4">
-            <a:extLst>
-              <a:ext uri="{FF2B5EF4-FFF2-40B4-BE49-F238E27FC236}">
-                <a16:creationId xmlns:a16="http://schemas.microsoft.com/office/drawing/2014/main" id="{FDFE109F-B3F0-E3BC-3AC3-5385038B9CFC}"/>
-              </a:ext>
-            </a:extLst>
-          </p:cNvPr>
-          <p:cNvSpPr txBox="1"/>
-          <p:nvPr/>
-        </p:nvSpPr>
-        <p:spPr>
-          <a:xfrm>
-            <a:off x="5068712" y="882127"/>
-            <a:ext cx="3322254" cy="830997"/>
-          </a:xfrm>
-          <a:prstGeom prst="rect">
-            <a:avLst/>
-          </a:prstGeom>
-          <a:noFill/>
-        </p:spPr>
-        <p:txBody>
-          <a:bodyPr wrap="square" rtlCol="0">
-            <a:spAutoFit/>
-          </a:bodyPr>
-          <a:lstStyle/>
-          <a:p>
-            <a:pPr algn="r"/>
-            <a:r>
-              <a:rPr kumimoji="1" lang="en-US" altLang="zh-CN" sz="4800" dirty="0"/>
-              <a:t>6</a:t>
-            </a:r>
-            <a:endParaRPr kumimoji="1" lang="zh-CN" altLang="en-US" sz="4800" dirty="0"/>
-          </a:p>
-        </p:txBody>
-      </p:sp>
-      <p:pic>
-        <p:nvPicPr>
-          <p:cNvPr id="6" name="Picture 5">
-            <a:extLst>
-              <a:ext uri="{FF2B5EF4-FFF2-40B4-BE49-F238E27FC236}">
-                <a16:creationId xmlns:a16="http://schemas.microsoft.com/office/drawing/2014/main" id="{3B908FBE-75A3-5CA5-6FC9-FAEACB86E28C}"/>
-              </a:ext>
-            </a:extLst>
-          </p:cNvPr>
-          <p:cNvPicPr>
-            <a:picLocks noChangeAspect="1"/>
-          </p:cNvPicPr>
-          <p:nvPr/>
-        </p:nvPicPr>
-        <p:blipFill>
-          <a:blip r:embed="rId3"/>
-          <a:stretch>
-            <a:fillRect/>
-          </a:stretch>
-        </p:blipFill>
-        <p:spPr>
-          <a:xfrm rot="16200000" flipV="1">
-            <a:off x="1138932" y="1481685"/>
-            <a:ext cx="2639608" cy="1440491"/>
-          </a:xfrm>
-          <a:prstGeom prst="rect">
-            <a:avLst/>
-          </a:prstGeom>
-        </p:spPr>
-      </p:pic>
-      <p:sp>
-        <p:nvSpPr>
-          <p:cNvPr id="7" name="TextBox 6">
-            <a:extLst>
-              <a:ext uri="{FF2B5EF4-FFF2-40B4-BE49-F238E27FC236}">
-                <a16:creationId xmlns:a16="http://schemas.microsoft.com/office/drawing/2014/main" id="{3920D4F6-4EC8-34F2-0D13-CF10700AD5FD}"/>
-              </a:ext>
-            </a:extLst>
-          </p:cNvPr>
-          <p:cNvSpPr txBox="1"/>
-          <p:nvPr/>
-        </p:nvSpPr>
-        <p:spPr>
-          <a:xfrm>
-            <a:off x="1275645" y="3917244"/>
+            <a:off x="1271083" y="3917244"/>
             <a:ext cx="2366182" cy="1200329"/>
           </a:xfrm>
           <a:prstGeom prst="rect">
@@ -4386,6 +2790,3126 @@
 </p:sld>
 </file>
 
+<file path=ppt/slides/slide10.xml><?xml version="1.0" encoding="utf-8"?>
+<p:sld xmlns:a="http://schemas.openxmlformats.org/drawingml/2006/main" xmlns:r="http://schemas.openxmlformats.org/officeDocument/2006/relationships" xmlns:p="http://schemas.openxmlformats.org/presentationml/2006/main">
+  <p:cSld>
+    <p:spTree>
+      <p:nvGrpSpPr>
+        <p:cNvPr id="1" name=""/>
+        <p:cNvGrpSpPr/>
+        <p:nvPr/>
+      </p:nvGrpSpPr>
+      <p:grpSpPr>
+        <a:xfrm>
+          <a:off x="0" y="0"/>
+          <a:ext cx="0" cy="0"/>
+          <a:chOff x="0" y="0"/>
+          <a:chExt cx="0" cy="0"/>
+        </a:xfrm>
+      </p:grpSpPr>
+      <p:sp>
+        <p:nvSpPr>
+          <p:cNvPr id="2" name="Slide Number Placeholder 1">
+            <a:extLst>
+              <a:ext uri="{FF2B5EF4-FFF2-40B4-BE49-F238E27FC236}">
+                <a16:creationId xmlns:a16="http://schemas.microsoft.com/office/drawing/2014/main" id="{8E50C3E6-4429-77B1-103C-E94C55B0B9DA}"/>
+              </a:ext>
+            </a:extLst>
+          </p:cNvPr>
+          <p:cNvSpPr>
+            <a:spLocks noGrp="1"/>
+          </p:cNvSpPr>
+          <p:nvPr>
+            <p:ph type="sldNum" sz="quarter" idx="12"/>
+          </p:nvPr>
+        </p:nvSpPr>
+        <p:spPr/>
+        <p:txBody>
+          <a:bodyPr/>
+          <a:lstStyle/>
+          <a:p>
+            <a:fld id="{7A304655-5D53-B746-8252-3F5A598C52D3}" type="slidenum">
+              <a:rPr lang="en-CN" smtClean="0"/>
+              <a:pPr/>
+              <a:t>10</a:t>
+            </a:fld>
+            <a:endParaRPr lang="en-CN"/>
+          </a:p>
+        </p:txBody>
+      </p:sp>
+      <p:sp>
+        <p:nvSpPr>
+          <p:cNvPr id="3" name="Title 2">
+            <a:extLst>
+              <a:ext uri="{FF2B5EF4-FFF2-40B4-BE49-F238E27FC236}">
+                <a16:creationId xmlns:a16="http://schemas.microsoft.com/office/drawing/2014/main" id="{56C4097F-0921-3440-5083-F45161DCB3E0}"/>
+              </a:ext>
+            </a:extLst>
+          </p:cNvPr>
+          <p:cNvSpPr>
+            <a:spLocks noGrp="1"/>
+          </p:cNvSpPr>
+          <p:nvPr>
+            <p:ph type="title"/>
+          </p:nvPr>
+        </p:nvSpPr>
+        <p:spPr/>
+        <p:txBody>
+          <a:bodyPr/>
+          <a:lstStyle/>
+          <a:p>
+            <a:r>
+              <a:rPr kumimoji="1" lang="zh-CN" altLang="en-US" dirty="0"/>
+              <a:t>例子</a:t>
+            </a:r>
+            <a:r>
+              <a:rPr kumimoji="1" lang="en-US" altLang="zh-CN" dirty="0"/>
+              <a:t>2.</a:t>
+            </a:r>
+            <a:endParaRPr kumimoji="1" lang="zh-CN" altLang="en-US" dirty="0"/>
+          </a:p>
+        </p:txBody>
+      </p:sp>
+      <p:sp>
+        <p:nvSpPr>
+          <p:cNvPr id="4" name="TextBox 3">
+            <a:extLst>
+              <a:ext uri="{FF2B5EF4-FFF2-40B4-BE49-F238E27FC236}">
+                <a16:creationId xmlns:a16="http://schemas.microsoft.com/office/drawing/2014/main" id="{58BA2A1E-7D92-7BC8-5BBA-6F7CA111077A}"/>
+              </a:ext>
+            </a:extLst>
+          </p:cNvPr>
+          <p:cNvSpPr txBox="1"/>
+          <p:nvPr/>
+        </p:nvSpPr>
+        <p:spPr>
+          <a:xfrm>
+            <a:off x="723900" y="1358900"/>
+            <a:ext cx="4394152" cy="830997"/>
+          </a:xfrm>
+          <a:prstGeom prst="rect">
+            <a:avLst/>
+          </a:prstGeom>
+          <a:noFill/>
+        </p:spPr>
+        <p:txBody>
+          <a:bodyPr wrap="none" rtlCol="0">
+            <a:spAutoFit/>
+          </a:bodyPr>
+          <a:lstStyle/>
+          <a:p>
+            <a:pPr marL="342900" indent="-342900" algn="l">
+              <a:buFont typeface="Arial" panose="020B0604020202020204" pitchFamily="34" charset="0"/>
+              <a:buChar char="•"/>
+            </a:pPr>
+            <a:r>
+              <a:rPr kumimoji="1" lang="zh-CN" altLang="en-US" sz="2400" dirty="0"/>
+              <a:t>刚刚的不够强</a:t>
+            </a:r>
+            <a:r>
+              <a:rPr kumimoji="1" lang="en-US" altLang="zh-CN" sz="2400" dirty="0"/>
+              <a:t>,</a:t>
+            </a:r>
+            <a:r>
+              <a:rPr kumimoji="1" lang="zh-CN" altLang="en-US" sz="2400" dirty="0"/>
+              <a:t> 再来一组强的</a:t>
+            </a:r>
+            <a:endParaRPr kumimoji="1" lang="en-US" altLang="zh-CN" sz="2400" dirty="0"/>
+          </a:p>
+          <a:p>
+            <a:pPr marL="342900" indent="-342900">
+              <a:buFont typeface="Arial" panose="020B0604020202020204" pitchFamily="34" charset="0"/>
+              <a:buChar char="•"/>
+            </a:pPr>
+            <a:r>
+              <a:rPr kumimoji="1" lang="zh-CN" altLang="en-US" sz="2400" dirty="0"/>
+              <a:t>分析大小关系</a:t>
+            </a:r>
+          </a:p>
+        </p:txBody>
+      </p:sp>
+      <p:pic>
+        <p:nvPicPr>
+          <p:cNvPr id="5" name="Picture 4">
+            <a:extLst>
+              <a:ext uri="{FF2B5EF4-FFF2-40B4-BE49-F238E27FC236}">
+                <a16:creationId xmlns:a16="http://schemas.microsoft.com/office/drawing/2014/main" id="{13CC1097-4DC2-0274-AD47-20720C1813E1}"/>
+              </a:ext>
+            </a:extLst>
+          </p:cNvPr>
+          <p:cNvPicPr>
+            <a:picLocks noChangeAspect="1"/>
+          </p:cNvPicPr>
+          <p:nvPr/>
+        </p:nvPicPr>
+        <p:blipFill>
+          <a:blip r:embed="rId2"/>
+          <a:stretch>
+            <a:fillRect/>
+          </a:stretch>
+        </p:blipFill>
+        <p:spPr>
+          <a:xfrm>
+            <a:off x="215852" y="2189897"/>
+            <a:ext cx="5105400" cy="3898872"/>
+          </a:xfrm>
+          <a:prstGeom prst="rect">
+            <a:avLst/>
+          </a:prstGeom>
+        </p:spPr>
+      </p:pic>
+      <p:cxnSp>
+        <p:nvCxnSpPr>
+          <p:cNvPr id="6" name="Straight Arrow Connector 5">
+            <a:extLst>
+              <a:ext uri="{FF2B5EF4-FFF2-40B4-BE49-F238E27FC236}">
+                <a16:creationId xmlns:a16="http://schemas.microsoft.com/office/drawing/2014/main" id="{3E30DE22-3AED-2A08-26E0-6D43D4BAE287}"/>
+              </a:ext>
+            </a:extLst>
+          </p:cNvPr>
+          <p:cNvCxnSpPr/>
+          <p:nvPr/>
+        </p:nvCxnSpPr>
+        <p:spPr>
+          <a:xfrm flipV="1">
+            <a:off x="3429705" y="2990301"/>
+            <a:ext cx="699911" cy="349955"/>
+          </a:xfrm>
+          <a:prstGeom prst="straightConnector1">
+            <a:avLst/>
+          </a:prstGeom>
+          <a:ln w="57150">
+            <a:solidFill>
+              <a:srgbClr val="FF0000"/>
+            </a:solidFill>
+            <a:tailEnd type="triangle"/>
+          </a:ln>
+        </p:spPr>
+        <p:style>
+          <a:lnRef idx="1">
+            <a:schemeClr val="accent1"/>
+          </a:lnRef>
+          <a:fillRef idx="0">
+            <a:schemeClr val="accent1"/>
+          </a:fillRef>
+          <a:effectRef idx="0">
+            <a:schemeClr val="accent1"/>
+          </a:effectRef>
+          <a:fontRef idx="minor">
+            <a:schemeClr val="tx1"/>
+          </a:fontRef>
+        </p:style>
+      </p:cxnSp>
+      <p:sp>
+        <p:nvSpPr>
+          <p:cNvPr id="7" name="TextBox 6">
+            <a:extLst>
+              <a:ext uri="{FF2B5EF4-FFF2-40B4-BE49-F238E27FC236}">
+                <a16:creationId xmlns:a16="http://schemas.microsoft.com/office/drawing/2014/main" id="{8F37A5FF-0C50-9F8D-E449-8A848BE24ADA}"/>
+              </a:ext>
+            </a:extLst>
+          </p:cNvPr>
+          <p:cNvSpPr txBox="1"/>
+          <p:nvPr/>
+        </p:nvSpPr>
+        <p:spPr>
+          <a:xfrm>
+            <a:off x="3429705" y="3000983"/>
+            <a:ext cx="717248" cy="400110"/>
+          </a:xfrm>
+          <a:prstGeom prst="rect">
+            <a:avLst/>
+          </a:prstGeom>
+          <a:noFill/>
+        </p:spPr>
+        <p:txBody>
+          <a:bodyPr wrap="none" rtlCol="0">
+            <a:spAutoFit/>
+          </a:bodyPr>
+          <a:lstStyle/>
+          <a:p>
+            <a:pPr algn="l"/>
+            <a:r>
+              <a:rPr kumimoji="1" lang="en-US" altLang="zh-CN" sz="2000" dirty="0"/>
+              <a:t>0111</a:t>
+            </a:r>
+            <a:endParaRPr kumimoji="1" lang="zh-CN" altLang="en-US" sz="2000" dirty="0"/>
+          </a:p>
+        </p:txBody>
+      </p:sp>
+      <p:sp>
+        <p:nvSpPr>
+          <p:cNvPr id="9" name="Freeform 8">
+            <a:extLst>
+              <a:ext uri="{FF2B5EF4-FFF2-40B4-BE49-F238E27FC236}">
+                <a16:creationId xmlns:a16="http://schemas.microsoft.com/office/drawing/2014/main" id="{6BB52863-D03E-6A88-ECCD-4306D27E7D60}"/>
+              </a:ext>
+            </a:extLst>
+          </p:cNvPr>
+          <p:cNvSpPr/>
+          <p:nvPr/>
+        </p:nvSpPr>
+        <p:spPr>
+          <a:xfrm>
+            <a:off x="1803400" y="3403756"/>
+            <a:ext cx="2032000" cy="2298700"/>
+          </a:xfrm>
+          <a:custGeom>
+            <a:avLst/>
+            <a:gdLst>
+              <a:gd name="connsiteX0" fmla="*/ 1485900 w 2032000"/>
+              <a:gd name="connsiteY0" fmla="*/ 0 h 2298700"/>
+              <a:gd name="connsiteX1" fmla="*/ 0 w 2032000"/>
+              <a:gd name="connsiteY1" fmla="*/ 2235200 h 2298700"/>
+              <a:gd name="connsiteX2" fmla="*/ 2032000 w 2032000"/>
+              <a:gd name="connsiteY2" fmla="*/ 2298700 h 2298700"/>
+              <a:gd name="connsiteX3" fmla="*/ 1485900 w 2032000"/>
+              <a:gd name="connsiteY3" fmla="*/ 0 h 2298700"/>
+            </a:gdLst>
+            <a:ahLst/>
+            <a:cxnLst>
+              <a:cxn ang="0">
+                <a:pos x="connsiteX0" y="connsiteY0"/>
+              </a:cxn>
+              <a:cxn ang="0">
+                <a:pos x="connsiteX1" y="connsiteY1"/>
+              </a:cxn>
+              <a:cxn ang="0">
+                <a:pos x="connsiteX2" y="connsiteY2"/>
+              </a:cxn>
+              <a:cxn ang="0">
+                <a:pos x="connsiteX3" y="connsiteY3"/>
+              </a:cxn>
+            </a:cxnLst>
+            <a:rect l="l" t="t" r="r" b="b"/>
+            <a:pathLst>
+              <a:path w="2032000" h="2298700">
+                <a:moveTo>
+                  <a:pt x="1485900" y="0"/>
+                </a:moveTo>
+                <a:lnTo>
+                  <a:pt x="0" y="2235200"/>
+                </a:lnTo>
+                <a:lnTo>
+                  <a:pt x="2032000" y="2298700"/>
+                </a:lnTo>
+                <a:lnTo>
+                  <a:pt x="1485900" y="0"/>
+                </a:lnTo>
+                <a:close/>
+              </a:path>
+            </a:pathLst>
+          </a:custGeom>
+          <a:solidFill>
+            <a:schemeClr val="lt1">
+              <a:alpha val="75518"/>
+            </a:schemeClr>
+          </a:solidFill>
+        </p:spPr>
+        <p:style>
+          <a:lnRef idx="2">
+            <a:schemeClr val="accent5"/>
+          </a:lnRef>
+          <a:fillRef idx="1">
+            <a:schemeClr val="lt1"/>
+          </a:fillRef>
+          <a:effectRef idx="0">
+            <a:schemeClr val="accent5"/>
+          </a:effectRef>
+          <a:fontRef idx="minor">
+            <a:schemeClr val="dk1"/>
+          </a:fontRef>
+        </p:style>
+        <p:txBody>
+          <a:bodyPr rtlCol="0" anchor="ctr"/>
+          <a:lstStyle/>
+          <a:p>
+            <a:pPr algn="ctr"/>
+            <a:r>
+              <a:rPr kumimoji="1" lang="zh-CN" altLang="en-US" sz="1600" dirty="0">
+                <a:latin typeface="Consolas" panose="020B0609020204030204" pitchFamily="49" charset="0"/>
+                <a:ea typeface="FangSong" panose="02010609060101010101" pitchFamily="49" charset="-122"/>
+                <a:cs typeface="Consolas" panose="020B0609020204030204" pitchFamily="49" charset="0"/>
+              </a:rPr>
+              <a:t>    </a:t>
+            </a:r>
+            <a:r>
+              <a:rPr kumimoji="1" lang="en-US" altLang="zh-CN" sz="1600" dirty="0">
+                <a:latin typeface="Consolas" panose="020B0609020204030204" pitchFamily="49" charset="0"/>
+                <a:ea typeface="FangSong" panose="02010609060101010101" pitchFamily="49" charset="-122"/>
+                <a:cs typeface="Consolas" panose="020B0609020204030204" pitchFamily="49" charset="0"/>
+              </a:rPr>
+              <a:t>&lt;0111</a:t>
+            </a:r>
+            <a:endParaRPr kumimoji="1" lang="zh-CN" altLang="en-US" sz="1600" dirty="0">
+              <a:latin typeface="Consolas" panose="020B0609020204030204" pitchFamily="49" charset="0"/>
+              <a:ea typeface="FangSong" panose="02010609060101010101" pitchFamily="49" charset="-122"/>
+              <a:cs typeface="Consolas" panose="020B0609020204030204" pitchFamily="49" charset="0"/>
+            </a:endParaRPr>
+          </a:p>
+        </p:txBody>
+      </p:sp>
+      <p:sp>
+        <p:nvSpPr>
+          <p:cNvPr id="10" name="Freeform 9">
+            <a:extLst>
+              <a:ext uri="{FF2B5EF4-FFF2-40B4-BE49-F238E27FC236}">
+                <a16:creationId xmlns:a16="http://schemas.microsoft.com/office/drawing/2014/main" id="{5165849B-FE9F-F62F-169E-E974257942C4}"/>
+              </a:ext>
+            </a:extLst>
+          </p:cNvPr>
+          <p:cNvSpPr/>
+          <p:nvPr/>
+        </p:nvSpPr>
+        <p:spPr>
+          <a:xfrm>
+            <a:off x="3898900" y="3543456"/>
+            <a:ext cx="1003300" cy="1092200"/>
+          </a:xfrm>
+          <a:custGeom>
+            <a:avLst/>
+            <a:gdLst>
+              <a:gd name="connsiteX0" fmla="*/ 317500 w 1003300"/>
+              <a:gd name="connsiteY0" fmla="*/ 0 h 1092200"/>
+              <a:gd name="connsiteX1" fmla="*/ 0 w 1003300"/>
+              <a:gd name="connsiteY1" fmla="*/ 1028700 h 1092200"/>
+              <a:gd name="connsiteX2" fmla="*/ 1003300 w 1003300"/>
+              <a:gd name="connsiteY2" fmla="*/ 1092200 h 1092200"/>
+              <a:gd name="connsiteX3" fmla="*/ 317500 w 1003300"/>
+              <a:gd name="connsiteY3" fmla="*/ 0 h 1092200"/>
+            </a:gdLst>
+            <a:ahLst/>
+            <a:cxnLst>
+              <a:cxn ang="0">
+                <a:pos x="connsiteX0" y="connsiteY0"/>
+              </a:cxn>
+              <a:cxn ang="0">
+                <a:pos x="connsiteX1" y="connsiteY1"/>
+              </a:cxn>
+              <a:cxn ang="0">
+                <a:pos x="connsiteX2" y="connsiteY2"/>
+              </a:cxn>
+              <a:cxn ang="0">
+                <a:pos x="connsiteX3" y="connsiteY3"/>
+              </a:cxn>
+            </a:cxnLst>
+            <a:rect l="l" t="t" r="r" b="b"/>
+            <a:pathLst>
+              <a:path w="1003300" h="1092200">
+                <a:moveTo>
+                  <a:pt x="317500" y="0"/>
+                </a:moveTo>
+                <a:lnTo>
+                  <a:pt x="0" y="1028700"/>
+                </a:lnTo>
+                <a:lnTo>
+                  <a:pt x="1003300" y="1092200"/>
+                </a:lnTo>
+                <a:lnTo>
+                  <a:pt x="317500" y="0"/>
+                </a:lnTo>
+                <a:close/>
+              </a:path>
+            </a:pathLst>
+          </a:custGeom>
+          <a:solidFill>
+            <a:schemeClr val="lt1">
+              <a:alpha val="75518"/>
+            </a:schemeClr>
+          </a:solidFill>
+        </p:spPr>
+        <p:style>
+          <a:lnRef idx="2">
+            <a:schemeClr val="accent5"/>
+          </a:lnRef>
+          <a:fillRef idx="1">
+            <a:schemeClr val="lt1"/>
+          </a:fillRef>
+          <a:effectRef idx="0">
+            <a:schemeClr val="accent5"/>
+          </a:effectRef>
+          <a:fontRef idx="minor">
+            <a:schemeClr val="dk1"/>
+          </a:fontRef>
+        </p:style>
+        <p:txBody>
+          <a:bodyPr rtlCol="0" anchor="ctr"/>
+          <a:lstStyle/>
+          <a:p>
+            <a:pPr algn="ctr"/>
+            <a:r>
+              <a:rPr kumimoji="1" lang="en-US" altLang="zh-CN" sz="1600" dirty="0">
+                <a:latin typeface="Consolas" panose="020B0609020204030204" pitchFamily="49" charset="0"/>
+                <a:ea typeface="FangSong" panose="02010609060101010101" pitchFamily="49" charset="-122"/>
+                <a:cs typeface="Consolas" panose="020B0609020204030204" pitchFamily="49" charset="0"/>
+              </a:rPr>
+              <a:t>&gt;0111</a:t>
+            </a:r>
+            <a:endParaRPr kumimoji="1" lang="zh-CN" altLang="en-US" sz="1600" dirty="0">
+              <a:latin typeface="Consolas" panose="020B0609020204030204" pitchFamily="49" charset="0"/>
+              <a:ea typeface="FangSong" panose="02010609060101010101" pitchFamily="49" charset="-122"/>
+              <a:cs typeface="Consolas" panose="020B0609020204030204" pitchFamily="49" charset="0"/>
+            </a:endParaRPr>
+          </a:p>
+        </p:txBody>
+      </p:sp>
+      <p:sp>
+        <p:nvSpPr>
+          <p:cNvPr id="11" name="TextBox 10">
+            <a:extLst>
+              <a:ext uri="{FF2B5EF4-FFF2-40B4-BE49-F238E27FC236}">
+                <a16:creationId xmlns:a16="http://schemas.microsoft.com/office/drawing/2014/main" id="{CEF9DFA6-CCCC-2F43-EB00-D6FED0A2775E}"/>
+              </a:ext>
+            </a:extLst>
+          </p:cNvPr>
+          <p:cNvSpPr txBox="1"/>
+          <p:nvPr/>
+        </p:nvSpPr>
+        <p:spPr>
+          <a:xfrm>
+            <a:off x="5118052" y="2271107"/>
+            <a:ext cx="3933326" cy="461665"/>
+          </a:xfrm>
+          <a:prstGeom prst="rect">
+            <a:avLst/>
+          </a:prstGeom>
+          <a:noFill/>
+        </p:spPr>
+        <p:txBody>
+          <a:bodyPr wrap="square" rtlCol="0">
+            <a:spAutoFit/>
+          </a:bodyPr>
+          <a:lstStyle/>
+          <a:p>
+            <a:pPr marL="342900" indent="-342900" algn="l">
+              <a:buFont typeface="Arial" panose="020B0604020202020204" pitchFamily="34" charset="0"/>
+              <a:buChar char="•"/>
+            </a:pPr>
+            <a:r>
+              <a:rPr kumimoji="1" lang="en-US" altLang="zh-CN" sz="2400" dirty="0"/>
+              <a:t>0111</a:t>
+            </a:r>
+            <a:r>
+              <a:rPr kumimoji="1" lang="zh-CN" altLang="en-US" sz="2400" dirty="0"/>
+              <a:t>在他们的 </a:t>
+            </a:r>
+            <a:r>
+              <a:rPr kumimoji="1" lang="en-US" altLang="zh-CN" sz="2400" dirty="0"/>
+              <a:t>“</a:t>
+            </a:r>
+            <a:r>
+              <a:rPr kumimoji="1" lang="zh-CN" altLang="en-US" sz="2400" dirty="0"/>
+              <a:t>中间</a:t>
+            </a:r>
+            <a:r>
+              <a:rPr kumimoji="1" lang="en-US" altLang="zh-CN" sz="2400" dirty="0"/>
+              <a:t>”</a:t>
+            </a:r>
+          </a:p>
+        </p:txBody>
+      </p:sp>
+    </p:spTree>
+    <p:extLst>
+      <p:ext uri="{BB962C8B-B14F-4D97-AF65-F5344CB8AC3E}">
+        <p14:creationId xmlns:p14="http://schemas.microsoft.com/office/powerpoint/2010/main" val="2745345143"/>
+      </p:ext>
+    </p:extLst>
+  </p:cSld>
+  <p:clrMapOvr>
+    <a:masterClrMapping/>
+  </p:clrMapOvr>
+</p:sld>
+</file>
+
+<file path=ppt/slides/slide11.xml><?xml version="1.0" encoding="utf-8"?>
+<p:sld xmlns:a="http://schemas.openxmlformats.org/drawingml/2006/main" xmlns:r="http://schemas.openxmlformats.org/officeDocument/2006/relationships" xmlns:p="http://schemas.openxmlformats.org/presentationml/2006/main">
+  <p:cSld>
+    <p:spTree>
+      <p:nvGrpSpPr>
+        <p:cNvPr id="1" name=""/>
+        <p:cNvGrpSpPr/>
+        <p:nvPr/>
+      </p:nvGrpSpPr>
+      <p:grpSpPr>
+        <a:xfrm>
+          <a:off x="0" y="0"/>
+          <a:ext cx="0" cy="0"/>
+          <a:chOff x="0" y="0"/>
+          <a:chExt cx="0" cy="0"/>
+        </a:xfrm>
+      </p:grpSpPr>
+      <p:sp>
+        <p:nvSpPr>
+          <p:cNvPr id="2" name="Slide Number Placeholder 1">
+            <a:extLst>
+              <a:ext uri="{FF2B5EF4-FFF2-40B4-BE49-F238E27FC236}">
+                <a16:creationId xmlns:a16="http://schemas.microsoft.com/office/drawing/2014/main" id="{9C05D498-7714-9A28-E4D2-ACA7D8B8D00C}"/>
+              </a:ext>
+            </a:extLst>
+          </p:cNvPr>
+          <p:cNvSpPr>
+            <a:spLocks noGrp="1"/>
+          </p:cNvSpPr>
+          <p:nvPr>
+            <p:ph type="sldNum" sz="quarter" idx="12"/>
+          </p:nvPr>
+        </p:nvSpPr>
+        <p:spPr/>
+        <p:txBody>
+          <a:bodyPr/>
+          <a:lstStyle/>
+          <a:p>
+            <a:fld id="{7A304655-5D53-B746-8252-3F5A598C52D3}" type="slidenum">
+              <a:rPr lang="en-CN" smtClean="0"/>
+              <a:pPr/>
+              <a:t>11</a:t>
+            </a:fld>
+            <a:endParaRPr lang="en-CN"/>
+          </a:p>
+        </p:txBody>
+      </p:sp>
+      <p:sp>
+        <p:nvSpPr>
+          <p:cNvPr id="3" name="Title 2">
+            <a:extLst>
+              <a:ext uri="{FF2B5EF4-FFF2-40B4-BE49-F238E27FC236}">
+                <a16:creationId xmlns:a16="http://schemas.microsoft.com/office/drawing/2014/main" id="{75020A02-CB9F-031F-825F-F78396EA29C5}"/>
+              </a:ext>
+            </a:extLst>
+          </p:cNvPr>
+          <p:cNvSpPr>
+            <a:spLocks noGrp="1"/>
+          </p:cNvSpPr>
+          <p:nvPr>
+            <p:ph type="title"/>
+          </p:nvPr>
+        </p:nvSpPr>
+        <p:spPr/>
+        <p:txBody>
+          <a:bodyPr/>
+          <a:lstStyle/>
+          <a:p>
+            <a:r>
+              <a:rPr kumimoji="1" lang="zh-CN" altLang="en-US" dirty="0"/>
+              <a:t>找前驱</a:t>
+            </a:r>
+          </a:p>
+        </p:txBody>
+      </p:sp>
+      <p:sp>
+        <p:nvSpPr>
+          <p:cNvPr id="4" name="TextBox 3">
+            <a:extLst>
+              <a:ext uri="{FF2B5EF4-FFF2-40B4-BE49-F238E27FC236}">
+                <a16:creationId xmlns:a16="http://schemas.microsoft.com/office/drawing/2014/main" id="{45721E10-75F0-FC01-DB33-7F5D4E7FCAA4}"/>
+              </a:ext>
+            </a:extLst>
+          </p:cNvPr>
+          <p:cNvSpPr txBox="1"/>
+          <p:nvPr/>
+        </p:nvSpPr>
+        <p:spPr>
+          <a:xfrm>
+            <a:off x="712611" y="1080135"/>
+            <a:ext cx="6532558" cy="1200329"/>
+          </a:xfrm>
+          <a:prstGeom prst="rect">
+            <a:avLst/>
+          </a:prstGeom>
+          <a:noFill/>
+        </p:spPr>
+        <p:txBody>
+          <a:bodyPr wrap="none" rtlCol="0">
+            <a:spAutoFit/>
+          </a:bodyPr>
+          <a:lstStyle/>
+          <a:p>
+            <a:pPr marL="342900" indent="-342900" algn="l">
+              <a:buFont typeface="Arial" panose="020B0604020202020204" pitchFamily="34" charset="0"/>
+              <a:buChar char="•"/>
+            </a:pPr>
+            <a:r>
+              <a:rPr kumimoji="1" lang="zh-CN" altLang="en-US" sz="2400" dirty="0"/>
+              <a:t>目标</a:t>
+            </a:r>
+            <a:r>
+              <a:rPr kumimoji="1" lang="en-US" altLang="zh-CN" sz="2400" dirty="0"/>
+              <a:t>:</a:t>
+            </a:r>
+            <a:r>
+              <a:rPr kumimoji="1" lang="zh-CN" altLang="en-US" sz="2400" dirty="0"/>
+              <a:t> 找一个新的 </a:t>
+            </a:r>
+            <a:r>
+              <a:rPr kumimoji="1" lang="en-US" altLang="zh-CN" sz="2400" dirty="0"/>
+              <a:t>“</a:t>
+            </a:r>
+            <a:r>
+              <a:rPr kumimoji="1" lang="zh-CN" altLang="en-US" sz="2400" dirty="0"/>
+              <a:t>分界线</a:t>
+            </a:r>
+            <a:r>
+              <a:rPr kumimoji="1" lang="en-US" altLang="zh-CN" sz="2400" dirty="0"/>
+              <a:t>”</a:t>
+            </a:r>
+          </a:p>
+          <a:p>
+            <a:pPr marL="800100" lvl="1" indent="-342900">
+              <a:buFont typeface="Arial" panose="020B0604020202020204" pitchFamily="34" charset="0"/>
+              <a:buChar char="•"/>
+            </a:pPr>
+            <a:r>
+              <a:rPr kumimoji="1" lang="zh-CN" altLang="en-US" sz="2400" dirty="0"/>
+              <a:t>最小的</a:t>
+            </a:r>
+            <a:r>
+              <a:rPr kumimoji="1" lang="zh-CN" altLang="en-US" sz="2400" dirty="0">
+                <a:solidFill>
+                  <a:srgbClr val="00B050"/>
+                </a:solidFill>
+              </a:rPr>
+              <a:t>比要删除的这个节点大的</a:t>
+            </a:r>
+            <a:r>
+              <a:rPr kumimoji="1" lang="zh-CN" altLang="en-US" sz="2400" dirty="0"/>
+              <a:t>节点是谁</a:t>
+            </a:r>
+            <a:endParaRPr kumimoji="1" lang="en-US" altLang="zh-CN" sz="2400" dirty="0"/>
+          </a:p>
+          <a:p>
+            <a:pPr marL="800100" lvl="1" indent="-342900">
+              <a:buFont typeface="Arial" panose="020B0604020202020204" pitchFamily="34" charset="0"/>
+              <a:buChar char="•"/>
+            </a:pPr>
+            <a:r>
+              <a:rPr kumimoji="1" lang="zh-CN" altLang="en-US" sz="2400" dirty="0">
+                <a:solidFill>
+                  <a:schemeClr val="bg1">
+                    <a:lumMod val="50000"/>
+                  </a:schemeClr>
+                </a:solidFill>
+              </a:rPr>
+              <a:t>最大的必要删除的这个节点小的节点是谁</a:t>
+            </a:r>
+          </a:p>
+        </p:txBody>
+      </p:sp>
+      <p:pic>
+        <p:nvPicPr>
+          <p:cNvPr id="5" name="Picture 4">
+            <a:extLst>
+              <a:ext uri="{FF2B5EF4-FFF2-40B4-BE49-F238E27FC236}">
+                <a16:creationId xmlns:a16="http://schemas.microsoft.com/office/drawing/2014/main" id="{FF72DD6D-581A-50D4-2664-34B73FC370F2}"/>
+              </a:ext>
+            </a:extLst>
+          </p:cNvPr>
+          <p:cNvPicPr>
+            <a:picLocks noChangeAspect="1"/>
+          </p:cNvPicPr>
+          <p:nvPr/>
+        </p:nvPicPr>
+        <p:blipFill>
+          <a:blip r:embed="rId2"/>
+          <a:stretch>
+            <a:fillRect/>
+          </a:stretch>
+        </p:blipFill>
+        <p:spPr>
+          <a:xfrm>
+            <a:off x="270471" y="2320075"/>
+            <a:ext cx="5105400" cy="3898872"/>
+          </a:xfrm>
+          <a:prstGeom prst="rect">
+            <a:avLst/>
+          </a:prstGeom>
+        </p:spPr>
+      </p:pic>
+      <p:cxnSp>
+        <p:nvCxnSpPr>
+          <p:cNvPr id="8" name="Straight Arrow Connector 7">
+            <a:extLst>
+              <a:ext uri="{FF2B5EF4-FFF2-40B4-BE49-F238E27FC236}">
+                <a16:creationId xmlns:a16="http://schemas.microsoft.com/office/drawing/2014/main" id="{D581BF59-7EA7-CC7E-6272-A97F8511C5B5}"/>
+              </a:ext>
+            </a:extLst>
+          </p:cNvPr>
+          <p:cNvCxnSpPr/>
+          <p:nvPr/>
+        </p:nvCxnSpPr>
+        <p:spPr>
+          <a:xfrm flipV="1">
+            <a:off x="1858724" y="2536435"/>
+            <a:ext cx="699911" cy="349955"/>
+          </a:xfrm>
+          <a:prstGeom prst="straightConnector1">
+            <a:avLst/>
+          </a:prstGeom>
+          <a:ln w="57150">
+            <a:solidFill>
+              <a:srgbClr val="FF0000"/>
+            </a:solidFill>
+            <a:tailEnd type="triangle"/>
+          </a:ln>
+        </p:spPr>
+        <p:style>
+          <a:lnRef idx="1">
+            <a:schemeClr val="accent1"/>
+          </a:lnRef>
+          <a:fillRef idx="0">
+            <a:schemeClr val="accent1"/>
+          </a:fillRef>
+          <a:effectRef idx="0">
+            <a:schemeClr val="accent1"/>
+          </a:effectRef>
+          <a:fontRef idx="minor">
+            <a:schemeClr val="tx1"/>
+          </a:fontRef>
+        </p:style>
+      </p:cxnSp>
+      <p:sp>
+        <p:nvSpPr>
+          <p:cNvPr id="6" name="TextBox 5">
+            <a:extLst>
+              <a:ext uri="{FF2B5EF4-FFF2-40B4-BE49-F238E27FC236}">
+                <a16:creationId xmlns:a16="http://schemas.microsoft.com/office/drawing/2014/main" id="{DEB4D46A-BA11-7F5C-42A7-9B67A2676562}"/>
+              </a:ext>
+            </a:extLst>
+          </p:cNvPr>
+          <p:cNvSpPr txBox="1"/>
+          <p:nvPr/>
+        </p:nvSpPr>
+        <p:spPr>
+          <a:xfrm>
+            <a:off x="1803300" y="2536435"/>
+            <a:ext cx="755335" cy="400110"/>
+          </a:xfrm>
+          <a:prstGeom prst="rect">
+            <a:avLst/>
+          </a:prstGeom>
+          <a:noFill/>
+        </p:spPr>
+        <p:txBody>
+          <a:bodyPr wrap="none" rtlCol="0">
+            <a:spAutoFit/>
+          </a:bodyPr>
+          <a:lstStyle/>
+          <a:p>
+            <a:pPr algn="l"/>
+            <a:r>
+              <a:rPr kumimoji="1" lang="en-US" altLang="zh-CN" sz="2000" dirty="0"/>
+              <a:t>0100</a:t>
+            </a:r>
+            <a:endParaRPr kumimoji="1" lang="zh-CN" altLang="en-US" sz="2000" dirty="0"/>
+          </a:p>
+        </p:txBody>
+      </p:sp>
+      <p:sp>
+        <p:nvSpPr>
+          <p:cNvPr id="11" name="Donut 10">
+            <a:extLst>
+              <a:ext uri="{FF2B5EF4-FFF2-40B4-BE49-F238E27FC236}">
+                <a16:creationId xmlns:a16="http://schemas.microsoft.com/office/drawing/2014/main" id="{38F75197-0D54-7E1A-48EF-1C5C6F5B6051}"/>
+              </a:ext>
+            </a:extLst>
+          </p:cNvPr>
+          <p:cNvSpPr/>
+          <p:nvPr/>
+        </p:nvSpPr>
+        <p:spPr>
+          <a:xfrm>
+            <a:off x="2010371" y="5121434"/>
+            <a:ext cx="863600" cy="863600"/>
+          </a:xfrm>
+          <a:prstGeom prst="donut">
+            <a:avLst/>
+          </a:prstGeom>
+          <a:solidFill>
+            <a:schemeClr val="accent5">
+              <a:lumMod val="60000"/>
+              <a:lumOff val="40000"/>
+              <a:alpha val="75518"/>
+            </a:schemeClr>
+          </a:solidFill>
+        </p:spPr>
+        <p:style>
+          <a:lnRef idx="2">
+            <a:schemeClr val="accent5"/>
+          </a:lnRef>
+          <a:fillRef idx="1">
+            <a:schemeClr val="lt1"/>
+          </a:fillRef>
+          <a:effectRef idx="0">
+            <a:schemeClr val="accent5"/>
+          </a:effectRef>
+          <a:fontRef idx="minor">
+            <a:schemeClr val="dk1"/>
+          </a:fontRef>
+        </p:style>
+        <p:txBody>
+          <a:bodyPr rtlCol="0" anchor="ctr"/>
+          <a:lstStyle/>
+          <a:p>
+            <a:pPr algn="ctr"/>
+            <a:endParaRPr kumimoji="1" lang="zh-CN" altLang="en-US" sz="1600" dirty="0">
+              <a:solidFill>
+                <a:schemeClr val="tx1"/>
+              </a:solidFill>
+              <a:latin typeface="Consolas" panose="020B0609020204030204" pitchFamily="49" charset="0"/>
+              <a:ea typeface="FangSong" panose="02010609060101010101" pitchFamily="49" charset="-122"/>
+              <a:cs typeface="Consolas" panose="020B0609020204030204" pitchFamily="49" charset="0"/>
+            </a:endParaRPr>
+          </a:p>
+        </p:txBody>
+      </p:sp>
+      <p:sp>
+        <p:nvSpPr>
+          <p:cNvPr id="12" name="TextBox 11">
+            <a:extLst>
+              <a:ext uri="{FF2B5EF4-FFF2-40B4-BE49-F238E27FC236}">
+                <a16:creationId xmlns:a16="http://schemas.microsoft.com/office/drawing/2014/main" id="{263AE319-0FB9-FDB4-4BEA-F8390C40A4E2}"/>
+              </a:ext>
+            </a:extLst>
+          </p:cNvPr>
+          <p:cNvSpPr txBox="1"/>
+          <p:nvPr/>
+        </p:nvSpPr>
+        <p:spPr>
+          <a:xfrm>
+            <a:off x="5321252" y="2416016"/>
+            <a:ext cx="3552277" cy="1200329"/>
+          </a:xfrm>
+          <a:prstGeom prst="rect">
+            <a:avLst/>
+          </a:prstGeom>
+          <a:noFill/>
+        </p:spPr>
+        <p:txBody>
+          <a:bodyPr wrap="square" rtlCol="0">
+            <a:spAutoFit/>
+          </a:bodyPr>
+          <a:lstStyle/>
+          <a:p>
+            <a:pPr marL="342900" indent="-342900" algn="l">
+              <a:buFont typeface="Arial" panose="020B0604020202020204" pitchFamily="34" charset="0"/>
+              <a:buChar char="•"/>
+            </a:pPr>
+            <a:r>
+              <a:rPr kumimoji="1" lang="zh-CN" altLang="en-US" sz="2400" dirty="0"/>
+              <a:t>右孩子的左孩子的左孩子的</a:t>
+            </a:r>
+            <a:r>
+              <a:rPr kumimoji="1" lang="en-US" altLang="zh-CN" sz="2400" dirty="0"/>
+              <a:t>…</a:t>
+            </a:r>
+            <a:r>
+              <a:rPr kumimoji="1" lang="zh-CN" altLang="en-US" sz="2400" dirty="0"/>
+              <a:t>左孩子</a:t>
+            </a:r>
+            <a:endParaRPr kumimoji="1" lang="en-US" altLang="zh-CN" sz="2400" dirty="0"/>
+          </a:p>
+          <a:p>
+            <a:pPr marL="342900" indent="-342900" algn="l">
+              <a:buFont typeface="Arial" panose="020B0604020202020204" pitchFamily="34" charset="0"/>
+              <a:buChar char="•"/>
+            </a:pPr>
+            <a:r>
+              <a:rPr kumimoji="1" lang="zh-CN" altLang="en-US" sz="2400" dirty="0"/>
+              <a:t>对吗</a:t>
+            </a:r>
+            <a:r>
+              <a:rPr kumimoji="1" lang="en-US" altLang="zh-CN" sz="2400" dirty="0"/>
+              <a:t>?</a:t>
+            </a:r>
+            <a:r>
+              <a:rPr kumimoji="1" lang="zh-CN" altLang="en-US" sz="2400" dirty="0"/>
+              <a:t> 用反证法验证之</a:t>
+            </a:r>
+            <a:r>
+              <a:rPr kumimoji="1" lang="en-US" altLang="zh-CN" sz="2400" dirty="0"/>
+              <a:t>.</a:t>
+            </a:r>
+            <a:endParaRPr kumimoji="1" lang="zh-CN" altLang="en-US" sz="2400" dirty="0"/>
+          </a:p>
+        </p:txBody>
+      </p:sp>
+      <p:pic>
+        <p:nvPicPr>
+          <p:cNvPr id="13" name="Picture 12">
+            <a:extLst>
+              <a:ext uri="{FF2B5EF4-FFF2-40B4-BE49-F238E27FC236}">
+                <a16:creationId xmlns:a16="http://schemas.microsoft.com/office/drawing/2014/main" id="{6B01DD78-1579-61BD-8E9E-84C578F15E60}"/>
+              </a:ext>
+            </a:extLst>
+          </p:cNvPr>
+          <p:cNvPicPr>
+            <a:picLocks noChangeAspect="1"/>
+          </p:cNvPicPr>
+          <p:nvPr/>
+        </p:nvPicPr>
+        <p:blipFill>
+          <a:blip r:embed="rId3"/>
+          <a:stretch>
+            <a:fillRect/>
+          </a:stretch>
+        </p:blipFill>
+        <p:spPr>
+          <a:xfrm>
+            <a:off x="5261354" y="3841819"/>
+            <a:ext cx="3672074" cy="1536542"/>
+          </a:xfrm>
+          <a:prstGeom prst="rect">
+            <a:avLst/>
+          </a:prstGeom>
+          <a:ln>
+            <a:noFill/>
+          </a:ln>
+          <a:effectLst>
+            <a:outerShdw blurRad="292100" dist="139700" dir="2700000" algn="tl" rotWithShape="0">
+              <a:srgbClr val="333333">
+                <a:alpha val="65000"/>
+              </a:srgbClr>
+            </a:outerShdw>
+          </a:effectLst>
+        </p:spPr>
+      </p:pic>
+    </p:spTree>
+    <p:extLst>
+      <p:ext uri="{BB962C8B-B14F-4D97-AF65-F5344CB8AC3E}">
+        <p14:creationId xmlns:p14="http://schemas.microsoft.com/office/powerpoint/2010/main" val="3378555432"/>
+      </p:ext>
+    </p:extLst>
+  </p:cSld>
+  <p:clrMapOvr>
+    <a:masterClrMapping/>
+  </p:clrMapOvr>
+</p:sld>
+</file>
+
+<file path=ppt/slides/slide12.xml><?xml version="1.0" encoding="utf-8"?>
+<p:sld xmlns:a="http://schemas.openxmlformats.org/drawingml/2006/main" xmlns:r="http://schemas.openxmlformats.org/officeDocument/2006/relationships" xmlns:p="http://schemas.openxmlformats.org/presentationml/2006/main">
+  <p:cSld>
+    <p:spTree>
+      <p:nvGrpSpPr>
+        <p:cNvPr id="1" name=""/>
+        <p:cNvGrpSpPr/>
+        <p:nvPr/>
+      </p:nvGrpSpPr>
+      <p:grpSpPr>
+        <a:xfrm>
+          <a:off x="0" y="0"/>
+          <a:ext cx="0" cy="0"/>
+          <a:chOff x="0" y="0"/>
+          <a:chExt cx="0" cy="0"/>
+        </a:xfrm>
+      </p:grpSpPr>
+      <p:sp>
+        <p:nvSpPr>
+          <p:cNvPr id="2" name="Slide Number Placeholder 1">
+            <a:extLst>
+              <a:ext uri="{FF2B5EF4-FFF2-40B4-BE49-F238E27FC236}">
+                <a16:creationId xmlns:a16="http://schemas.microsoft.com/office/drawing/2014/main" id="{F52527F7-CF00-1C50-C413-253A53F51783}"/>
+              </a:ext>
+            </a:extLst>
+          </p:cNvPr>
+          <p:cNvSpPr>
+            <a:spLocks noGrp="1"/>
+          </p:cNvSpPr>
+          <p:nvPr>
+            <p:ph type="sldNum" sz="quarter" idx="12"/>
+          </p:nvPr>
+        </p:nvSpPr>
+        <p:spPr/>
+        <p:txBody>
+          <a:bodyPr/>
+          <a:lstStyle/>
+          <a:p>
+            <a:fld id="{7A304655-5D53-B746-8252-3F5A598C52D3}" type="slidenum">
+              <a:rPr lang="en-CN" smtClean="0"/>
+              <a:pPr/>
+              <a:t>12</a:t>
+            </a:fld>
+            <a:endParaRPr lang="en-CN"/>
+          </a:p>
+        </p:txBody>
+      </p:sp>
+      <p:sp>
+        <p:nvSpPr>
+          <p:cNvPr id="3" name="Title 2">
+            <a:extLst>
+              <a:ext uri="{FF2B5EF4-FFF2-40B4-BE49-F238E27FC236}">
+                <a16:creationId xmlns:a16="http://schemas.microsoft.com/office/drawing/2014/main" id="{0B1416E1-B654-FFB2-40DF-8171FE924FE7}"/>
+              </a:ext>
+            </a:extLst>
+          </p:cNvPr>
+          <p:cNvSpPr>
+            <a:spLocks noGrp="1"/>
+          </p:cNvSpPr>
+          <p:nvPr>
+            <p:ph type="title"/>
+          </p:nvPr>
+        </p:nvSpPr>
+        <p:spPr/>
+        <p:txBody>
+          <a:bodyPr/>
+          <a:lstStyle/>
+          <a:p>
+            <a:r>
+              <a:rPr kumimoji="1" lang="zh-CN" altLang="en-US" dirty="0"/>
+              <a:t>换上来之后</a:t>
+            </a:r>
+          </a:p>
+        </p:txBody>
+      </p:sp>
+      <p:sp>
+        <p:nvSpPr>
+          <p:cNvPr id="4" name="TextBox 3">
+            <a:extLst>
+              <a:ext uri="{FF2B5EF4-FFF2-40B4-BE49-F238E27FC236}">
+                <a16:creationId xmlns:a16="http://schemas.microsoft.com/office/drawing/2014/main" id="{294639E1-4980-C4AA-98A2-8A66C0A1B0B9}"/>
+              </a:ext>
+            </a:extLst>
+          </p:cNvPr>
+          <p:cNvSpPr txBox="1"/>
+          <p:nvPr/>
+        </p:nvSpPr>
+        <p:spPr>
+          <a:xfrm>
+            <a:off x="880533" y="1456267"/>
+            <a:ext cx="4532010" cy="461665"/>
+          </a:xfrm>
+          <a:prstGeom prst="rect">
+            <a:avLst/>
+          </a:prstGeom>
+          <a:noFill/>
+        </p:spPr>
+        <p:txBody>
+          <a:bodyPr wrap="none" rtlCol="0">
+            <a:spAutoFit/>
+          </a:bodyPr>
+          <a:lstStyle/>
+          <a:p>
+            <a:pPr marL="342900" indent="-342900" algn="l">
+              <a:buFont typeface="Arial" panose="020B0604020202020204" pitchFamily="34" charset="0"/>
+              <a:buChar char="•"/>
+            </a:pPr>
+            <a:r>
+              <a:rPr kumimoji="1" lang="zh-CN" altLang="en-US" sz="2400" dirty="0"/>
+              <a:t>记得把换上来的那个值删除了</a:t>
+            </a:r>
+          </a:p>
+        </p:txBody>
+      </p:sp>
+      <p:pic>
+        <p:nvPicPr>
+          <p:cNvPr id="5" name="Picture 4">
+            <a:extLst>
+              <a:ext uri="{FF2B5EF4-FFF2-40B4-BE49-F238E27FC236}">
+                <a16:creationId xmlns:a16="http://schemas.microsoft.com/office/drawing/2014/main" id="{059DD4BD-5E6F-4D42-1363-2E16B0853AD8}"/>
+              </a:ext>
+            </a:extLst>
+          </p:cNvPr>
+          <p:cNvPicPr>
+            <a:picLocks noChangeAspect="1"/>
+          </p:cNvPicPr>
+          <p:nvPr/>
+        </p:nvPicPr>
+        <p:blipFill>
+          <a:blip r:embed="rId2"/>
+          <a:stretch>
+            <a:fillRect/>
+          </a:stretch>
+        </p:blipFill>
+        <p:spPr>
+          <a:xfrm>
+            <a:off x="1298221" y="2089867"/>
+            <a:ext cx="5593149" cy="1095325"/>
+          </a:xfrm>
+          <a:prstGeom prst="rect">
+            <a:avLst/>
+          </a:prstGeom>
+        </p:spPr>
+      </p:pic>
+    </p:spTree>
+    <p:extLst>
+      <p:ext uri="{BB962C8B-B14F-4D97-AF65-F5344CB8AC3E}">
+        <p14:creationId xmlns:p14="http://schemas.microsoft.com/office/powerpoint/2010/main" val="2654350858"/>
+      </p:ext>
+    </p:extLst>
+  </p:cSld>
+  <p:clrMapOvr>
+    <a:masterClrMapping/>
+  </p:clrMapOvr>
+</p:sld>
+</file>
+
+<file path=ppt/slides/slide13.xml><?xml version="1.0" encoding="utf-8"?>
+<p:sld xmlns:a="http://schemas.openxmlformats.org/drawingml/2006/main" xmlns:r="http://schemas.openxmlformats.org/officeDocument/2006/relationships" xmlns:p="http://schemas.openxmlformats.org/presentationml/2006/main">
+  <p:cSld>
+    <p:spTree>
+      <p:nvGrpSpPr>
+        <p:cNvPr id="1" name=""/>
+        <p:cNvGrpSpPr/>
+        <p:nvPr/>
+      </p:nvGrpSpPr>
+      <p:grpSpPr>
+        <a:xfrm>
+          <a:off x="0" y="0"/>
+          <a:ext cx="0" cy="0"/>
+          <a:chOff x="0" y="0"/>
+          <a:chExt cx="0" cy="0"/>
+        </a:xfrm>
+      </p:grpSpPr>
+      <p:sp>
+        <p:nvSpPr>
+          <p:cNvPr id="2" name="Slide Number Placeholder 1">
+            <a:extLst>
+              <a:ext uri="{FF2B5EF4-FFF2-40B4-BE49-F238E27FC236}">
+                <a16:creationId xmlns:a16="http://schemas.microsoft.com/office/drawing/2014/main" id="{837ECFCC-D585-C211-35C3-A63F0BB3BE7C}"/>
+              </a:ext>
+            </a:extLst>
+          </p:cNvPr>
+          <p:cNvSpPr>
+            <a:spLocks noGrp="1"/>
+          </p:cNvSpPr>
+          <p:nvPr>
+            <p:ph type="sldNum" sz="quarter" idx="12"/>
+          </p:nvPr>
+        </p:nvSpPr>
+        <p:spPr/>
+        <p:txBody>
+          <a:bodyPr/>
+          <a:lstStyle/>
+          <a:p>
+            <a:fld id="{7A304655-5D53-B746-8252-3F5A598C52D3}" type="slidenum">
+              <a:rPr lang="en-CN" smtClean="0"/>
+              <a:pPr/>
+              <a:t>13</a:t>
+            </a:fld>
+            <a:endParaRPr lang="en-CN"/>
+          </a:p>
+        </p:txBody>
+      </p:sp>
+      <p:sp>
+        <p:nvSpPr>
+          <p:cNvPr id="3" name="Title 2">
+            <a:extLst>
+              <a:ext uri="{FF2B5EF4-FFF2-40B4-BE49-F238E27FC236}">
+                <a16:creationId xmlns:a16="http://schemas.microsoft.com/office/drawing/2014/main" id="{6B6CE589-024A-46BD-BAF8-69DBAF6D7122}"/>
+              </a:ext>
+            </a:extLst>
+          </p:cNvPr>
+          <p:cNvSpPr>
+            <a:spLocks noGrp="1"/>
+          </p:cNvSpPr>
+          <p:nvPr>
+            <p:ph type="title"/>
+          </p:nvPr>
+        </p:nvSpPr>
+        <p:spPr/>
+        <p:txBody>
+          <a:bodyPr/>
+          <a:lstStyle/>
+          <a:p>
+            <a:r>
+              <a:rPr kumimoji="1" lang="zh-CN" altLang="en-US" dirty="0"/>
+              <a:t>一个问题</a:t>
+            </a:r>
+          </a:p>
+        </p:txBody>
+      </p:sp>
+      <p:sp>
+        <p:nvSpPr>
+          <p:cNvPr id="4" name="TextBox 3">
+            <a:extLst>
+              <a:ext uri="{FF2B5EF4-FFF2-40B4-BE49-F238E27FC236}">
+                <a16:creationId xmlns:a16="http://schemas.microsoft.com/office/drawing/2014/main" id="{C51E5808-7477-3E83-D0B7-9EDE89903EF7}"/>
+              </a:ext>
+            </a:extLst>
+          </p:cNvPr>
+          <p:cNvSpPr txBox="1"/>
+          <p:nvPr/>
+        </p:nvSpPr>
+        <p:spPr>
+          <a:xfrm>
+            <a:off x="628650" y="1196623"/>
+            <a:ext cx="5396029" cy="830997"/>
+          </a:xfrm>
+          <a:prstGeom prst="rect">
+            <a:avLst/>
+          </a:prstGeom>
+          <a:noFill/>
+        </p:spPr>
+        <p:txBody>
+          <a:bodyPr wrap="none" rtlCol="0">
+            <a:spAutoFit/>
+          </a:bodyPr>
+          <a:lstStyle/>
+          <a:p>
+            <a:pPr marL="342900" indent="-342900" algn="l">
+              <a:buFont typeface="Arial" panose="020B0604020202020204" pitchFamily="34" charset="0"/>
+              <a:buChar char="•"/>
+            </a:pPr>
+            <a:r>
+              <a:rPr kumimoji="1" lang="zh-CN" altLang="en-US" sz="2400" dirty="0"/>
+              <a:t>使用顺序</a:t>
+            </a:r>
+            <a:r>
+              <a:rPr kumimoji="1" lang="en-US" altLang="zh-CN" sz="2400" dirty="0"/>
+              <a:t>/</a:t>
+            </a:r>
+            <a:r>
+              <a:rPr kumimoji="1" lang="zh-CN" altLang="en-US" sz="2400" dirty="0"/>
+              <a:t>倒序插入 </a:t>
+            </a:r>
+            <a:r>
+              <a:rPr kumimoji="1" lang="en-US" altLang="zh-CN" sz="2400" dirty="0">
+                <a:sym typeface="Wingdings" pitchFamily="2" charset="2"/>
+              </a:rPr>
+              <a:t></a:t>
+            </a:r>
+            <a:r>
+              <a:rPr kumimoji="1" lang="zh-CN" altLang="en-US" sz="2400" dirty="0">
+                <a:sym typeface="Wingdings" pitchFamily="2" charset="2"/>
+              </a:rPr>
+              <a:t> 退化成一条链</a:t>
+            </a:r>
+            <a:endParaRPr kumimoji="1" lang="en-US" altLang="zh-CN" sz="2400" dirty="0">
+              <a:sym typeface="Wingdings" pitchFamily="2" charset="2"/>
+            </a:endParaRPr>
+          </a:p>
+          <a:p>
+            <a:pPr marL="342900" indent="-342900" algn="l">
+              <a:buFont typeface="Arial" panose="020B0604020202020204" pitchFamily="34" charset="0"/>
+              <a:buChar char="•"/>
+            </a:pPr>
+            <a:r>
+              <a:rPr kumimoji="1" lang="zh-CN" altLang="en-US" sz="2400" dirty="0">
+                <a:sym typeface="Wingdings" pitchFamily="2" charset="2"/>
+              </a:rPr>
+              <a:t>我们下一次来修正这个问题</a:t>
+            </a:r>
+            <a:r>
+              <a:rPr kumimoji="1" lang="en-US" altLang="zh-CN" sz="2400" dirty="0">
+                <a:sym typeface="Wingdings" pitchFamily="2" charset="2"/>
+              </a:rPr>
+              <a:t>.</a:t>
+            </a:r>
+            <a:r>
+              <a:rPr kumimoji="1" lang="zh-CN" altLang="en-US" sz="2400" dirty="0">
+                <a:sym typeface="Wingdings" pitchFamily="2" charset="2"/>
+              </a:rPr>
+              <a:t> </a:t>
+            </a:r>
+            <a:endParaRPr kumimoji="1" lang="zh-CN" altLang="en-US" sz="2400" dirty="0"/>
+          </a:p>
+        </p:txBody>
+      </p:sp>
+    </p:spTree>
+    <p:extLst>
+      <p:ext uri="{BB962C8B-B14F-4D97-AF65-F5344CB8AC3E}">
+        <p14:creationId xmlns:p14="http://schemas.microsoft.com/office/powerpoint/2010/main" val="2971696741"/>
+      </p:ext>
+    </p:extLst>
+  </p:cSld>
+  <p:clrMapOvr>
+    <a:masterClrMapping/>
+  </p:clrMapOvr>
+</p:sld>
+</file>
+
+<file path=ppt/slides/slide14.xml><?xml version="1.0" encoding="utf-8"?>
+<p:sld xmlns:a="http://schemas.openxmlformats.org/drawingml/2006/main" xmlns:r="http://schemas.openxmlformats.org/officeDocument/2006/relationships" xmlns:p="http://schemas.openxmlformats.org/presentationml/2006/main">
+  <p:cSld>
+    <p:spTree>
+      <p:nvGrpSpPr>
+        <p:cNvPr id="1" name=""/>
+        <p:cNvGrpSpPr/>
+        <p:nvPr/>
+      </p:nvGrpSpPr>
+      <p:grpSpPr>
+        <a:xfrm>
+          <a:off x="0" y="0"/>
+          <a:ext cx="0" cy="0"/>
+          <a:chOff x="0" y="0"/>
+          <a:chExt cx="0" cy="0"/>
+        </a:xfrm>
+      </p:grpSpPr>
+      <p:sp>
+        <p:nvSpPr>
+          <p:cNvPr id="2" name="Slide Number Placeholder 1">
+            <a:extLst>
+              <a:ext uri="{FF2B5EF4-FFF2-40B4-BE49-F238E27FC236}">
+                <a16:creationId xmlns:a16="http://schemas.microsoft.com/office/drawing/2014/main" id="{AD296573-E8C6-1EBA-8127-2C3FBD9E55E1}"/>
+              </a:ext>
+            </a:extLst>
+          </p:cNvPr>
+          <p:cNvSpPr>
+            <a:spLocks noGrp="1"/>
+          </p:cNvSpPr>
+          <p:nvPr>
+            <p:ph type="sldNum" sz="quarter" idx="12"/>
+          </p:nvPr>
+        </p:nvSpPr>
+        <p:spPr/>
+        <p:txBody>
+          <a:bodyPr/>
+          <a:lstStyle/>
+          <a:p>
+            <a:fld id="{7A304655-5D53-B746-8252-3F5A598C52D3}" type="slidenum">
+              <a:rPr lang="en-CN" smtClean="0"/>
+              <a:pPr/>
+              <a:t>14</a:t>
+            </a:fld>
+            <a:endParaRPr lang="en-CN"/>
+          </a:p>
+        </p:txBody>
+      </p:sp>
+      <p:sp>
+        <p:nvSpPr>
+          <p:cNvPr id="4" name="Title 3">
+            <a:extLst>
+              <a:ext uri="{FF2B5EF4-FFF2-40B4-BE49-F238E27FC236}">
+                <a16:creationId xmlns:a16="http://schemas.microsoft.com/office/drawing/2014/main" id="{3D6B6A39-E999-30CF-236C-F6CA86A2EB1C}"/>
+              </a:ext>
+            </a:extLst>
+          </p:cNvPr>
+          <p:cNvSpPr>
+            <a:spLocks noGrp="1"/>
+          </p:cNvSpPr>
+          <p:nvPr>
+            <p:ph type="title"/>
+          </p:nvPr>
+        </p:nvSpPr>
+        <p:spPr/>
+        <p:txBody>
+          <a:bodyPr/>
+          <a:lstStyle/>
+          <a:p>
+            <a:r>
+              <a:rPr lang="zh-CN" altLang="en-US" dirty="0"/>
+              <a:t>搜索路径长度</a:t>
+            </a:r>
+            <a:r>
+              <a:rPr lang="zh-CN" altLang="en-CN" dirty="0"/>
+              <a:t>的期望</a:t>
+            </a:r>
+            <a:endParaRPr lang="zh-CN" altLang="en-US" dirty="0"/>
+          </a:p>
+        </p:txBody>
+      </p:sp>
+    </p:spTree>
+    <p:extLst>
+      <p:ext uri="{BB962C8B-B14F-4D97-AF65-F5344CB8AC3E}">
+        <p14:creationId xmlns:p14="http://schemas.microsoft.com/office/powerpoint/2010/main" val="1135017806"/>
+      </p:ext>
+    </p:extLst>
+  </p:cSld>
+  <p:clrMapOvr>
+    <a:masterClrMapping/>
+  </p:clrMapOvr>
+</p:sld>
+</file>
+
+<file path=ppt/slides/slide15.xml><?xml version="1.0" encoding="utf-8"?>
+<p:sld xmlns:a="http://schemas.openxmlformats.org/drawingml/2006/main" xmlns:r="http://schemas.openxmlformats.org/officeDocument/2006/relationships" xmlns:p="http://schemas.openxmlformats.org/presentationml/2006/main">
+  <p:cSld>
+    <p:spTree>
+      <p:nvGrpSpPr>
+        <p:cNvPr id="1" name=""/>
+        <p:cNvGrpSpPr/>
+        <p:nvPr/>
+      </p:nvGrpSpPr>
+      <p:grpSpPr>
+        <a:xfrm>
+          <a:off x="0" y="0"/>
+          <a:ext cx="0" cy="0"/>
+          <a:chOff x="0" y="0"/>
+          <a:chExt cx="0" cy="0"/>
+        </a:xfrm>
+      </p:grpSpPr>
+      <p:sp>
+        <p:nvSpPr>
+          <p:cNvPr id="2" name="Slide Number Placeholder 1">
+            <a:extLst>
+              <a:ext uri="{FF2B5EF4-FFF2-40B4-BE49-F238E27FC236}">
+                <a16:creationId xmlns:a16="http://schemas.microsoft.com/office/drawing/2014/main" id="{A988E985-5804-41DE-39EE-CF26993044FA}"/>
+              </a:ext>
+            </a:extLst>
+          </p:cNvPr>
+          <p:cNvSpPr>
+            <a:spLocks noGrp="1"/>
+          </p:cNvSpPr>
+          <p:nvPr>
+            <p:ph type="sldNum" sz="quarter" idx="12"/>
+          </p:nvPr>
+        </p:nvSpPr>
+        <p:spPr/>
+        <p:txBody>
+          <a:bodyPr/>
+          <a:lstStyle/>
+          <a:p>
+            <a:fld id="{7A304655-5D53-B746-8252-3F5A598C52D3}" type="slidenum">
+              <a:rPr lang="en-CN" smtClean="0"/>
+              <a:pPr/>
+              <a:t>15</a:t>
+            </a:fld>
+            <a:endParaRPr lang="en-CN"/>
+          </a:p>
+        </p:txBody>
+      </p:sp>
+      <p:sp>
+        <p:nvSpPr>
+          <p:cNvPr id="3" name="Title 2">
+            <a:extLst>
+              <a:ext uri="{FF2B5EF4-FFF2-40B4-BE49-F238E27FC236}">
+                <a16:creationId xmlns:a16="http://schemas.microsoft.com/office/drawing/2014/main" id="{BF20DA7E-E69F-4775-1985-59AA7C4650BC}"/>
+              </a:ext>
+            </a:extLst>
+          </p:cNvPr>
+          <p:cNvSpPr>
+            <a:spLocks noGrp="1"/>
+          </p:cNvSpPr>
+          <p:nvPr>
+            <p:ph type="title"/>
+          </p:nvPr>
+        </p:nvSpPr>
+        <p:spPr/>
+        <p:txBody>
+          <a:bodyPr/>
+          <a:lstStyle/>
+          <a:p>
+            <a:r>
+              <a:rPr kumimoji="1" lang="zh-CN" altLang="en-CN" dirty="0"/>
+              <a:t>例子</a:t>
+            </a:r>
+            <a:r>
+              <a:rPr kumimoji="1" lang="en-US" altLang="zh-CN" dirty="0"/>
+              <a:t>:</a:t>
+            </a:r>
+            <a:r>
+              <a:rPr kumimoji="1" lang="zh-CN" altLang="en-US" dirty="0"/>
+              <a:t> </a:t>
+            </a:r>
+            <a:r>
+              <a:rPr kumimoji="1" lang="en-US" altLang="zh-CN" dirty="0"/>
+              <a:t>0..14</a:t>
+            </a:r>
+            <a:r>
+              <a:rPr kumimoji="1" lang="zh-CN" altLang="en-US" dirty="0"/>
+              <a:t>的二叉搜索树</a:t>
+            </a:r>
+          </a:p>
+        </p:txBody>
+      </p:sp>
+      <p:pic>
+        <p:nvPicPr>
+          <p:cNvPr id="5" name="Picture 4">
+            <a:extLst>
+              <a:ext uri="{FF2B5EF4-FFF2-40B4-BE49-F238E27FC236}">
+                <a16:creationId xmlns:a16="http://schemas.microsoft.com/office/drawing/2014/main" id="{3C721912-EEAE-0382-BC0A-C0741120ABC6}"/>
+              </a:ext>
+            </a:extLst>
+          </p:cNvPr>
+          <p:cNvPicPr>
+            <a:picLocks noChangeAspect="1"/>
+          </p:cNvPicPr>
+          <p:nvPr/>
+        </p:nvPicPr>
+        <p:blipFill>
+          <a:blip r:embed="rId2"/>
+          <a:stretch>
+            <a:fillRect/>
+          </a:stretch>
+        </p:blipFill>
+        <p:spPr>
+          <a:xfrm>
+            <a:off x="1406020" y="1040524"/>
+            <a:ext cx="6524978" cy="3301986"/>
+          </a:xfrm>
+          <a:prstGeom prst="rect">
+            <a:avLst/>
+          </a:prstGeom>
+        </p:spPr>
+      </p:pic>
+      <p:pic>
+        <p:nvPicPr>
+          <p:cNvPr id="6" name="Picture 5">
+            <a:extLst>
+              <a:ext uri="{FF2B5EF4-FFF2-40B4-BE49-F238E27FC236}">
+                <a16:creationId xmlns:a16="http://schemas.microsoft.com/office/drawing/2014/main" id="{E55400C1-F922-78AA-722B-E26400B8EF33}"/>
+              </a:ext>
+            </a:extLst>
+          </p:cNvPr>
+          <p:cNvPicPr>
+            <a:picLocks noChangeAspect="1"/>
+          </p:cNvPicPr>
+          <p:nvPr/>
+        </p:nvPicPr>
+        <p:blipFill>
+          <a:blip r:embed="rId3"/>
+          <a:stretch>
+            <a:fillRect/>
+          </a:stretch>
+        </p:blipFill>
+        <p:spPr>
+          <a:xfrm>
+            <a:off x="411187" y="4545710"/>
+            <a:ext cx="3489677" cy="319095"/>
+          </a:xfrm>
+          <a:prstGeom prst="rect">
+            <a:avLst/>
+          </a:prstGeom>
+        </p:spPr>
+      </p:pic>
+      <p:pic>
+        <p:nvPicPr>
+          <p:cNvPr id="7" name="Picture 6">
+            <a:extLst>
+              <a:ext uri="{FF2B5EF4-FFF2-40B4-BE49-F238E27FC236}">
+                <a16:creationId xmlns:a16="http://schemas.microsoft.com/office/drawing/2014/main" id="{FCBDD68A-F8A0-0AEA-018E-B65F7E1C9E29}"/>
+              </a:ext>
+            </a:extLst>
+          </p:cNvPr>
+          <p:cNvPicPr>
+            <a:picLocks noChangeAspect="1"/>
+          </p:cNvPicPr>
+          <p:nvPr/>
+        </p:nvPicPr>
+        <p:blipFill>
+          <a:blip r:embed="rId4"/>
+          <a:stretch>
+            <a:fillRect/>
+          </a:stretch>
+        </p:blipFill>
+        <p:spPr>
+          <a:xfrm>
+            <a:off x="4281159" y="4504788"/>
+            <a:ext cx="3649839" cy="375412"/>
+          </a:xfrm>
+          <a:prstGeom prst="rect">
+            <a:avLst/>
+          </a:prstGeom>
+        </p:spPr>
+      </p:pic>
+      <p:pic>
+        <p:nvPicPr>
+          <p:cNvPr id="8" name="Picture 7">
+            <a:extLst>
+              <a:ext uri="{FF2B5EF4-FFF2-40B4-BE49-F238E27FC236}">
+                <a16:creationId xmlns:a16="http://schemas.microsoft.com/office/drawing/2014/main" id="{2D27F7C4-ED52-085C-BE69-E10EF724029B}"/>
+              </a:ext>
+            </a:extLst>
+          </p:cNvPr>
+          <p:cNvPicPr>
+            <a:picLocks noChangeAspect="1"/>
+          </p:cNvPicPr>
+          <p:nvPr/>
+        </p:nvPicPr>
+        <p:blipFill>
+          <a:blip r:embed="rId5"/>
+          <a:stretch>
+            <a:fillRect/>
+          </a:stretch>
+        </p:blipFill>
+        <p:spPr>
+          <a:xfrm>
+            <a:off x="4283786" y="4908560"/>
+            <a:ext cx="3556901" cy="339426"/>
+          </a:xfrm>
+          <a:prstGeom prst="rect">
+            <a:avLst/>
+          </a:prstGeom>
+        </p:spPr>
+      </p:pic>
+      <p:pic>
+        <p:nvPicPr>
+          <p:cNvPr id="9" name="Picture 8">
+            <a:extLst>
+              <a:ext uri="{FF2B5EF4-FFF2-40B4-BE49-F238E27FC236}">
+                <a16:creationId xmlns:a16="http://schemas.microsoft.com/office/drawing/2014/main" id="{F67C093C-621F-30E9-89FD-7D74E9DC2044}"/>
+              </a:ext>
+            </a:extLst>
+          </p:cNvPr>
+          <p:cNvPicPr>
+            <a:picLocks noChangeAspect="1"/>
+          </p:cNvPicPr>
+          <p:nvPr/>
+        </p:nvPicPr>
+        <p:blipFill>
+          <a:blip r:embed="rId6"/>
+          <a:stretch>
+            <a:fillRect/>
+          </a:stretch>
+        </p:blipFill>
+        <p:spPr>
+          <a:xfrm>
+            <a:off x="4281159" y="5316509"/>
+            <a:ext cx="3599330" cy="339426"/>
+          </a:xfrm>
+          <a:prstGeom prst="rect">
+            <a:avLst/>
+          </a:prstGeom>
+        </p:spPr>
+      </p:pic>
+      <p:sp>
+        <p:nvSpPr>
+          <p:cNvPr id="10" name="TextBox 9">
+            <a:extLst>
+              <a:ext uri="{FF2B5EF4-FFF2-40B4-BE49-F238E27FC236}">
+                <a16:creationId xmlns:a16="http://schemas.microsoft.com/office/drawing/2014/main" id="{CAEAD2A1-9C4B-1D7F-97A2-E58D999EBD43}"/>
+              </a:ext>
+            </a:extLst>
+          </p:cNvPr>
+          <p:cNvSpPr txBox="1"/>
+          <p:nvPr/>
+        </p:nvSpPr>
+        <p:spPr>
+          <a:xfrm>
+            <a:off x="5705968" y="5453462"/>
+            <a:ext cx="800219" cy="461665"/>
+          </a:xfrm>
+          <a:prstGeom prst="rect">
+            <a:avLst/>
+          </a:prstGeom>
+          <a:noFill/>
+        </p:spPr>
+        <p:txBody>
+          <a:bodyPr wrap="none" rtlCol="0">
+            <a:spAutoFit/>
+          </a:bodyPr>
+          <a:lstStyle/>
+          <a:p>
+            <a:pPr algn="l"/>
+            <a:r>
+              <a:rPr kumimoji="1" lang="en-US" altLang="zh-CN" sz="2400" dirty="0"/>
+              <a:t>……</a:t>
+            </a:r>
+            <a:endParaRPr kumimoji="1" lang="zh-CN" altLang="en-US" sz="2400" dirty="0"/>
+          </a:p>
+        </p:txBody>
+      </p:sp>
+      <p:sp>
+        <p:nvSpPr>
+          <p:cNvPr id="11" name="Rounded Rectangular Callout 10">
+            <a:extLst>
+              <a:ext uri="{FF2B5EF4-FFF2-40B4-BE49-F238E27FC236}">
+                <a16:creationId xmlns:a16="http://schemas.microsoft.com/office/drawing/2014/main" id="{5B4FFACC-2ED5-6E25-F6F3-A40179DE626A}"/>
+              </a:ext>
+            </a:extLst>
+          </p:cNvPr>
+          <p:cNvSpPr/>
+          <p:nvPr/>
+        </p:nvSpPr>
+        <p:spPr>
+          <a:xfrm>
+            <a:off x="188231" y="3836626"/>
+            <a:ext cx="1967794" cy="587023"/>
+          </a:xfrm>
+          <a:prstGeom prst="wedgeRoundRectCallout">
+            <a:avLst>
+              <a:gd name="adj1" fmla="val 3262"/>
+              <a:gd name="adj2" fmla="val 77885"/>
+              <a:gd name="adj3" fmla="val 16667"/>
+            </a:avLst>
+          </a:prstGeom>
+          <a:solidFill>
+            <a:schemeClr val="lt1">
+              <a:alpha val="75518"/>
+            </a:schemeClr>
+          </a:solidFill>
+        </p:spPr>
+        <p:style>
+          <a:lnRef idx="2">
+            <a:schemeClr val="accent5"/>
+          </a:lnRef>
+          <a:fillRef idx="1">
+            <a:schemeClr val="lt1"/>
+          </a:fillRef>
+          <a:effectRef idx="0">
+            <a:schemeClr val="accent5"/>
+          </a:effectRef>
+          <a:fontRef idx="minor">
+            <a:schemeClr val="dk1"/>
+          </a:fontRef>
+        </p:style>
+        <p:txBody>
+          <a:bodyPr rtlCol="0" anchor="ctr"/>
+          <a:lstStyle/>
+          <a:p>
+            <a:pPr algn="ctr"/>
+            <a:r>
+              <a:rPr kumimoji="1" lang="zh-CN" altLang="en-US" sz="1600" dirty="0">
+                <a:latin typeface="Consolas" panose="020B0609020204030204" pitchFamily="49" charset="0"/>
+                <a:ea typeface="FangSong" panose="02010609060101010101" pitchFamily="49" charset="-122"/>
+                <a:cs typeface="Consolas" panose="020B0609020204030204" pitchFamily="49" charset="0"/>
+              </a:rPr>
+              <a:t>难查找</a:t>
+            </a:r>
+            <a:r>
+              <a:rPr kumimoji="1" lang="en-US" altLang="zh-CN" sz="1600" dirty="0">
+                <a:latin typeface="Consolas" panose="020B0609020204030204" pitchFamily="49" charset="0"/>
+                <a:ea typeface="FangSong" panose="02010609060101010101" pitchFamily="49" charset="-122"/>
+                <a:cs typeface="Consolas" panose="020B0609020204030204" pitchFamily="49" charset="0"/>
+              </a:rPr>
+              <a:t>,</a:t>
+            </a:r>
+            <a:r>
+              <a:rPr kumimoji="1" lang="zh-CN" altLang="en-US" sz="1600" dirty="0">
+                <a:latin typeface="Consolas" panose="020B0609020204030204" pitchFamily="49" charset="0"/>
+                <a:ea typeface="FangSong" panose="02010609060101010101" pitchFamily="49" charset="-122"/>
+                <a:cs typeface="Consolas" panose="020B0609020204030204" pitchFamily="49" charset="0"/>
+              </a:rPr>
+              <a:t> 概率小</a:t>
+            </a:r>
+          </a:p>
+        </p:txBody>
+      </p:sp>
+      <p:sp>
+        <p:nvSpPr>
+          <p:cNvPr id="12" name="Rounded Rectangular Callout 11">
+            <a:extLst>
+              <a:ext uri="{FF2B5EF4-FFF2-40B4-BE49-F238E27FC236}">
+                <a16:creationId xmlns:a16="http://schemas.microsoft.com/office/drawing/2014/main" id="{BF0DCA20-331C-0DA1-5832-8CB1F58B0FA7}"/>
+              </a:ext>
+            </a:extLst>
+          </p:cNvPr>
+          <p:cNvSpPr/>
+          <p:nvPr/>
+        </p:nvSpPr>
+        <p:spPr>
+          <a:xfrm>
+            <a:off x="6272942" y="3789748"/>
+            <a:ext cx="1967794" cy="587023"/>
+          </a:xfrm>
+          <a:prstGeom prst="wedgeRoundRectCallout">
+            <a:avLst>
+              <a:gd name="adj1" fmla="val 3262"/>
+              <a:gd name="adj2" fmla="val 77885"/>
+              <a:gd name="adj3" fmla="val 16667"/>
+            </a:avLst>
+          </a:prstGeom>
+          <a:solidFill>
+            <a:schemeClr val="lt1">
+              <a:alpha val="75518"/>
+            </a:schemeClr>
+          </a:solidFill>
+        </p:spPr>
+        <p:style>
+          <a:lnRef idx="2">
+            <a:schemeClr val="accent5"/>
+          </a:lnRef>
+          <a:fillRef idx="1">
+            <a:schemeClr val="lt1"/>
+          </a:fillRef>
+          <a:effectRef idx="0">
+            <a:schemeClr val="accent5"/>
+          </a:effectRef>
+          <a:fontRef idx="minor">
+            <a:schemeClr val="dk1"/>
+          </a:fontRef>
+        </p:style>
+        <p:txBody>
+          <a:bodyPr rtlCol="0" anchor="ctr"/>
+          <a:lstStyle/>
+          <a:p>
+            <a:pPr algn="ctr"/>
+            <a:r>
+              <a:rPr kumimoji="1" lang="zh-CN" altLang="en-US" sz="1600" dirty="0">
+                <a:latin typeface="Consolas" panose="020B0609020204030204" pitchFamily="49" charset="0"/>
+                <a:ea typeface="FangSong" panose="02010609060101010101" pitchFamily="49" charset="-122"/>
+                <a:cs typeface="Consolas" panose="020B0609020204030204" pitchFamily="49" charset="0"/>
+              </a:rPr>
+              <a:t>好查找</a:t>
+            </a:r>
+            <a:r>
+              <a:rPr kumimoji="1" lang="en-US" altLang="zh-CN" sz="1600" dirty="0">
+                <a:latin typeface="Consolas" panose="020B0609020204030204" pitchFamily="49" charset="0"/>
+                <a:ea typeface="FangSong" panose="02010609060101010101" pitchFamily="49" charset="-122"/>
+                <a:cs typeface="Consolas" panose="020B0609020204030204" pitchFamily="49" charset="0"/>
+              </a:rPr>
+              <a:t>,</a:t>
+            </a:r>
+            <a:r>
+              <a:rPr kumimoji="1" lang="zh-CN" altLang="en-US" sz="1600" dirty="0">
+                <a:latin typeface="Consolas" panose="020B0609020204030204" pitchFamily="49" charset="0"/>
+                <a:ea typeface="FangSong" panose="02010609060101010101" pitchFamily="49" charset="-122"/>
+                <a:cs typeface="Consolas" panose="020B0609020204030204" pitchFamily="49" charset="0"/>
+              </a:rPr>
+              <a:t> 概率大</a:t>
+            </a:r>
+          </a:p>
+        </p:txBody>
+      </p:sp>
+      <p:sp>
+        <p:nvSpPr>
+          <p:cNvPr id="13" name="Right Brace 12">
+            <a:extLst>
+              <a:ext uri="{FF2B5EF4-FFF2-40B4-BE49-F238E27FC236}">
+                <a16:creationId xmlns:a16="http://schemas.microsoft.com/office/drawing/2014/main" id="{58BC7912-1E9E-9252-0153-DF4E7C51AF4B}"/>
+              </a:ext>
+            </a:extLst>
+          </p:cNvPr>
+          <p:cNvSpPr/>
+          <p:nvPr/>
+        </p:nvSpPr>
+        <p:spPr>
+          <a:xfrm>
+            <a:off x="7930998" y="4545710"/>
+            <a:ext cx="188188" cy="1268326"/>
+          </a:xfrm>
+          <a:prstGeom prst="rightBrace">
+            <a:avLst/>
+          </a:prstGeom>
+        </p:spPr>
+        <p:style>
+          <a:lnRef idx="1">
+            <a:schemeClr val="accent1"/>
+          </a:lnRef>
+          <a:fillRef idx="0">
+            <a:schemeClr val="accent1"/>
+          </a:fillRef>
+          <a:effectRef idx="0">
+            <a:schemeClr val="accent1"/>
+          </a:effectRef>
+          <a:fontRef idx="minor">
+            <a:schemeClr val="tx1"/>
+          </a:fontRef>
+        </p:style>
+        <p:txBody>
+          <a:bodyPr rtlCol="0" anchor="ctr"/>
+          <a:lstStyle/>
+          <a:p>
+            <a:pPr algn="ctr"/>
+            <a:endParaRPr kumimoji="1" lang="zh-CN" altLang="en-US"/>
+          </a:p>
+        </p:txBody>
+      </p:sp>
+      <p:sp>
+        <p:nvSpPr>
+          <p:cNvPr id="14" name="TextBox 13">
+            <a:extLst>
+              <a:ext uri="{FF2B5EF4-FFF2-40B4-BE49-F238E27FC236}">
+                <a16:creationId xmlns:a16="http://schemas.microsoft.com/office/drawing/2014/main" id="{EEA2D63A-AB30-05C7-3385-E55AA6D3C814}"/>
+              </a:ext>
+            </a:extLst>
+          </p:cNvPr>
+          <p:cNvSpPr txBox="1"/>
+          <p:nvPr/>
+        </p:nvSpPr>
+        <p:spPr>
+          <a:xfrm>
+            <a:off x="8022677" y="4878529"/>
+            <a:ext cx="1258678" cy="584775"/>
+          </a:xfrm>
+          <a:prstGeom prst="rect">
+            <a:avLst/>
+          </a:prstGeom>
+          <a:noFill/>
+        </p:spPr>
+        <p:txBody>
+          <a:bodyPr wrap="none" rtlCol="0">
+            <a:spAutoFit/>
+          </a:bodyPr>
+          <a:lstStyle/>
+          <a:p>
+            <a:pPr algn="l"/>
+            <a:r>
+              <a:rPr kumimoji="1" lang="en-US" altLang="zh-CN" sz="1600" dirty="0"/>
+              <a:t>~21904800</a:t>
+            </a:r>
+          </a:p>
+          <a:p>
+            <a:pPr algn="l"/>
+            <a:r>
+              <a:rPr kumimoji="1" lang="zh-CN" altLang="en-US" sz="1600" dirty="0"/>
+              <a:t>个插入序列</a:t>
+            </a:r>
+          </a:p>
+        </p:txBody>
+      </p:sp>
+      <p:sp>
+        <p:nvSpPr>
+          <p:cNvPr id="15" name="TextBox 14">
+            <a:extLst>
+              <a:ext uri="{FF2B5EF4-FFF2-40B4-BE49-F238E27FC236}">
+                <a16:creationId xmlns:a16="http://schemas.microsoft.com/office/drawing/2014/main" id="{D79FA6ED-C5BF-C8CB-BB6D-DD53874252E5}"/>
+              </a:ext>
+            </a:extLst>
+          </p:cNvPr>
+          <p:cNvSpPr txBox="1"/>
+          <p:nvPr/>
+        </p:nvSpPr>
+        <p:spPr>
+          <a:xfrm>
+            <a:off x="725159" y="5655935"/>
+            <a:ext cx="2754280" cy="461665"/>
+          </a:xfrm>
+          <a:prstGeom prst="rect">
+            <a:avLst/>
+          </a:prstGeom>
+          <a:noFill/>
+        </p:spPr>
+        <p:txBody>
+          <a:bodyPr wrap="none" rtlCol="0">
+            <a:spAutoFit/>
+          </a:bodyPr>
+          <a:lstStyle/>
+          <a:p>
+            <a:pPr marL="342900" indent="-342900" algn="l">
+              <a:buFont typeface="Arial" panose="020B0604020202020204" pitchFamily="34" charset="0"/>
+              <a:buChar char="•"/>
+            </a:pPr>
+            <a:r>
+              <a:rPr kumimoji="1" lang="zh-CN" altLang="en-US" sz="2400" dirty="0"/>
+              <a:t>到底有多大</a:t>
+            </a:r>
+            <a:r>
+              <a:rPr kumimoji="1" lang="en-US" altLang="zh-CN" sz="2400" dirty="0"/>
+              <a:t>(</a:t>
+            </a:r>
+            <a:r>
+              <a:rPr kumimoji="1" lang="zh-CN" altLang="en-US" sz="2400" dirty="0"/>
+              <a:t>小</a:t>
+            </a:r>
+            <a:r>
+              <a:rPr kumimoji="1" lang="en-US" altLang="zh-CN" sz="2400" dirty="0"/>
+              <a:t>)?</a:t>
+            </a:r>
+            <a:endParaRPr kumimoji="1" lang="zh-CN" altLang="en-US" sz="2400" dirty="0"/>
+          </a:p>
+        </p:txBody>
+      </p:sp>
+    </p:spTree>
+    <p:extLst>
+      <p:ext uri="{BB962C8B-B14F-4D97-AF65-F5344CB8AC3E}">
+        <p14:creationId xmlns:p14="http://schemas.microsoft.com/office/powerpoint/2010/main" val="3566458165"/>
+      </p:ext>
+    </p:extLst>
+  </p:cSld>
+  <p:clrMapOvr>
+    <a:masterClrMapping/>
+  </p:clrMapOvr>
+</p:sld>
+</file>
+
+<file path=ppt/slides/slide16.xml><?xml version="1.0" encoding="utf-8"?>
+<p:sld xmlns:a="http://schemas.openxmlformats.org/drawingml/2006/main" xmlns:r="http://schemas.openxmlformats.org/officeDocument/2006/relationships" xmlns:p="http://schemas.openxmlformats.org/presentationml/2006/main">
+  <p:cSld>
+    <p:spTree>
+      <p:nvGrpSpPr>
+        <p:cNvPr id="1" name=""/>
+        <p:cNvGrpSpPr/>
+        <p:nvPr/>
+      </p:nvGrpSpPr>
+      <p:grpSpPr>
+        <a:xfrm>
+          <a:off x="0" y="0"/>
+          <a:ext cx="0" cy="0"/>
+          <a:chOff x="0" y="0"/>
+          <a:chExt cx="0" cy="0"/>
+        </a:xfrm>
+      </p:grpSpPr>
+      <p:sp>
+        <p:nvSpPr>
+          <p:cNvPr id="2" name="Slide Number Placeholder 1">
+            <a:extLst>
+              <a:ext uri="{FF2B5EF4-FFF2-40B4-BE49-F238E27FC236}">
+                <a16:creationId xmlns:a16="http://schemas.microsoft.com/office/drawing/2014/main" id="{626200C1-3306-A40E-9EB9-C848ABCBFA2E}"/>
+              </a:ext>
+            </a:extLst>
+          </p:cNvPr>
+          <p:cNvSpPr>
+            <a:spLocks noGrp="1"/>
+          </p:cNvSpPr>
+          <p:nvPr>
+            <p:ph type="sldNum" sz="quarter" idx="12"/>
+          </p:nvPr>
+        </p:nvSpPr>
+        <p:spPr/>
+        <p:txBody>
+          <a:bodyPr/>
+          <a:lstStyle/>
+          <a:p>
+            <a:fld id="{7A304655-5D53-B746-8252-3F5A598C52D3}" type="slidenum">
+              <a:rPr lang="en-CN" smtClean="0"/>
+              <a:pPr/>
+              <a:t>16</a:t>
+            </a:fld>
+            <a:endParaRPr lang="en-CN"/>
+          </a:p>
+        </p:txBody>
+      </p:sp>
+      <p:sp>
+        <p:nvSpPr>
+          <p:cNvPr id="3" name="Title 2">
+            <a:extLst>
+              <a:ext uri="{FF2B5EF4-FFF2-40B4-BE49-F238E27FC236}">
+                <a16:creationId xmlns:a16="http://schemas.microsoft.com/office/drawing/2014/main" id="{29C020A2-B64C-A479-9407-9ED9B0B28778}"/>
+              </a:ext>
+            </a:extLst>
+          </p:cNvPr>
+          <p:cNvSpPr>
+            <a:spLocks noGrp="1"/>
+          </p:cNvSpPr>
+          <p:nvPr>
+            <p:ph type="title"/>
+          </p:nvPr>
+        </p:nvSpPr>
+        <p:spPr/>
+        <p:txBody>
+          <a:bodyPr/>
+          <a:lstStyle/>
+          <a:p>
+            <a:r>
+              <a:rPr kumimoji="1" lang="zh-CN" altLang="en-US" dirty="0"/>
+              <a:t>随机二叉搜索树</a:t>
+            </a:r>
+          </a:p>
+        </p:txBody>
+      </p:sp>
+      <mc:AlternateContent xmlns:mc="http://schemas.openxmlformats.org/markup-compatibility/2006">
+        <mc:Choice xmlns:a14="http://schemas.microsoft.com/office/drawing/2010/main" Requires="a14">
+          <p:sp>
+            <p:nvSpPr>
+              <p:cNvPr id="4" name="TextBox 3">
+                <a:extLst>
+                  <a:ext uri="{FF2B5EF4-FFF2-40B4-BE49-F238E27FC236}">
+                    <a16:creationId xmlns:a16="http://schemas.microsoft.com/office/drawing/2014/main" id="{213A1848-92E9-2455-2371-0153B37E9145}"/>
+                  </a:ext>
+                </a:extLst>
+              </p:cNvPr>
+              <p:cNvSpPr txBox="1"/>
+              <p:nvPr/>
+            </p:nvSpPr>
+            <p:spPr>
+              <a:xfrm>
+                <a:off x="628650" y="1298222"/>
+                <a:ext cx="3429144" cy="830997"/>
+              </a:xfrm>
+              <a:prstGeom prst="rect">
+                <a:avLst/>
+              </a:prstGeom>
+              <a:noFill/>
+            </p:spPr>
+            <p:txBody>
+              <a:bodyPr wrap="none" rtlCol="0">
+                <a:spAutoFit/>
+              </a:bodyPr>
+              <a:lstStyle/>
+              <a:p>
+                <a:pPr marL="342900" indent="-342900" algn="l">
+                  <a:buFont typeface="Arial" panose="020B0604020202020204" pitchFamily="34" charset="0"/>
+                  <a:buChar char="•"/>
+                </a:pPr>
+                <a:r>
+                  <a:rPr kumimoji="1" lang="zh-CN" altLang="en-US" sz="2400" dirty="0"/>
+                  <a:t>生成</a:t>
+                </a:r>
+                <a14:m>
+                  <m:oMath xmlns:m="http://schemas.openxmlformats.org/officeDocument/2006/math">
+                    <m:r>
+                      <a:rPr kumimoji="1" lang="en-US" altLang="zh-CN" sz="2400" i="1" dirty="0" smtClean="0">
+                        <a:latin typeface="Cambria Math" panose="02040503050406030204" pitchFamily="18" charset="0"/>
+                      </a:rPr>
+                      <m:t>[1..</m:t>
+                    </m:r>
+                    <m:r>
+                      <a:rPr kumimoji="1" lang="en-US" altLang="zh-CN" sz="2400" i="1" dirty="0" smtClean="0">
+                        <a:latin typeface="Cambria Math" panose="02040503050406030204" pitchFamily="18" charset="0"/>
+                      </a:rPr>
+                      <m:t>𝑛</m:t>
+                    </m:r>
+                    <m:r>
+                      <a:rPr kumimoji="1" lang="en-US" altLang="zh-CN" sz="2400" i="1" dirty="0" smtClean="0">
+                        <a:latin typeface="Cambria Math" panose="02040503050406030204" pitchFamily="18" charset="0"/>
+                      </a:rPr>
+                      <m:t>]</m:t>
+                    </m:r>
+                  </m:oMath>
+                </a14:m>
+                <a:r>
+                  <a:rPr kumimoji="1" lang="zh-CN" altLang="en-US" sz="2400" dirty="0"/>
+                  <a:t>的排列 </a:t>
+                </a:r>
+                <a:endParaRPr kumimoji="1" lang="en-US" altLang="zh-CN" sz="2400" dirty="0">
+                  <a:sym typeface="Wingdings" pitchFamily="2" charset="2"/>
+                </a:endParaRPr>
+              </a:p>
+              <a:p>
+                <a:pPr marL="342900" indent="-342900" algn="l">
+                  <a:buFont typeface="Arial" panose="020B0604020202020204" pitchFamily="34" charset="0"/>
+                  <a:buChar char="•"/>
+                </a:pPr>
+                <a:r>
+                  <a:rPr kumimoji="1" lang="zh-CN" altLang="en-US" sz="2400" dirty="0">
+                    <a:sym typeface="Wingdings" pitchFamily="2" charset="2"/>
+                  </a:rPr>
+                  <a:t>按照这个插入二叉树 </a:t>
+                </a:r>
+                <a:endParaRPr kumimoji="1" lang="zh-CN" altLang="en-US" sz="2400" dirty="0"/>
+              </a:p>
+            </p:txBody>
+          </p:sp>
+        </mc:Choice>
+        <mc:Fallback>
+          <p:sp>
+            <p:nvSpPr>
+              <p:cNvPr id="4" name="TextBox 3">
+                <a:extLst>
+                  <a:ext uri="{FF2B5EF4-FFF2-40B4-BE49-F238E27FC236}">
+                    <a16:creationId xmlns:a16="http://schemas.microsoft.com/office/drawing/2014/main" id="{213A1848-92E9-2455-2371-0153B37E9145}"/>
+                  </a:ext>
+                </a:extLst>
+              </p:cNvPr>
+              <p:cNvSpPr txBox="1">
+                <a:spLocks noRot="1" noChangeAspect="1" noMove="1" noResize="1" noEditPoints="1" noAdjustHandles="1" noChangeArrowheads="1" noChangeShapeType="1" noTextEdit="1"/>
+              </p:cNvSpPr>
+              <p:nvPr/>
+            </p:nvSpPr>
+            <p:spPr>
+              <a:xfrm>
+                <a:off x="628650" y="1298222"/>
+                <a:ext cx="3429144" cy="830997"/>
+              </a:xfrm>
+              <a:prstGeom prst="rect">
+                <a:avLst/>
+              </a:prstGeom>
+              <a:blipFill>
+                <a:blip r:embed="rId3"/>
+                <a:stretch>
+                  <a:fillRect l="-2214" t="-7576" b="-13636"/>
+                </a:stretch>
+              </a:blipFill>
+            </p:spPr>
+            <p:txBody>
+              <a:bodyPr/>
+              <a:lstStyle/>
+              <a:p>
+                <a:r>
+                  <a:rPr lang="zh-CN" altLang="en-US">
+                    <a:noFill/>
+                  </a:rPr>
+                  <a:t> </a:t>
+                </a:r>
+              </a:p>
+            </p:txBody>
+          </p:sp>
+        </mc:Fallback>
+      </mc:AlternateContent>
+      <p:pic>
+        <p:nvPicPr>
+          <p:cNvPr id="5" name="Picture 4">
+            <a:extLst>
+              <a:ext uri="{FF2B5EF4-FFF2-40B4-BE49-F238E27FC236}">
+                <a16:creationId xmlns:a16="http://schemas.microsoft.com/office/drawing/2014/main" id="{27632F45-BFF9-8E8F-3950-6C5127750725}"/>
+              </a:ext>
+            </a:extLst>
+          </p:cNvPr>
+          <p:cNvPicPr>
+            <a:picLocks noChangeAspect="1"/>
+          </p:cNvPicPr>
+          <p:nvPr/>
+        </p:nvPicPr>
+        <p:blipFill>
+          <a:blip r:embed="rId4">
+            <a:clrChange>
+              <a:clrFrom>
+                <a:srgbClr val="F5F5F5"/>
+              </a:clrFrom>
+              <a:clrTo>
+                <a:srgbClr val="F5F5F5">
+                  <a:alpha val="0"/>
+                </a:srgbClr>
+              </a:clrTo>
+            </a:clrChange>
+          </a:blip>
+          <a:stretch>
+            <a:fillRect/>
+          </a:stretch>
+        </p:blipFill>
+        <p:spPr>
+          <a:xfrm>
+            <a:off x="1180393" y="2386917"/>
+            <a:ext cx="6558331" cy="1877483"/>
+          </a:xfrm>
+          <a:prstGeom prst="rect">
+            <a:avLst/>
+          </a:prstGeom>
+        </p:spPr>
+      </p:pic>
+      <p:sp>
+        <p:nvSpPr>
+          <p:cNvPr id="6" name="TextBox 5">
+            <a:extLst>
+              <a:ext uri="{FF2B5EF4-FFF2-40B4-BE49-F238E27FC236}">
+                <a16:creationId xmlns:a16="http://schemas.microsoft.com/office/drawing/2014/main" id="{F2B2EB27-7456-0B6E-322C-EF69F04424A9}"/>
+              </a:ext>
+            </a:extLst>
+          </p:cNvPr>
+          <p:cNvSpPr txBox="1"/>
+          <p:nvPr/>
+        </p:nvSpPr>
+        <p:spPr>
+          <a:xfrm>
+            <a:off x="628650" y="4618522"/>
+            <a:ext cx="5455340" cy="461665"/>
+          </a:xfrm>
+          <a:prstGeom prst="rect">
+            <a:avLst/>
+          </a:prstGeom>
+          <a:noFill/>
+        </p:spPr>
+        <p:txBody>
+          <a:bodyPr wrap="none" rtlCol="0">
+            <a:spAutoFit/>
+          </a:bodyPr>
+          <a:lstStyle/>
+          <a:p>
+            <a:pPr marL="342900" indent="-342900" algn="l">
+              <a:buFont typeface="Arial" panose="020B0604020202020204" pitchFamily="34" charset="0"/>
+              <a:buChar char="•"/>
+            </a:pPr>
+            <a:r>
+              <a:rPr kumimoji="1" lang="zh-CN" altLang="en-US" sz="2400" dirty="0"/>
+              <a:t>那现在就可以看看搜索路径的情况了</a:t>
+            </a:r>
+          </a:p>
+        </p:txBody>
+      </p:sp>
+    </p:spTree>
+    <p:extLst>
+      <p:ext uri="{BB962C8B-B14F-4D97-AF65-F5344CB8AC3E}">
+        <p14:creationId xmlns:p14="http://schemas.microsoft.com/office/powerpoint/2010/main" val="2196469393"/>
+      </p:ext>
+    </p:extLst>
+  </p:cSld>
+  <p:clrMapOvr>
+    <a:masterClrMapping/>
+  </p:clrMapOvr>
+</p:sld>
+</file>
+
+<file path=ppt/slides/slide17.xml><?xml version="1.0" encoding="utf-8"?>
+<p:sld xmlns:a="http://schemas.openxmlformats.org/drawingml/2006/main" xmlns:r="http://schemas.openxmlformats.org/officeDocument/2006/relationships" xmlns:p="http://schemas.openxmlformats.org/presentationml/2006/main">
+  <p:cSld>
+    <p:spTree>
+      <p:nvGrpSpPr>
+        <p:cNvPr id="1" name=""/>
+        <p:cNvGrpSpPr/>
+        <p:nvPr/>
+      </p:nvGrpSpPr>
+      <p:grpSpPr>
+        <a:xfrm>
+          <a:off x="0" y="0"/>
+          <a:ext cx="0" cy="0"/>
+          <a:chOff x="0" y="0"/>
+          <a:chExt cx="0" cy="0"/>
+        </a:xfrm>
+      </p:grpSpPr>
+      <p:sp>
+        <p:nvSpPr>
+          <p:cNvPr id="2" name="Slide Number Placeholder 1">
+            <a:extLst>
+              <a:ext uri="{FF2B5EF4-FFF2-40B4-BE49-F238E27FC236}">
+                <a16:creationId xmlns:a16="http://schemas.microsoft.com/office/drawing/2014/main" id="{6B3A8B77-226B-4840-5874-E7F8443D600C}"/>
+              </a:ext>
+            </a:extLst>
+          </p:cNvPr>
+          <p:cNvSpPr>
+            <a:spLocks noGrp="1"/>
+          </p:cNvSpPr>
+          <p:nvPr>
+            <p:ph type="sldNum" sz="quarter" idx="12"/>
+          </p:nvPr>
+        </p:nvSpPr>
+        <p:spPr/>
+        <p:txBody>
+          <a:bodyPr/>
+          <a:lstStyle/>
+          <a:p>
+            <a:fld id="{7A304655-5D53-B746-8252-3F5A598C52D3}" type="slidenum">
+              <a:rPr lang="en-CN" smtClean="0"/>
+              <a:pPr/>
+              <a:t>17</a:t>
+            </a:fld>
+            <a:endParaRPr lang="en-CN"/>
+          </a:p>
+        </p:txBody>
+      </p:sp>
+      <p:sp>
+        <p:nvSpPr>
+          <p:cNvPr id="3" name="Title 2">
+            <a:extLst>
+              <a:ext uri="{FF2B5EF4-FFF2-40B4-BE49-F238E27FC236}">
+                <a16:creationId xmlns:a16="http://schemas.microsoft.com/office/drawing/2014/main" id="{80DCC060-61B1-80A6-1FC2-BBC2CBDFBE25}"/>
+              </a:ext>
+            </a:extLst>
+          </p:cNvPr>
+          <p:cNvSpPr>
+            <a:spLocks noGrp="1"/>
+          </p:cNvSpPr>
+          <p:nvPr>
+            <p:ph type="title"/>
+          </p:nvPr>
+        </p:nvSpPr>
+        <p:spPr/>
+        <p:txBody>
+          <a:bodyPr/>
+          <a:lstStyle/>
+          <a:p>
+            <a:r>
+              <a:rPr kumimoji="1" lang="zh-CN" altLang="en-US" dirty="0"/>
+              <a:t>重大观察</a:t>
+            </a:r>
+          </a:p>
+        </p:txBody>
+      </p:sp>
+      <p:pic>
+        <p:nvPicPr>
+          <p:cNvPr id="4" name="Picture 3">
+            <a:extLst>
+              <a:ext uri="{FF2B5EF4-FFF2-40B4-BE49-F238E27FC236}">
+                <a16:creationId xmlns:a16="http://schemas.microsoft.com/office/drawing/2014/main" id="{258AA3BE-96AC-9E23-14AD-62BE16B52353}"/>
+              </a:ext>
+            </a:extLst>
+          </p:cNvPr>
+          <p:cNvPicPr>
+            <a:picLocks noChangeAspect="1"/>
+          </p:cNvPicPr>
+          <p:nvPr/>
+        </p:nvPicPr>
+        <p:blipFill>
+          <a:blip r:embed="rId2">
+            <a:clrChange>
+              <a:clrFrom>
+                <a:srgbClr val="F5F5F5"/>
+              </a:clrFrom>
+              <a:clrTo>
+                <a:srgbClr val="F5F5F5">
+                  <a:alpha val="0"/>
+                </a:srgbClr>
+              </a:clrTo>
+            </a:clrChange>
+          </a:blip>
+          <a:stretch>
+            <a:fillRect/>
+          </a:stretch>
+        </p:blipFill>
+        <p:spPr>
+          <a:xfrm>
+            <a:off x="628649" y="1223433"/>
+            <a:ext cx="6769097" cy="1045633"/>
+          </a:xfrm>
+          <a:prstGeom prst="rect">
+            <a:avLst/>
+          </a:prstGeom>
+        </p:spPr>
+      </p:pic>
+      <p:pic>
+        <p:nvPicPr>
+          <p:cNvPr id="5" name="Picture 4">
+            <a:extLst>
+              <a:ext uri="{FF2B5EF4-FFF2-40B4-BE49-F238E27FC236}">
+                <a16:creationId xmlns:a16="http://schemas.microsoft.com/office/drawing/2014/main" id="{9E90FD41-7F6B-EC28-3E08-D080B20ED090}"/>
+              </a:ext>
+            </a:extLst>
+          </p:cNvPr>
+          <p:cNvPicPr>
+            <a:picLocks noChangeAspect="1"/>
+          </p:cNvPicPr>
+          <p:nvPr/>
+        </p:nvPicPr>
+        <p:blipFill>
+          <a:blip r:embed="rId3"/>
+          <a:stretch>
+            <a:fillRect/>
+          </a:stretch>
+        </p:blipFill>
+        <p:spPr>
+          <a:xfrm>
+            <a:off x="2190044" y="2329744"/>
+            <a:ext cx="4138920" cy="2718336"/>
+          </a:xfrm>
+          <a:prstGeom prst="rect">
+            <a:avLst/>
+          </a:prstGeom>
+        </p:spPr>
+      </p:pic>
+      <p:pic>
+        <p:nvPicPr>
+          <p:cNvPr id="6" name="Picture 5">
+            <a:extLst>
+              <a:ext uri="{FF2B5EF4-FFF2-40B4-BE49-F238E27FC236}">
+                <a16:creationId xmlns:a16="http://schemas.microsoft.com/office/drawing/2014/main" id="{B1D4F27C-C5A4-EE2D-BC1F-76EF9BED292D}"/>
+              </a:ext>
+            </a:extLst>
+          </p:cNvPr>
+          <p:cNvPicPr>
+            <a:picLocks noChangeAspect="1"/>
+          </p:cNvPicPr>
+          <p:nvPr/>
+        </p:nvPicPr>
+        <p:blipFill>
+          <a:blip r:embed="rId4">
+            <a:clrChange>
+              <a:clrFrom>
+                <a:srgbClr val="F5F5F5"/>
+              </a:clrFrom>
+              <a:clrTo>
+                <a:srgbClr val="F5F5F5">
+                  <a:alpha val="0"/>
+                </a:srgbClr>
+              </a:clrTo>
+            </a:clrChange>
+          </a:blip>
+          <a:stretch>
+            <a:fillRect/>
+          </a:stretch>
+        </p:blipFill>
+        <p:spPr>
+          <a:xfrm>
+            <a:off x="1276538" y="5223384"/>
+            <a:ext cx="6289981" cy="822365"/>
+          </a:xfrm>
+          <a:prstGeom prst="rect">
+            <a:avLst/>
+          </a:prstGeom>
+        </p:spPr>
+      </p:pic>
+    </p:spTree>
+    <p:extLst>
+      <p:ext uri="{BB962C8B-B14F-4D97-AF65-F5344CB8AC3E}">
+        <p14:creationId xmlns:p14="http://schemas.microsoft.com/office/powerpoint/2010/main" val="4107130884"/>
+      </p:ext>
+    </p:extLst>
+  </p:cSld>
+  <p:clrMapOvr>
+    <a:masterClrMapping/>
+  </p:clrMapOvr>
+</p:sld>
+</file>
+
+<file path=ppt/slides/slide18.xml><?xml version="1.0" encoding="utf-8"?>
+<p:sld xmlns:a="http://schemas.openxmlformats.org/drawingml/2006/main" xmlns:r="http://schemas.openxmlformats.org/officeDocument/2006/relationships" xmlns:p="http://schemas.openxmlformats.org/presentationml/2006/main">
+  <p:cSld>
+    <p:spTree>
+      <p:nvGrpSpPr>
+        <p:cNvPr id="1" name=""/>
+        <p:cNvGrpSpPr/>
+        <p:nvPr/>
+      </p:nvGrpSpPr>
+      <p:grpSpPr>
+        <a:xfrm>
+          <a:off x="0" y="0"/>
+          <a:ext cx="0" cy="0"/>
+          <a:chOff x="0" y="0"/>
+          <a:chExt cx="0" cy="0"/>
+        </a:xfrm>
+      </p:grpSpPr>
+      <p:sp>
+        <p:nvSpPr>
+          <p:cNvPr id="2" name="Slide Number Placeholder 1">
+            <a:extLst>
+              <a:ext uri="{FF2B5EF4-FFF2-40B4-BE49-F238E27FC236}">
+                <a16:creationId xmlns:a16="http://schemas.microsoft.com/office/drawing/2014/main" id="{E9FCEFD6-0E89-B74B-7239-21515903E844}"/>
+              </a:ext>
+            </a:extLst>
+          </p:cNvPr>
+          <p:cNvSpPr>
+            <a:spLocks noGrp="1"/>
+          </p:cNvSpPr>
+          <p:nvPr>
+            <p:ph type="sldNum" sz="quarter" idx="12"/>
+          </p:nvPr>
+        </p:nvSpPr>
+        <p:spPr/>
+        <p:txBody>
+          <a:bodyPr/>
+          <a:lstStyle/>
+          <a:p>
+            <a:fld id="{7A304655-5D53-B746-8252-3F5A598C52D3}" type="slidenum">
+              <a:rPr lang="en-CN" smtClean="0"/>
+              <a:pPr/>
+              <a:t>18</a:t>
+            </a:fld>
+            <a:endParaRPr lang="en-CN"/>
+          </a:p>
+        </p:txBody>
+      </p:sp>
+      <p:sp>
+        <p:nvSpPr>
+          <p:cNvPr id="3" name="Title 2">
+            <a:extLst>
+              <a:ext uri="{FF2B5EF4-FFF2-40B4-BE49-F238E27FC236}">
+                <a16:creationId xmlns:a16="http://schemas.microsoft.com/office/drawing/2014/main" id="{68DC20E8-9DC5-AD24-39EB-8AAAF77F06C7}"/>
+              </a:ext>
+            </a:extLst>
+          </p:cNvPr>
+          <p:cNvSpPr>
+            <a:spLocks noGrp="1"/>
+          </p:cNvSpPr>
+          <p:nvPr>
+            <p:ph type="title"/>
+          </p:nvPr>
+        </p:nvSpPr>
+        <p:spPr/>
+        <p:txBody>
+          <a:bodyPr/>
+          <a:lstStyle/>
+          <a:p>
+            <a:r>
+              <a:rPr kumimoji="1" lang="zh-CN" altLang="en-US" dirty="0"/>
+              <a:t>来算期望</a:t>
+            </a:r>
+          </a:p>
+        </p:txBody>
+      </p:sp>
+      <p:pic>
+        <p:nvPicPr>
+          <p:cNvPr id="4" name="Picture 3">
+            <a:extLst>
+              <a:ext uri="{FF2B5EF4-FFF2-40B4-BE49-F238E27FC236}">
+                <a16:creationId xmlns:a16="http://schemas.microsoft.com/office/drawing/2014/main" id="{7D414167-370A-ECC1-FC95-43A88196370F}"/>
+              </a:ext>
+            </a:extLst>
+          </p:cNvPr>
+          <p:cNvPicPr>
+            <a:picLocks noChangeAspect="1"/>
+          </p:cNvPicPr>
+          <p:nvPr/>
+        </p:nvPicPr>
+        <p:blipFill>
+          <a:blip r:embed="rId2">
+            <a:clrChange>
+              <a:clrFrom>
+                <a:srgbClr val="F5F5F5"/>
+              </a:clrFrom>
+              <a:clrTo>
+                <a:srgbClr val="F5F5F5">
+                  <a:alpha val="0"/>
+                </a:srgbClr>
+              </a:clrTo>
+            </a:clrChange>
+          </a:blip>
+          <a:stretch>
+            <a:fillRect/>
+          </a:stretch>
+        </p:blipFill>
+        <p:spPr>
+          <a:xfrm>
+            <a:off x="501329" y="1079908"/>
+            <a:ext cx="7039441" cy="1834748"/>
+          </a:xfrm>
+          <a:prstGeom prst="rect">
+            <a:avLst/>
+          </a:prstGeom>
+        </p:spPr>
+      </p:pic>
+      <p:pic>
+        <p:nvPicPr>
+          <p:cNvPr id="5" name="Picture 4">
+            <a:extLst>
+              <a:ext uri="{FF2B5EF4-FFF2-40B4-BE49-F238E27FC236}">
+                <a16:creationId xmlns:a16="http://schemas.microsoft.com/office/drawing/2014/main" id="{65180572-F44C-E57E-4E3A-3F6074F97AC1}"/>
+              </a:ext>
+            </a:extLst>
+          </p:cNvPr>
+          <p:cNvPicPr>
+            <a:picLocks noChangeAspect="1"/>
+          </p:cNvPicPr>
+          <p:nvPr/>
+        </p:nvPicPr>
+        <p:blipFill>
+          <a:blip r:embed="rId3"/>
+          <a:stretch>
+            <a:fillRect/>
+          </a:stretch>
+        </p:blipFill>
+        <p:spPr>
+          <a:xfrm>
+            <a:off x="781642" y="3059363"/>
+            <a:ext cx="4816035" cy="2718729"/>
+          </a:xfrm>
+          <a:prstGeom prst="rect">
+            <a:avLst/>
+          </a:prstGeom>
+        </p:spPr>
+      </p:pic>
+      <p:pic>
+        <p:nvPicPr>
+          <p:cNvPr id="6" name="Picture 5">
+            <a:extLst>
+              <a:ext uri="{FF2B5EF4-FFF2-40B4-BE49-F238E27FC236}">
+                <a16:creationId xmlns:a16="http://schemas.microsoft.com/office/drawing/2014/main" id="{6B3899E2-DD81-EE78-2895-2A2905E136C5}"/>
+              </a:ext>
+            </a:extLst>
+          </p:cNvPr>
+          <p:cNvPicPr>
+            <a:picLocks noChangeAspect="1"/>
+          </p:cNvPicPr>
+          <p:nvPr/>
+        </p:nvPicPr>
+        <p:blipFill>
+          <a:blip r:embed="rId4">
+            <a:clrChange>
+              <a:clrFrom>
+                <a:srgbClr val="F5F5F5"/>
+              </a:clrFrom>
+              <a:clrTo>
+                <a:srgbClr val="F5F5F5">
+                  <a:alpha val="0"/>
+                </a:srgbClr>
+              </a:clrTo>
+            </a:clrChange>
+          </a:blip>
+          <a:stretch>
+            <a:fillRect/>
+          </a:stretch>
+        </p:blipFill>
+        <p:spPr>
+          <a:xfrm>
+            <a:off x="5597677" y="3059363"/>
+            <a:ext cx="2792713" cy="365125"/>
+          </a:xfrm>
+          <a:prstGeom prst="rect">
+            <a:avLst/>
+          </a:prstGeom>
+        </p:spPr>
+      </p:pic>
+      <p:cxnSp>
+        <p:nvCxnSpPr>
+          <p:cNvPr id="8" name="Straight Arrow Connector 7">
+            <a:extLst>
+              <a:ext uri="{FF2B5EF4-FFF2-40B4-BE49-F238E27FC236}">
+                <a16:creationId xmlns:a16="http://schemas.microsoft.com/office/drawing/2014/main" id="{93E3282C-A6DB-2716-3BE8-EB214EBA4C9E}"/>
+              </a:ext>
+            </a:extLst>
+          </p:cNvPr>
+          <p:cNvCxnSpPr/>
+          <p:nvPr/>
+        </p:nvCxnSpPr>
+        <p:spPr>
+          <a:xfrm flipH="1">
+            <a:off x="5359079" y="3340581"/>
+            <a:ext cx="682906" cy="381964"/>
+          </a:xfrm>
+          <a:prstGeom prst="straightConnector1">
+            <a:avLst/>
+          </a:prstGeom>
+          <a:ln>
+            <a:tailEnd type="triangle"/>
+          </a:ln>
+        </p:spPr>
+        <p:style>
+          <a:lnRef idx="1">
+            <a:schemeClr val="accent1"/>
+          </a:lnRef>
+          <a:fillRef idx="0">
+            <a:schemeClr val="accent1"/>
+          </a:fillRef>
+          <a:effectRef idx="0">
+            <a:schemeClr val="accent1"/>
+          </a:effectRef>
+          <a:fontRef idx="minor">
+            <a:schemeClr val="tx1"/>
+          </a:fontRef>
+        </p:style>
+      </p:cxnSp>
+    </p:spTree>
+    <p:extLst>
+      <p:ext uri="{BB962C8B-B14F-4D97-AF65-F5344CB8AC3E}">
+        <p14:creationId xmlns:p14="http://schemas.microsoft.com/office/powerpoint/2010/main" val="2535136380"/>
+      </p:ext>
+    </p:extLst>
+  </p:cSld>
+  <p:clrMapOvr>
+    <a:masterClrMapping/>
+  </p:clrMapOvr>
+</p:sld>
+</file>
+
+<file path=ppt/slides/slide19.xml><?xml version="1.0" encoding="utf-8"?>
+<p:sld xmlns:a="http://schemas.openxmlformats.org/drawingml/2006/main" xmlns:r="http://schemas.openxmlformats.org/officeDocument/2006/relationships" xmlns:p="http://schemas.openxmlformats.org/presentationml/2006/main">
+  <p:cSld>
+    <p:spTree>
+      <p:nvGrpSpPr>
+        <p:cNvPr id="1" name=""/>
+        <p:cNvGrpSpPr/>
+        <p:nvPr/>
+      </p:nvGrpSpPr>
+      <p:grpSpPr>
+        <a:xfrm>
+          <a:off x="0" y="0"/>
+          <a:ext cx="0" cy="0"/>
+          <a:chOff x="0" y="0"/>
+          <a:chExt cx="0" cy="0"/>
+        </a:xfrm>
+      </p:grpSpPr>
+      <p:sp>
+        <p:nvSpPr>
+          <p:cNvPr id="2" name="Slide Number Placeholder 1">
+            <a:extLst>
+              <a:ext uri="{FF2B5EF4-FFF2-40B4-BE49-F238E27FC236}">
+                <a16:creationId xmlns:a16="http://schemas.microsoft.com/office/drawing/2014/main" id="{D6896A2B-A4E7-E037-C148-74A1B805410A}"/>
+              </a:ext>
+            </a:extLst>
+          </p:cNvPr>
+          <p:cNvSpPr>
+            <a:spLocks noGrp="1"/>
+          </p:cNvSpPr>
+          <p:nvPr>
+            <p:ph type="sldNum" sz="quarter" idx="12"/>
+          </p:nvPr>
+        </p:nvSpPr>
+        <p:spPr/>
+        <p:txBody>
+          <a:bodyPr/>
+          <a:lstStyle/>
+          <a:p>
+            <a:fld id="{7A304655-5D53-B746-8252-3F5A598C52D3}" type="slidenum">
+              <a:rPr lang="en-CN" smtClean="0"/>
+              <a:pPr/>
+              <a:t>19</a:t>
+            </a:fld>
+            <a:endParaRPr lang="en-CN"/>
+          </a:p>
+        </p:txBody>
+      </p:sp>
+      <p:sp>
+        <p:nvSpPr>
+          <p:cNvPr id="3" name="Title 2">
+            <a:extLst>
+              <a:ext uri="{FF2B5EF4-FFF2-40B4-BE49-F238E27FC236}">
+                <a16:creationId xmlns:a16="http://schemas.microsoft.com/office/drawing/2014/main" id="{AB3A4E81-550E-E5A3-AFCC-75396BAEEBBF}"/>
+              </a:ext>
+            </a:extLst>
+          </p:cNvPr>
+          <p:cNvSpPr>
+            <a:spLocks noGrp="1"/>
+          </p:cNvSpPr>
+          <p:nvPr>
+            <p:ph type="title"/>
+          </p:nvPr>
+        </p:nvSpPr>
+        <p:spPr/>
+        <p:txBody>
+          <a:bodyPr/>
+          <a:lstStyle/>
+          <a:p>
+            <a:r>
+              <a:rPr kumimoji="1" lang="zh-CN" altLang="en-US" dirty="0"/>
+              <a:t>结论</a:t>
+            </a:r>
+          </a:p>
+        </p:txBody>
+      </p:sp>
+      <p:pic>
+        <p:nvPicPr>
+          <p:cNvPr id="4" name="Picture 3">
+            <a:extLst>
+              <a:ext uri="{FF2B5EF4-FFF2-40B4-BE49-F238E27FC236}">
+                <a16:creationId xmlns:a16="http://schemas.microsoft.com/office/drawing/2014/main" id="{961B9D2F-41E4-09D5-82F2-737200F83BC1}"/>
+              </a:ext>
+            </a:extLst>
+          </p:cNvPr>
+          <p:cNvPicPr>
+            <a:picLocks noChangeAspect="1"/>
+          </p:cNvPicPr>
+          <p:nvPr/>
+        </p:nvPicPr>
+        <p:blipFill>
+          <a:blip r:embed="rId2">
+            <a:clrChange>
+              <a:clrFrom>
+                <a:srgbClr val="F5F5F5"/>
+              </a:clrFrom>
+              <a:clrTo>
+                <a:srgbClr val="F5F5F5">
+                  <a:alpha val="0"/>
+                </a:srgbClr>
+              </a:clrTo>
+            </a:clrChange>
+          </a:blip>
+          <a:stretch>
+            <a:fillRect/>
+          </a:stretch>
+        </p:blipFill>
+        <p:spPr>
+          <a:xfrm>
+            <a:off x="628650" y="1411548"/>
+            <a:ext cx="7734676" cy="822365"/>
+          </a:xfrm>
+          <a:prstGeom prst="rect">
+            <a:avLst/>
+          </a:prstGeom>
+        </p:spPr>
+      </p:pic>
+    </p:spTree>
+    <p:extLst>
+      <p:ext uri="{BB962C8B-B14F-4D97-AF65-F5344CB8AC3E}">
+        <p14:creationId xmlns:p14="http://schemas.microsoft.com/office/powerpoint/2010/main" val="4216153163"/>
+      </p:ext>
+    </p:extLst>
+  </p:cSld>
+  <p:clrMapOvr>
+    <a:masterClrMapping/>
+  </p:clrMapOvr>
+</p:sld>
+</file>
+
+<file path=ppt/slides/slide2.xml><?xml version="1.0" encoding="utf-8"?>
+<p:sld xmlns:a="http://schemas.openxmlformats.org/drawingml/2006/main" xmlns:r="http://schemas.openxmlformats.org/officeDocument/2006/relationships" xmlns:p="http://schemas.openxmlformats.org/presentationml/2006/main">
+  <p:cSld>
+    <p:spTree>
+      <p:nvGrpSpPr>
+        <p:cNvPr id="1" name=""/>
+        <p:cNvGrpSpPr/>
+        <p:nvPr/>
+      </p:nvGrpSpPr>
+      <p:grpSpPr>
+        <a:xfrm>
+          <a:off x="0" y="0"/>
+          <a:ext cx="0" cy="0"/>
+          <a:chOff x="0" y="0"/>
+          <a:chExt cx="0" cy="0"/>
+        </a:xfrm>
+      </p:grpSpPr>
+      <p:sp>
+        <p:nvSpPr>
+          <p:cNvPr id="2" name="Slide Number Placeholder 1">
+            <a:extLst>
+              <a:ext uri="{FF2B5EF4-FFF2-40B4-BE49-F238E27FC236}">
+                <a16:creationId xmlns:a16="http://schemas.microsoft.com/office/drawing/2014/main" id="{3494360F-E454-C0E0-6DE5-322B46145AF2}"/>
+              </a:ext>
+            </a:extLst>
+          </p:cNvPr>
+          <p:cNvSpPr>
+            <a:spLocks noGrp="1"/>
+          </p:cNvSpPr>
+          <p:nvPr>
+            <p:ph type="sldNum" sz="quarter" idx="12"/>
+          </p:nvPr>
+        </p:nvSpPr>
+        <p:spPr/>
+        <p:txBody>
+          <a:bodyPr/>
+          <a:lstStyle/>
+          <a:p>
+            <a:fld id="{7A304655-5D53-B746-8252-3F5A598C52D3}" type="slidenum">
+              <a:rPr lang="en-CN" smtClean="0"/>
+              <a:pPr/>
+              <a:t>2</a:t>
+            </a:fld>
+            <a:endParaRPr lang="en-CN"/>
+          </a:p>
+        </p:txBody>
+      </p:sp>
+      <p:sp>
+        <p:nvSpPr>
+          <p:cNvPr id="4" name="Title 3">
+            <a:extLst>
+              <a:ext uri="{FF2B5EF4-FFF2-40B4-BE49-F238E27FC236}">
+                <a16:creationId xmlns:a16="http://schemas.microsoft.com/office/drawing/2014/main" id="{4F2F56FF-6E39-8D54-36B9-CFD12DF85C42}"/>
+              </a:ext>
+            </a:extLst>
+          </p:cNvPr>
+          <p:cNvSpPr>
+            <a:spLocks noGrp="1"/>
+          </p:cNvSpPr>
+          <p:nvPr>
+            <p:ph type="title"/>
+          </p:nvPr>
+        </p:nvSpPr>
+        <p:spPr/>
+        <p:txBody>
+          <a:bodyPr/>
+          <a:lstStyle/>
+          <a:p>
+            <a:r>
+              <a:rPr lang="en-US" altLang="zh-CN" dirty="0"/>
+              <a:t>Warmup</a:t>
+            </a:r>
+            <a:endParaRPr lang="zh-CN" altLang="en-US" dirty="0"/>
+          </a:p>
+        </p:txBody>
+      </p:sp>
+    </p:spTree>
+    <p:extLst>
+      <p:ext uri="{BB962C8B-B14F-4D97-AF65-F5344CB8AC3E}">
+        <p14:creationId xmlns:p14="http://schemas.microsoft.com/office/powerpoint/2010/main" val="3768536023"/>
+      </p:ext>
+    </p:extLst>
+  </p:cSld>
+  <p:clrMapOvr>
+    <a:masterClrMapping/>
+  </p:clrMapOvr>
+</p:sld>
+</file>
+
+<file path=ppt/slides/slide20.xml><?xml version="1.0" encoding="utf-8"?>
+<p:sld xmlns:a="http://schemas.openxmlformats.org/drawingml/2006/main" xmlns:r="http://schemas.openxmlformats.org/officeDocument/2006/relationships" xmlns:p="http://schemas.openxmlformats.org/presentationml/2006/main">
+  <p:cSld>
+    <p:spTree>
+      <p:nvGrpSpPr>
+        <p:cNvPr id="1" name=""/>
+        <p:cNvGrpSpPr/>
+        <p:nvPr/>
+      </p:nvGrpSpPr>
+      <p:grpSpPr>
+        <a:xfrm>
+          <a:off x="0" y="0"/>
+          <a:ext cx="0" cy="0"/>
+          <a:chOff x="0" y="0"/>
+          <a:chExt cx="0" cy="0"/>
+        </a:xfrm>
+      </p:grpSpPr>
+      <p:sp>
+        <p:nvSpPr>
+          <p:cNvPr id="2" name="Slide Number Placeholder 1">
+            <a:extLst>
+              <a:ext uri="{FF2B5EF4-FFF2-40B4-BE49-F238E27FC236}">
+                <a16:creationId xmlns:a16="http://schemas.microsoft.com/office/drawing/2014/main" id="{B21780A8-2A62-1D37-FA41-493440D7A0C2}"/>
+              </a:ext>
+            </a:extLst>
+          </p:cNvPr>
+          <p:cNvSpPr>
+            <a:spLocks noGrp="1"/>
+          </p:cNvSpPr>
+          <p:nvPr>
+            <p:ph type="sldNum" sz="quarter" idx="12"/>
+          </p:nvPr>
+        </p:nvSpPr>
+        <p:spPr/>
+        <p:txBody>
+          <a:bodyPr/>
+          <a:lstStyle/>
+          <a:p>
+            <a:fld id="{7A304655-5D53-B746-8252-3F5A598C52D3}" type="slidenum">
+              <a:rPr lang="en-CN" smtClean="0"/>
+              <a:pPr/>
+              <a:t>20</a:t>
+            </a:fld>
+            <a:endParaRPr lang="en-CN"/>
+          </a:p>
+        </p:txBody>
+      </p:sp>
+      <p:pic>
+        <p:nvPicPr>
+          <p:cNvPr id="5" name="Picture 4">
+            <a:extLst>
+              <a:ext uri="{FF2B5EF4-FFF2-40B4-BE49-F238E27FC236}">
+                <a16:creationId xmlns:a16="http://schemas.microsoft.com/office/drawing/2014/main" id="{B7523383-5359-C9E3-DD01-5D842BC27323}"/>
+              </a:ext>
+            </a:extLst>
+          </p:cNvPr>
+          <p:cNvPicPr>
+            <a:picLocks noChangeAspect="1"/>
+          </p:cNvPicPr>
+          <p:nvPr/>
+        </p:nvPicPr>
+        <p:blipFill>
+          <a:blip r:embed="rId2"/>
+          <a:stretch>
+            <a:fillRect/>
+          </a:stretch>
+        </p:blipFill>
+        <p:spPr>
+          <a:xfrm>
+            <a:off x="3202164" y="770223"/>
+            <a:ext cx="2739672" cy="1823127"/>
+          </a:xfrm>
+          <a:prstGeom prst="rect">
+            <a:avLst/>
+          </a:prstGeom>
+        </p:spPr>
+      </p:pic>
+      <p:pic>
+        <p:nvPicPr>
+          <p:cNvPr id="6" name="Picture 5">
+            <a:extLst>
+              <a:ext uri="{FF2B5EF4-FFF2-40B4-BE49-F238E27FC236}">
+                <a16:creationId xmlns:a16="http://schemas.microsoft.com/office/drawing/2014/main" id="{1D8F1FCB-02CC-AE75-09A2-48046C2FFF58}"/>
+              </a:ext>
+            </a:extLst>
+          </p:cNvPr>
+          <p:cNvPicPr>
+            <a:picLocks noChangeAspect="1"/>
+          </p:cNvPicPr>
+          <p:nvPr/>
+        </p:nvPicPr>
+        <p:blipFill>
+          <a:blip r:embed="rId3"/>
+          <a:stretch>
+            <a:fillRect/>
+          </a:stretch>
+        </p:blipFill>
+        <p:spPr>
+          <a:xfrm>
+            <a:off x="2137580" y="2724992"/>
+            <a:ext cx="4608174" cy="1972057"/>
+          </a:xfrm>
+          <a:prstGeom prst="rect">
+            <a:avLst/>
+          </a:prstGeom>
+        </p:spPr>
+      </p:pic>
+      <p:sp>
+        <p:nvSpPr>
+          <p:cNvPr id="8" name="TextBox 7">
+            <a:extLst>
+              <a:ext uri="{FF2B5EF4-FFF2-40B4-BE49-F238E27FC236}">
+                <a16:creationId xmlns:a16="http://schemas.microsoft.com/office/drawing/2014/main" id="{FCF5365B-5FB3-4693-8FDD-59683605F615}"/>
+              </a:ext>
+            </a:extLst>
+          </p:cNvPr>
+          <p:cNvSpPr txBox="1"/>
+          <p:nvPr/>
+        </p:nvSpPr>
+        <p:spPr>
+          <a:xfrm>
+            <a:off x="2137580" y="4719538"/>
+            <a:ext cx="4608174" cy="646331"/>
+          </a:xfrm>
+          <a:prstGeom prst="rect">
+            <a:avLst/>
+          </a:prstGeom>
+          <a:noFill/>
+        </p:spPr>
+        <p:txBody>
+          <a:bodyPr wrap="square">
+            <a:spAutoFit/>
+          </a:bodyPr>
+          <a:lstStyle/>
+          <a:p>
+            <a:pPr algn="ctr"/>
+            <a:r>
+              <a:rPr lang="en-US" altLang="zh-CN" dirty="0"/>
+              <a:t>QQ: 2095728218</a:t>
+            </a:r>
+          </a:p>
+          <a:p>
+            <a:pPr algn="ctr"/>
+            <a:r>
+              <a:rPr lang="en-US" altLang="zh-CN" dirty="0" err="1"/>
+              <a:t>gwzhang@cug.edu.cn</a:t>
+            </a:r>
+            <a:endParaRPr lang="en-US" altLang="zh-CN" dirty="0"/>
+          </a:p>
+        </p:txBody>
+      </p:sp>
+    </p:spTree>
+    <p:extLst>
+      <p:ext uri="{BB962C8B-B14F-4D97-AF65-F5344CB8AC3E}">
+        <p14:creationId xmlns:p14="http://schemas.microsoft.com/office/powerpoint/2010/main" val="1646968304"/>
+      </p:ext>
+    </p:extLst>
+  </p:cSld>
+  <p:clrMapOvr>
+    <a:masterClrMapping/>
+  </p:clrMapOvr>
+</p:sld>
+</file>
+
 <file path=ppt/slides/slide3.xml><?xml version="1.0" encoding="utf-8"?>
 <p:sld xmlns:a="http://schemas.openxmlformats.org/drawingml/2006/main" xmlns:r="http://schemas.openxmlformats.org/officeDocument/2006/relationships" xmlns:p="http://schemas.openxmlformats.org/presentationml/2006/main">
   <p:cSld>
@@ -4408,7 +5932,7 @@
           <p:cNvPr id="2" name="Slide Number Placeholder 1">
             <a:extLst>
               <a:ext uri="{FF2B5EF4-FFF2-40B4-BE49-F238E27FC236}">
-                <a16:creationId xmlns:a16="http://schemas.microsoft.com/office/drawing/2014/main" id="{3494360F-E454-C0E0-6DE5-322B46145AF2}"/>
+                <a16:creationId xmlns:a16="http://schemas.microsoft.com/office/drawing/2014/main" id="{03ECDFD4-FBCD-4B7C-12A1-BBEB7A68D14D}"/>
               </a:ext>
             </a:extLst>
           </p:cNvPr>
@@ -4435,10 +5959,10 @@
       </p:sp>
       <p:sp>
         <p:nvSpPr>
-          <p:cNvPr id="4" name="Title 3">
-            <a:extLst>
-              <a:ext uri="{FF2B5EF4-FFF2-40B4-BE49-F238E27FC236}">
-                <a16:creationId xmlns:a16="http://schemas.microsoft.com/office/drawing/2014/main" id="{4F2F56FF-6E39-8D54-36B9-CFD12DF85C42}"/>
+          <p:cNvPr id="3" name="Title 2">
+            <a:extLst>
+              <a:ext uri="{FF2B5EF4-FFF2-40B4-BE49-F238E27FC236}">
+                <a16:creationId xmlns:a16="http://schemas.microsoft.com/office/drawing/2014/main" id="{9CB81BDB-6DD1-E1F0-62E8-799EA5D2B49E}"/>
               </a:ext>
             </a:extLst>
           </p:cNvPr>
@@ -4455,17 +5979,267 @@
           <a:lstStyle/>
           <a:p>
             <a:r>
-              <a:rPr lang="en-US" altLang="zh-CN" dirty="0"/>
-              <a:t>Warmup</a:t>
-            </a:r>
-            <a:endParaRPr lang="zh-CN" altLang="en-US" dirty="0"/>
+              <a:rPr kumimoji="1" lang="zh-CN" altLang="en-US" dirty="0"/>
+              <a:t>基本结构</a:t>
+            </a:r>
+          </a:p>
+        </p:txBody>
+      </p:sp>
+      <p:pic>
+        <p:nvPicPr>
+          <p:cNvPr id="5" name="Picture 4">
+            <a:extLst>
+              <a:ext uri="{FF2B5EF4-FFF2-40B4-BE49-F238E27FC236}">
+                <a16:creationId xmlns:a16="http://schemas.microsoft.com/office/drawing/2014/main" id="{7971CBFB-FFC1-C7F3-8569-3F982E45840F}"/>
+              </a:ext>
+            </a:extLst>
+          </p:cNvPr>
+          <p:cNvPicPr>
+            <a:picLocks noChangeAspect="1"/>
+          </p:cNvPicPr>
+          <p:nvPr/>
+        </p:nvPicPr>
+        <p:blipFill>
+          <a:blip r:embed="rId2"/>
+          <a:stretch>
+            <a:fillRect/>
+          </a:stretch>
+        </p:blipFill>
+        <p:spPr>
+          <a:xfrm rot="10800000">
+            <a:off x="1080205" y="1634772"/>
+            <a:ext cx="2562578" cy="1137987"/>
+          </a:xfrm>
+          <a:prstGeom prst="rect">
+            <a:avLst/>
+          </a:prstGeom>
+        </p:spPr>
+      </p:pic>
+      <p:sp>
+        <p:nvSpPr>
+          <p:cNvPr id="6" name="TextBox 5">
+            <a:extLst>
+              <a:ext uri="{FF2B5EF4-FFF2-40B4-BE49-F238E27FC236}">
+                <a16:creationId xmlns:a16="http://schemas.microsoft.com/office/drawing/2014/main" id="{3D02E519-A82C-C284-C76B-D11826BB0D8E}"/>
+              </a:ext>
+            </a:extLst>
+          </p:cNvPr>
+          <p:cNvSpPr txBox="1"/>
+          <p:nvPr/>
+        </p:nvSpPr>
+        <p:spPr>
+          <a:xfrm>
+            <a:off x="4873006" y="1634772"/>
+            <a:ext cx="3874779" cy="1200329"/>
+          </a:xfrm>
+          <a:prstGeom prst="rect">
+            <a:avLst/>
+          </a:prstGeom>
+          <a:noFill/>
+        </p:spPr>
+        <p:txBody>
+          <a:bodyPr wrap="none" rtlCol="0">
+            <a:spAutoFit/>
+          </a:bodyPr>
+          <a:lstStyle/>
+          <a:p>
+            <a:pPr marL="342900" indent="-342900" algn="l">
+              <a:buFont typeface="Arial" panose="020B0604020202020204" pitchFamily="34" charset="0"/>
+              <a:buChar char="•"/>
+            </a:pPr>
+            <a:r>
+              <a:rPr kumimoji="1" lang="en-US" altLang="zh-CN" sz="2400" dirty="0">
+                <a:latin typeface="Consolas" panose="020B0609020204030204" pitchFamily="49" charset="0"/>
+                <a:cs typeface="Consolas" panose="020B0609020204030204" pitchFamily="49" charset="0"/>
+              </a:rPr>
+              <a:t>key</a:t>
+            </a:r>
+            <a:r>
+              <a:rPr kumimoji="1" lang="en-US" altLang="zh-CN" sz="2400" dirty="0"/>
+              <a:t>:</a:t>
+            </a:r>
+            <a:r>
+              <a:rPr kumimoji="1" lang="zh-CN" altLang="en-US" sz="2400" dirty="0"/>
+              <a:t> 当前节点存的信息</a:t>
+            </a:r>
+            <a:endParaRPr kumimoji="1" lang="en-US" altLang="zh-CN" sz="2400" dirty="0"/>
+          </a:p>
+          <a:p>
+            <a:pPr marL="342900" indent="-342900" algn="l">
+              <a:buFont typeface="Arial" panose="020B0604020202020204" pitchFamily="34" charset="0"/>
+              <a:buChar char="•"/>
+            </a:pPr>
+            <a:r>
+              <a:rPr kumimoji="1" lang="zh-CN" altLang="en-US" sz="2400" dirty="0">
+                <a:latin typeface="Consolas" panose="020B0609020204030204" pitchFamily="49" charset="0"/>
+                <a:cs typeface="Consolas" panose="020B0609020204030204" pitchFamily="49" charset="0"/>
+              </a:rPr>
+              <a:t>*</a:t>
+            </a:r>
+            <a:r>
+              <a:rPr kumimoji="1" lang="en-US" altLang="zh-CN" sz="2400" dirty="0">
+                <a:latin typeface="Consolas" panose="020B0609020204030204" pitchFamily="49" charset="0"/>
+                <a:cs typeface="Consolas" panose="020B0609020204030204" pitchFamily="49" charset="0"/>
+              </a:rPr>
+              <a:t>left</a:t>
+            </a:r>
+            <a:r>
+              <a:rPr kumimoji="1" lang="en-US" altLang="zh-CN" sz="2400" dirty="0"/>
+              <a:t>:</a:t>
+            </a:r>
+            <a:r>
+              <a:rPr kumimoji="1" lang="zh-CN" altLang="en-US" sz="2400" dirty="0"/>
+              <a:t> 左边的节点是谁</a:t>
+            </a:r>
+            <a:endParaRPr kumimoji="1" lang="en-US" altLang="zh-CN" sz="2400" dirty="0"/>
+          </a:p>
+          <a:p>
+            <a:pPr marL="342900" indent="-342900" algn="l">
+              <a:buFont typeface="Arial" panose="020B0604020202020204" pitchFamily="34" charset="0"/>
+              <a:buChar char="•"/>
+            </a:pPr>
+            <a:r>
+              <a:rPr kumimoji="1" lang="zh-CN" altLang="en-US" sz="2400" dirty="0">
+                <a:latin typeface="Consolas" panose="020B0609020204030204" pitchFamily="49" charset="0"/>
+                <a:cs typeface="Consolas" panose="020B0609020204030204" pitchFamily="49" charset="0"/>
+              </a:rPr>
+              <a:t>*</a:t>
+            </a:r>
+            <a:r>
+              <a:rPr kumimoji="1" lang="en-US" altLang="zh-CN" sz="2400" dirty="0">
+                <a:latin typeface="Consolas" panose="020B0609020204030204" pitchFamily="49" charset="0"/>
+                <a:cs typeface="Consolas" panose="020B0609020204030204" pitchFamily="49" charset="0"/>
+              </a:rPr>
+              <a:t>right</a:t>
+            </a:r>
+            <a:r>
+              <a:rPr kumimoji="1" lang="en-US" altLang="zh-CN" sz="2400" dirty="0"/>
+              <a:t>:</a:t>
+            </a:r>
+            <a:r>
+              <a:rPr kumimoji="1" lang="zh-CN" altLang="en-US" sz="2400" dirty="0"/>
+              <a:t> 右边的节点是谁</a:t>
+            </a:r>
+          </a:p>
+        </p:txBody>
+      </p:sp>
+      <p:pic>
+        <p:nvPicPr>
+          <p:cNvPr id="7" name="Picture 6">
+            <a:extLst>
+              <a:ext uri="{FF2B5EF4-FFF2-40B4-BE49-F238E27FC236}">
+                <a16:creationId xmlns:a16="http://schemas.microsoft.com/office/drawing/2014/main" id="{127BC93A-7129-42D9-3CB2-A9271805A2DC}"/>
+              </a:ext>
+            </a:extLst>
+          </p:cNvPr>
+          <p:cNvPicPr>
+            <a:picLocks noChangeAspect="1"/>
+          </p:cNvPicPr>
+          <p:nvPr/>
+        </p:nvPicPr>
+        <p:blipFill>
+          <a:blip r:embed="rId3"/>
+          <a:stretch>
+            <a:fillRect/>
+          </a:stretch>
+        </p:blipFill>
+        <p:spPr>
+          <a:xfrm>
+            <a:off x="2768600" y="3139091"/>
+            <a:ext cx="3606800" cy="1079500"/>
+          </a:xfrm>
+          <a:prstGeom prst="rect">
+            <a:avLst/>
+          </a:prstGeom>
+          <a:ln>
+            <a:noFill/>
+          </a:ln>
+          <a:effectLst>
+            <a:outerShdw blurRad="292100" dist="139700" dir="2700000" algn="tl" rotWithShape="0">
+              <a:srgbClr val="333333">
+                <a:alpha val="65000"/>
+              </a:srgbClr>
+            </a:outerShdw>
+          </a:effectLst>
+        </p:spPr>
+      </p:pic>
+      <p:sp>
+        <p:nvSpPr>
+          <p:cNvPr id="8" name="TextBox 7">
+            <a:extLst>
+              <a:ext uri="{FF2B5EF4-FFF2-40B4-BE49-F238E27FC236}">
+                <a16:creationId xmlns:a16="http://schemas.microsoft.com/office/drawing/2014/main" id="{966FCE1D-3EF5-A078-DF1A-35E86082AD8C}"/>
+              </a:ext>
+            </a:extLst>
+          </p:cNvPr>
+          <p:cNvSpPr txBox="1"/>
+          <p:nvPr/>
+        </p:nvSpPr>
+        <p:spPr>
+          <a:xfrm>
+            <a:off x="790222" y="4786489"/>
+            <a:ext cx="7293984" cy="461665"/>
+          </a:xfrm>
+          <a:prstGeom prst="rect">
+            <a:avLst/>
+          </a:prstGeom>
+          <a:noFill/>
+        </p:spPr>
+        <p:txBody>
+          <a:bodyPr wrap="none" rtlCol="0">
+            <a:spAutoFit/>
+          </a:bodyPr>
+          <a:lstStyle/>
+          <a:p>
+            <a:pPr marL="342900" indent="-342900" algn="l">
+              <a:buFont typeface="Arial" panose="020B0604020202020204" pitchFamily="34" charset="0"/>
+              <a:buChar char="•"/>
+            </a:pPr>
+            <a:r>
+              <a:rPr kumimoji="1" lang="zh-CN" altLang="en-US" sz="2400" dirty="0"/>
+              <a:t>构建新节点的初始值</a:t>
+            </a:r>
+            <a:r>
+              <a:rPr kumimoji="1" lang="en-US" altLang="zh-CN" sz="2400" dirty="0"/>
+              <a:t>:</a:t>
+            </a:r>
+            <a:r>
+              <a:rPr kumimoji="1" lang="zh-CN" altLang="en-US" sz="2400" dirty="0"/>
+              <a:t> </a:t>
+            </a:r>
+            <a:r>
+              <a:rPr kumimoji="1" lang="en-US" altLang="zh-CN" sz="2400" dirty="0">
+                <a:latin typeface="Consolas" panose="020B0609020204030204" pitchFamily="49" charset="0"/>
+                <a:cs typeface="Consolas" panose="020B0609020204030204" pitchFamily="49" charset="0"/>
+              </a:rPr>
+              <a:t>key=0,</a:t>
+            </a:r>
+            <a:r>
+              <a:rPr kumimoji="1" lang="zh-CN" altLang="en-US" sz="2400" dirty="0">
+                <a:latin typeface="Consolas" panose="020B0609020204030204" pitchFamily="49" charset="0"/>
+                <a:cs typeface="Consolas" panose="020B0609020204030204" pitchFamily="49" charset="0"/>
+              </a:rPr>
+              <a:t> </a:t>
+            </a:r>
+            <a:r>
+              <a:rPr kumimoji="1" lang="en-US" altLang="zh-CN" sz="2400" dirty="0">
+                <a:latin typeface="Consolas" panose="020B0609020204030204" pitchFamily="49" charset="0"/>
+                <a:cs typeface="Consolas" panose="020B0609020204030204" pitchFamily="49" charset="0"/>
+              </a:rPr>
+              <a:t>left=right=NULL</a:t>
+            </a:r>
+            <a:r>
+              <a:rPr kumimoji="1" lang="en-US" altLang="zh-CN" sz="2400" dirty="0"/>
+              <a:t>.</a:t>
+            </a:r>
+            <a:endParaRPr kumimoji="1" lang="zh-CN" altLang="en-US" sz="2400" dirty="0"/>
           </a:p>
         </p:txBody>
       </p:sp>
     </p:spTree>
     <p:extLst>
       <p:ext uri="{BB962C8B-B14F-4D97-AF65-F5344CB8AC3E}">
-        <p14:creationId xmlns:p14="http://schemas.microsoft.com/office/powerpoint/2010/main" val="3768536023"/>
+        <p14:creationId xmlns:p14="http://schemas.microsoft.com/office/powerpoint/2010/main" val="2258615878"/>
       </p:ext>
     </p:extLst>
   </p:cSld>
@@ -4497,7 +6271,7 @@
           <p:cNvPr id="2" name="Slide Number Placeholder 1">
             <a:extLst>
               <a:ext uri="{FF2B5EF4-FFF2-40B4-BE49-F238E27FC236}">
-                <a16:creationId xmlns:a16="http://schemas.microsoft.com/office/drawing/2014/main" id="{03ECDFD4-FBCD-4B7C-12A1-BBEB7A68D14D}"/>
+                <a16:creationId xmlns:a16="http://schemas.microsoft.com/office/drawing/2014/main" id="{0620B359-1363-CEDB-512D-891D97B9075F}"/>
               </a:ext>
             </a:extLst>
           </p:cNvPr>
@@ -4527,7 +6301,7 @@
           <p:cNvPr id="3" name="Title 2">
             <a:extLst>
               <a:ext uri="{FF2B5EF4-FFF2-40B4-BE49-F238E27FC236}">
-                <a16:creationId xmlns:a16="http://schemas.microsoft.com/office/drawing/2014/main" id="{9CB81BDB-6DD1-E1F0-62E8-799EA5D2B49E}"/>
+                <a16:creationId xmlns:a16="http://schemas.microsoft.com/office/drawing/2014/main" id="{24B47B28-6B52-95D3-C4B9-16A05E6C7AAA}"/>
               </a:ext>
             </a:extLst>
           </p:cNvPr>
@@ -4545,8 +6319,167 @@
           <a:p>
             <a:r>
               <a:rPr kumimoji="1" lang="zh-CN" altLang="en-US" dirty="0"/>
-              <a:t>基本结构</a:t>
-            </a:r>
+              <a:t>增加新节点</a:t>
+            </a:r>
+          </a:p>
+        </p:txBody>
+      </p:sp>
+      <p:sp>
+        <p:nvSpPr>
+          <p:cNvPr id="4" name="TextBox 3">
+            <a:extLst>
+              <a:ext uri="{FF2B5EF4-FFF2-40B4-BE49-F238E27FC236}">
+                <a16:creationId xmlns:a16="http://schemas.microsoft.com/office/drawing/2014/main" id="{468DE872-6029-D213-ADD5-0198FA0D2D52}"/>
+              </a:ext>
+            </a:extLst>
+          </p:cNvPr>
+          <p:cNvSpPr txBox="1"/>
+          <p:nvPr/>
+        </p:nvSpPr>
+        <p:spPr>
+          <a:xfrm>
+            <a:off x="711200" y="1173288"/>
+            <a:ext cx="7553671" cy="1938992"/>
+          </a:xfrm>
+          <a:prstGeom prst="rect">
+            <a:avLst/>
+          </a:prstGeom>
+          <a:noFill/>
+        </p:spPr>
+        <p:txBody>
+          <a:bodyPr wrap="none" rtlCol="0">
+            <a:spAutoFit/>
+          </a:bodyPr>
+          <a:lstStyle/>
+          <a:p>
+            <a:pPr marL="342900" indent="-342900" algn="l">
+              <a:buFont typeface="Arial" panose="020B0604020202020204" pitchFamily="34" charset="0"/>
+              <a:buChar char="•"/>
+            </a:pPr>
+            <a:r>
+              <a:rPr kumimoji="1" lang="zh-CN" altLang="en-US" sz="2400" dirty="0"/>
+              <a:t>例子</a:t>
+            </a:r>
+            <a:r>
+              <a:rPr kumimoji="1" lang="en-US" altLang="zh-CN" sz="2400" dirty="0"/>
+              <a:t>:</a:t>
+            </a:r>
+            <a:r>
+              <a:rPr kumimoji="1" lang="zh-CN" altLang="en-US" sz="2400" dirty="0"/>
+              <a:t> 在下面的二叉树中增加 </a:t>
+            </a:r>
+            <a:r>
+              <a:rPr kumimoji="1" lang="en-US" altLang="zh-CN" sz="2400" dirty="0"/>
+              <a:t>“10”</a:t>
+            </a:r>
+          </a:p>
+          <a:p>
+            <a:pPr marL="800100" lvl="1" indent="-342900">
+              <a:buFont typeface="Arial" panose="020B0604020202020204" pitchFamily="34" charset="0"/>
+              <a:buChar char="•"/>
+            </a:pPr>
+            <a:r>
+              <a:rPr kumimoji="1" lang="zh-CN" altLang="en-US" sz="2400" dirty="0"/>
+              <a:t>要满足结构约定的条件</a:t>
+            </a:r>
+            <a:endParaRPr kumimoji="1" lang="en-US" altLang="zh-CN" sz="2400" dirty="0"/>
+          </a:p>
+          <a:p>
+            <a:pPr marL="1257300" lvl="2" indent="-342900">
+              <a:buFont typeface="Arial" panose="020B0604020202020204" pitchFamily="34" charset="0"/>
+              <a:buChar char="•"/>
+            </a:pPr>
+            <a:r>
+              <a:rPr kumimoji="1" lang="zh-CN" altLang="en-US" sz="2400" dirty="0"/>
+              <a:t>左边</a:t>
+            </a:r>
+            <a:r>
+              <a:rPr kumimoji="1" lang="en-US" altLang="zh-CN" sz="2400" dirty="0"/>
+              <a:t>(</a:t>
+            </a:r>
+            <a:r>
+              <a:rPr kumimoji="1" lang="zh-CN" altLang="en-US" sz="2400" dirty="0"/>
+              <a:t>子树</a:t>
+            </a:r>
+            <a:r>
+              <a:rPr kumimoji="1" lang="en-US" altLang="zh-CN" sz="2400" dirty="0"/>
+              <a:t>)</a:t>
+            </a:r>
+            <a:r>
+              <a:rPr kumimoji="1" lang="zh-CN" altLang="en-US" sz="2400" dirty="0"/>
+              <a:t>小</a:t>
+            </a:r>
+            <a:r>
+              <a:rPr kumimoji="1" lang="en-US" altLang="zh-CN" sz="2400" dirty="0"/>
+              <a:t>,</a:t>
+            </a:r>
+            <a:r>
+              <a:rPr kumimoji="1" lang="zh-CN" altLang="en-US" sz="2400" dirty="0"/>
+              <a:t> 右边</a:t>
+            </a:r>
+            <a:r>
+              <a:rPr kumimoji="1" lang="en-US" altLang="zh-CN" sz="2400" dirty="0"/>
+              <a:t>(</a:t>
+            </a:r>
+            <a:r>
+              <a:rPr kumimoji="1" lang="zh-CN" altLang="en-US" sz="2400" dirty="0"/>
+              <a:t>子树</a:t>
+            </a:r>
+            <a:r>
+              <a:rPr kumimoji="1" lang="en-US" altLang="zh-CN" sz="2400" dirty="0"/>
+              <a:t>)</a:t>
+            </a:r>
+            <a:r>
+              <a:rPr kumimoji="1" lang="zh-CN" altLang="en-US" sz="2400" dirty="0"/>
+              <a:t>大</a:t>
+            </a:r>
+            <a:endParaRPr kumimoji="1" lang="en-US" altLang="zh-CN" sz="2400" dirty="0"/>
+          </a:p>
+          <a:p>
+            <a:pPr marL="800100" lvl="1" indent="-342900">
+              <a:buFont typeface="Arial" panose="020B0604020202020204" pitchFamily="34" charset="0"/>
+              <a:buChar char="•"/>
+            </a:pPr>
+            <a:r>
+              <a:rPr kumimoji="1" lang="zh-CN" altLang="en-US" sz="2400" dirty="0"/>
+              <a:t>转化为往一侧子树插入的问题</a:t>
+            </a:r>
+            <a:endParaRPr kumimoji="1" lang="en-US" altLang="zh-CN" sz="2400" dirty="0"/>
+          </a:p>
+          <a:p>
+            <a:pPr marL="800100" lvl="1" indent="-342900">
+              <a:buFont typeface="Arial" panose="020B0604020202020204" pitchFamily="34" charset="0"/>
+              <a:buChar char="•"/>
+            </a:pPr>
+            <a:r>
+              <a:rPr kumimoji="1" lang="en-US" altLang="zh-CN" sz="2400" dirty="0"/>
+              <a:t>Base</a:t>
+            </a:r>
+            <a:r>
+              <a:rPr kumimoji="1" lang="zh-CN" altLang="en-US" sz="2400" dirty="0"/>
+              <a:t> </a:t>
+            </a:r>
+            <a:r>
+              <a:rPr kumimoji="1" lang="en-US" altLang="zh-CN" sz="2400" dirty="0"/>
+              <a:t>case:</a:t>
+            </a:r>
+            <a:r>
+              <a:rPr kumimoji="1" lang="zh-CN" altLang="en-US" sz="2400" dirty="0"/>
+              <a:t> 到达了空节点 </a:t>
+            </a:r>
+            <a:r>
+              <a:rPr kumimoji="1" lang="en-US" altLang="zh-CN" sz="2400" dirty="0">
+                <a:sym typeface="Wingdings" pitchFamily="2" charset="2"/>
+              </a:rPr>
+              <a:t></a:t>
+            </a:r>
+            <a:r>
+              <a:rPr kumimoji="1" lang="zh-CN" altLang="en-US" sz="2400" dirty="0">
+                <a:sym typeface="Wingdings" pitchFamily="2" charset="2"/>
+              </a:rPr>
+              <a:t> 正好把节点插进去</a:t>
+            </a:r>
+            <a:endParaRPr kumimoji="1" lang="zh-CN" altLang="en-US" sz="2400" dirty="0"/>
           </a:p>
         </p:txBody>
       </p:sp>
@@ -4555,7 +6488,7 @@
           <p:cNvPr id="5" name="Picture 4">
             <a:extLst>
               <a:ext uri="{FF2B5EF4-FFF2-40B4-BE49-F238E27FC236}">
-                <a16:creationId xmlns:a16="http://schemas.microsoft.com/office/drawing/2014/main" id="{7971CBFB-FFC1-C7F3-8569-3F982E45840F}"/>
+                <a16:creationId xmlns:a16="http://schemas.microsoft.com/office/drawing/2014/main" id="{BDCAAE8B-3FD3-4882-62D3-624E786CA684}"/>
               </a:ext>
             </a:extLst>
           </p:cNvPr>
@@ -4571,129 +6504,21 @@
           </a:stretch>
         </p:blipFill>
         <p:spPr>
-          <a:xfrm rot="10800000">
-            <a:off x="1080205" y="1634772"/>
-            <a:ext cx="2562578" cy="1137987"/>
+          <a:xfrm rot="16200000" flipV="1">
+            <a:off x="518044" y="4028559"/>
+            <a:ext cx="2639608" cy="1440491"/>
           </a:xfrm>
           <a:prstGeom prst="rect">
             <a:avLst/>
           </a:prstGeom>
         </p:spPr>
       </p:pic>
-      <p:sp>
-        <p:nvSpPr>
-          <p:cNvPr id="6" name="TextBox 5">
-            <a:extLst>
-              <a:ext uri="{FF2B5EF4-FFF2-40B4-BE49-F238E27FC236}">
-                <a16:creationId xmlns:a16="http://schemas.microsoft.com/office/drawing/2014/main" id="{3D02E519-A82C-C284-C76B-D11826BB0D8E}"/>
-              </a:ext>
-            </a:extLst>
-          </p:cNvPr>
-          <p:cNvSpPr txBox="1"/>
-          <p:nvPr/>
-        </p:nvSpPr>
-        <p:spPr>
-          <a:xfrm>
-            <a:off x="4873006" y="1634772"/>
-            <a:ext cx="3874779" cy="1200329"/>
-          </a:xfrm>
-          <a:prstGeom prst="rect">
-            <a:avLst/>
-          </a:prstGeom>
-          <a:noFill/>
-        </p:spPr>
-        <p:txBody>
-          <a:bodyPr wrap="none" rtlCol="0">
-            <a:spAutoFit/>
-          </a:bodyPr>
-          <a:lstStyle/>
-          <a:p>
-            <a:pPr marL="342900" indent="-342900" algn="l">
-              <a:buFont typeface="Arial" panose="020B0604020202020204" pitchFamily="34" charset="0"/>
-              <a:buChar char="•"/>
-            </a:pPr>
-            <a:r>
-              <a:rPr kumimoji="1" lang="en-US" altLang="zh-CN" sz="2400" dirty="0">
-                <a:latin typeface="Consolas" panose="020B0609020204030204" pitchFamily="49" charset="0"/>
-                <a:cs typeface="Consolas" panose="020B0609020204030204" pitchFamily="49" charset="0"/>
-              </a:rPr>
-              <a:t>key</a:t>
-            </a:r>
-            <a:r>
-              <a:rPr kumimoji="1" lang="en-US" altLang="zh-CN" sz="2400" dirty="0"/>
-              <a:t>:</a:t>
-            </a:r>
-            <a:r>
-              <a:rPr kumimoji="1" lang="zh-CN" altLang="en-US" sz="2400" dirty="0"/>
-              <a:t> 当前节点存的信息</a:t>
-            </a:r>
-            <a:endParaRPr kumimoji="1" lang="en-US" altLang="zh-CN" sz="2400" dirty="0"/>
-          </a:p>
-          <a:p>
-            <a:pPr marL="342900" indent="-342900" algn="l">
-              <a:buFont typeface="Arial" panose="020B0604020202020204" pitchFamily="34" charset="0"/>
-              <a:buChar char="•"/>
-            </a:pPr>
-            <a:r>
-              <a:rPr kumimoji="1" lang="zh-CN" altLang="en-US" sz="2400" dirty="0">
-                <a:latin typeface="Consolas" panose="020B0609020204030204" pitchFamily="49" charset="0"/>
-                <a:cs typeface="Consolas" panose="020B0609020204030204" pitchFamily="49" charset="0"/>
-              </a:rPr>
-              <a:t>*</a:t>
-            </a:r>
-            <a:r>
-              <a:rPr kumimoji="1" lang="en-US" altLang="zh-CN" sz="2400" dirty="0">
-                <a:latin typeface="Consolas" panose="020B0609020204030204" pitchFamily="49" charset="0"/>
-                <a:cs typeface="Consolas" panose="020B0609020204030204" pitchFamily="49" charset="0"/>
-              </a:rPr>
-              <a:t>left</a:t>
-            </a:r>
-            <a:r>
-              <a:rPr kumimoji="1" lang="en-US" altLang="zh-CN" sz="2400" dirty="0"/>
-              <a:t>:</a:t>
-            </a:r>
-            <a:r>
-              <a:rPr kumimoji="1" lang="zh-CN" altLang="en-US" sz="2400" dirty="0"/>
-              <a:t> 左边的节点是谁</a:t>
-            </a:r>
-            <a:endParaRPr kumimoji="1" lang="en-US" altLang="zh-CN" sz="2400" dirty="0"/>
-          </a:p>
-          <a:p>
-            <a:pPr marL="342900" indent="-342900" algn="l">
-              <a:buFont typeface="Arial" panose="020B0604020202020204" pitchFamily="34" charset="0"/>
-              <a:buChar char="•"/>
-            </a:pPr>
-            <a:r>
-              <a:rPr kumimoji="1" lang="zh-CN" altLang="en-US" sz="2400" dirty="0">
-                <a:latin typeface="Consolas" panose="020B0609020204030204" pitchFamily="49" charset="0"/>
-                <a:cs typeface="Consolas" panose="020B0609020204030204" pitchFamily="49" charset="0"/>
-              </a:rPr>
-              <a:t>*</a:t>
-            </a:r>
-            <a:r>
-              <a:rPr kumimoji="1" lang="en-US" altLang="zh-CN" sz="2400" dirty="0">
-                <a:latin typeface="Consolas" panose="020B0609020204030204" pitchFamily="49" charset="0"/>
-                <a:cs typeface="Consolas" panose="020B0609020204030204" pitchFamily="49" charset="0"/>
-              </a:rPr>
-              <a:t>right</a:t>
-            </a:r>
-            <a:r>
-              <a:rPr kumimoji="1" lang="en-US" altLang="zh-CN" sz="2400" dirty="0"/>
-              <a:t>:</a:t>
-            </a:r>
-            <a:r>
-              <a:rPr kumimoji="1" lang="zh-CN" altLang="en-US" sz="2400" dirty="0"/>
-              <a:t> 右边的节点是谁</a:t>
-            </a:r>
-          </a:p>
-        </p:txBody>
-      </p:sp>
       <p:pic>
         <p:nvPicPr>
           <p:cNvPr id="7" name="Picture 6">
             <a:extLst>
               <a:ext uri="{FF2B5EF4-FFF2-40B4-BE49-F238E27FC236}">
-                <a16:creationId xmlns:a16="http://schemas.microsoft.com/office/drawing/2014/main" id="{127BC93A-7129-42D9-3CB2-A9271805A2DC}"/>
+                <a16:creationId xmlns:a16="http://schemas.microsoft.com/office/drawing/2014/main" id="{2BB00342-4E4D-538A-85AF-DCE54845C2E0}"/>
               </a:ext>
             </a:extLst>
           </p:cNvPr>
@@ -4710,8 +6535,8 @@
         </p:blipFill>
         <p:spPr>
           <a:xfrm>
-            <a:off x="2768600" y="3139091"/>
-            <a:ext cx="3606800" cy="1079500"/>
+            <a:off x="3382633" y="3612956"/>
+            <a:ext cx="5132717" cy="2455653"/>
           </a:xfrm>
           <a:prstGeom prst="rect">
             <a:avLst/>
@@ -4728,83 +6553,10 @@
           </a:effectLst>
         </p:spPr>
       </p:pic>
-      <p:sp>
-        <p:nvSpPr>
-          <p:cNvPr id="8" name="TextBox 7">
-            <a:extLst>
-              <a:ext uri="{FF2B5EF4-FFF2-40B4-BE49-F238E27FC236}">
-                <a16:creationId xmlns:a16="http://schemas.microsoft.com/office/drawing/2014/main" id="{966FCE1D-3EF5-A078-DF1A-35E86082AD8C}"/>
-              </a:ext>
-            </a:extLst>
-          </p:cNvPr>
-          <p:cNvSpPr txBox="1"/>
-          <p:nvPr/>
-        </p:nvSpPr>
-        <p:spPr>
-          <a:xfrm>
-            <a:off x="790222" y="4786489"/>
-            <a:ext cx="7293984" cy="461665"/>
-          </a:xfrm>
-          <a:prstGeom prst="rect">
-            <a:avLst/>
-          </a:prstGeom>
-          <a:noFill/>
-        </p:spPr>
-        <p:txBody>
-          <a:bodyPr wrap="none" rtlCol="0">
-            <a:spAutoFit/>
-          </a:bodyPr>
-          <a:lstStyle/>
-          <a:p>
-            <a:pPr marL="342900" indent="-342900" algn="l">
-              <a:buFont typeface="Arial" panose="020B0604020202020204" pitchFamily="34" charset="0"/>
-              <a:buChar char="•"/>
-            </a:pPr>
-            <a:r>
-              <a:rPr kumimoji="1" lang="zh-CN" altLang="en-US" sz="2400" dirty="0"/>
-              <a:t>构建新节点的初始值</a:t>
-            </a:r>
-            <a:r>
-              <a:rPr kumimoji="1" lang="en-US" altLang="zh-CN" sz="2400" dirty="0"/>
-              <a:t>:</a:t>
-            </a:r>
-            <a:r>
-              <a:rPr kumimoji="1" lang="zh-CN" altLang="en-US" sz="2400" dirty="0"/>
-              <a:t> </a:t>
-            </a:r>
-            <a:r>
-              <a:rPr kumimoji="1" lang="en-US" altLang="zh-CN" sz="2400" dirty="0">
-                <a:latin typeface="Consolas" panose="020B0609020204030204" pitchFamily="49" charset="0"/>
-                <a:cs typeface="Consolas" panose="020B0609020204030204" pitchFamily="49" charset="0"/>
-              </a:rPr>
-              <a:t>key=0,</a:t>
-            </a:r>
-            <a:r>
-              <a:rPr kumimoji="1" lang="zh-CN" altLang="en-US" sz="2400" dirty="0">
-                <a:latin typeface="Consolas" panose="020B0609020204030204" pitchFamily="49" charset="0"/>
-                <a:cs typeface="Consolas" panose="020B0609020204030204" pitchFamily="49" charset="0"/>
-              </a:rPr>
-              <a:t> </a:t>
-            </a:r>
-            <a:r>
-              <a:rPr kumimoji="1" lang="en-US" altLang="zh-CN" sz="2400" dirty="0">
-                <a:latin typeface="Consolas" panose="020B0609020204030204" pitchFamily="49" charset="0"/>
-                <a:cs typeface="Consolas" panose="020B0609020204030204" pitchFamily="49" charset="0"/>
-              </a:rPr>
-              <a:t>left=right=NULL</a:t>
-            </a:r>
-            <a:r>
-              <a:rPr kumimoji="1" lang="en-US" altLang="zh-CN" sz="2400" dirty="0"/>
-              <a:t>.</a:t>
-            </a:r>
-            <a:endParaRPr kumimoji="1" lang="zh-CN" altLang="en-US" sz="2400" dirty="0"/>
-          </a:p>
-        </p:txBody>
-      </p:sp>
     </p:spTree>
     <p:extLst>
       <p:ext uri="{BB962C8B-B14F-4D97-AF65-F5344CB8AC3E}">
-        <p14:creationId xmlns:p14="http://schemas.microsoft.com/office/powerpoint/2010/main" val="2258615878"/>
+        <p14:creationId xmlns:p14="http://schemas.microsoft.com/office/powerpoint/2010/main" val="844710776"/>
       </p:ext>
     </p:extLst>
   </p:cSld>
@@ -4836,7 +6588,7 @@
           <p:cNvPr id="2" name="Slide Number Placeholder 1">
             <a:extLst>
               <a:ext uri="{FF2B5EF4-FFF2-40B4-BE49-F238E27FC236}">
-                <a16:creationId xmlns:a16="http://schemas.microsoft.com/office/drawing/2014/main" id="{0620B359-1363-CEDB-512D-891D97B9075F}"/>
+                <a16:creationId xmlns:a16="http://schemas.microsoft.com/office/drawing/2014/main" id="{A864DFF6-6406-C00B-0820-38BBAA925B2E}"/>
               </a:ext>
             </a:extLst>
           </p:cNvPr>
@@ -4866,7 +6618,7 @@
           <p:cNvPr id="3" name="Title 2">
             <a:extLst>
               <a:ext uri="{FF2B5EF4-FFF2-40B4-BE49-F238E27FC236}">
-                <a16:creationId xmlns:a16="http://schemas.microsoft.com/office/drawing/2014/main" id="{24B47B28-6B52-95D3-C4B9-16A05E6C7AAA}"/>
+                <a16:creationId xmlns:a16="http://schemas.microsoft.com/office/drawing/2014/main" id="{1C89E1AD-C54D-0A5E-7C41-1E4F4BBA883A}"/>
               </a:ext>
             </a:extLst>
           </p:cNvPr>
@@ -4884,7 +6636,7 @@
           <a:p>
             <a:r>
               <a:rPr kumimoji="1" lang="zh-CN" altLang="en-US" dirty="0"/>
-              <a:t>增加新节点</a:t>
+              <a:t>查找一个节点</a:t>
             </a:r>
           </a:p>
         </p:txBody>
@@ -4894,7 +6646,7 @@
           <p:cNvPr id="4" name="TextBox 3">
             <a:extLst>
               <a:ext uri="{FF2B5EF4-FFF2-40B4-BE49-F238E27FC236}">
-                <a16:creationId xmlns:a16="http://schemas.microsoft.com/office/drawing/2014/main" id="{468DE872-6029-D213-ADD5-0198FA0D2D52}"/>
+                <a16:creationId xmlns:a16="http://schemas.microsoft.com/office/drawing/2014/main" id="{B8AC6BCB-45C2-13F9-3981-EE1BD0F256DC}"/>
               </a:ext>
             </a:extLst>
           </p:cNvPr>
@@ -4904,7 +6656,7 @@
         <p:spPr>
           <a:xfrm>
             <a:off x="711200" y="1173288"/>
-            <a:ext cx="7553671" cy="1938992"/>
+            <a:ext cx="5883342" cy="1938992"/>
           </a:xfrm>
           <a:prstGeom prst="rect">
             <a:avLst/>
@@ -4935,7 +6687,15 @@
             </a:r>
             <a:r>
               <a:rPr kumimoji="1" lang="en-US" altLang="zh-CN" sz="2400" dirty="0"/>
-              <a:t>“10”</a:t>
+              <a:t>“10”,</a:t>
+            </a:r>
+            <a:r>
+              <a:rPr kumimoji="1" lang="zh-CN" altLang="en-US" sz="2400" dirty="0"/>
+              <a:t> </a:t>
+            </a:r>
+            <a:r>
+              <a:rPr kumimoji="1" lang="en-US" altLang="zh-CN" sz="2400" dirty="0"/>
+              <a:t>“3”</a:t>
             </a:r>
           </a:p>
           <a:p>
@@ -4945,7 +6705,7 @@
             </a:pPr>
             <a:r>
               <a:rPr kumimoji="1" lang="zh-CN" altLang="en-US" sz="2400" dirty="0"/>
-              <a:t>要满足结构约定的条件</a:t>
+              <a:t>使用刚刚的定义</a:t>
             </a:r>
             <a:endParaRPr kumimoji="1" lang="en-US" altLang="zh-CN" sz="2400" dirty="0"/>
           </a:p>
@@ -4956,63 +6716,62 @@
             </a:pPr>
             <a:r>
               <a:rPr kumimoji="1" lang="zh-CN" altLang="en-US" sz="2400" dirty="0"/>
-              <a:t>左边小</a:t>
+              <a:t>小于</a:t>
             </a:r>
             <a:r>
               <a:rPr kumimoji="1" lang="en-US" altLang="zh-CN" sz="2400" dirty="0"/>
-              <a:t>,</a:t>
+              <a:t>?</a:t>
             </a:r>
             <a:r>
               <a:rPr kumimoji="1" lang="zh-CN" altLang="en-US" sz="2400" dirty="0"/>
-              <a:t> 右边大</a:t>
+              <a:t> 往左看</a:t>
             </a:r>
             <a:endParaRPr kumimoji="1" lang="en-US" altLang="zh-CN" sz="2400" dirty="0"/>
           </a:p>
           <a:p>
-            <a:pPr marL="800100" lvl="1" indent="-342900">
+            <a:pPr marL="1257300" lvl="2" indent="-342900">
               <a:buFont typeface="Arial" panose="020B0604020202020204" pitchFamily="34" charset="0"/>
               <a:buChar char="•"/>
             </a:pPr>
             <a:r>
               <a:rPr kumimoji="1" lang="zh-CN" altLang="en-US" sz="2400" dirty="0"/>
-              <a:t>转化为往一侧子树插入的问题</a:t>
+              <a:t>大于</a:t>
+            </a:r>
+            <a:r>
+              <a:rPr kumimoji="1" lang="en-US" altLang="zh-CN" sz="2400" dirty="0"/>
+              <a:t>?</a:t>
+            </a:r>
+            <a:r>
+              <a:rPr kumimoji="1" lang="zh-CN" altLang="en-US" sz="2400" dirty="0"/>
+              <a:t> 往右看</a:t>
             </a:r>
             <a:endParaRPr kumimoji="1" lang="en-US" altLang="zh-CN" sz="2400" dirty="0"/>
           </a:p>
           <a:p>
-            <a:pPr marL="800100" lvl="1" indent="-342900">
+            <a:pPr marL="1257300" lvl="2" indent="-342900">
               <a:buFont typeface="Arial" panose="020B0604020202020204" pitchFamily="34" charset="0"/>
               <a:buChar char="•"/>
             </a:pPr>
             <a:r>
+              <a:rPr kumimoji="1" lang="zh-CN" altLang="en-US" sz="2400" dirty="0"/>
+              <a:t>找到了好诶</a:t>
+            </a:r>
+            <a:r>
               <a:rPr kumimoji="1" lang="en-US" altLang="zh-CN" sz="2400" dirty="0"/>
-              <a:t>Base</a:t>
+              <a:t>!</a:t>
             </a:r>
             <a:r>
               <a:rPr kumimoji="1" lang="zh-CN" altLang="en-US" sz="2400" dirty="0"/>
-              <a:t> </a:t>
+              <a:t> 是</a:t>
             </a:r>
             <a:r>
               <a:rPr kumimoji="1" lang="en-US" altLang="zh-CN" sz="2400" dirty="0"/>
-              <a:t>case:</a:t>
+              <a:t>NULL</a:t>
             </a:r>
             <a:r>
               <a:rPr kumimoji="1" lang="zh-CN" altLang="en-US" sz="2400" dirty="0"/>
-              <a:t> 到达了空节点 </a:t>
-            </a:r>
-            <a:r>
-              <a:rPr kumimoji="1" lang="en-US" altLang="zh-CN" sz="2400" dirty="0">
-                <a:sym typeface="Wingdings" pitchFamily="2" charset="2"/>
-              </a:rPr>
-              <a:t></a:t>
-            </a:r>
-            <a:r>
-              <a:rPr kumimoji="1" lang="zh-CN" altLang="en-US" sz="2400" dirty="0">
-                <a:sym typeface="Wingdings" pitchFamily="2" charset="2"/>
-              </a:rPr>
-              <a:t> 正好把节点插进去</a:t>
-            </a:r>
-            <a:endParaRPr kumimoji="1" lang="zh-CN" altLang="en-US" sz="2400" dirty="0"/>
+              <a:t>就没找到了</a:t>
+            </a:r>
           </a:p>
         </p:txBody>
       </p:sp>
@@ -5021,7 +6780,7 @@
           <p:cNvPr id="5" name="Picture 4">
             <a:extLst>
               <a:ext uri="{FF2B5EF4-FFF2-40B4-BE49-F238E27FC236}">
-                <a16:creationId xmlns:a16="http://schemas.microsoft.com/office/drawing/2014/main" id="{BDCAAE8B-3FD3-4882-62D3-624E786CA684}"/>
+                <a16:creationId xmlns:a16="http://schemas.microsoft.com/office/drawing/2014/main" id="{49900DCB-91E0-AB78-8A6E-E721F642F8C8}"/>
               </a:ext>
             </a:extLst>
           </p:cNvPr>
@@ -5038,7 +6797,7 @@
         </p:blipFill>
         <p:spPr>
           <a:xfrm rot="16200000" flipV="1">
-            <a:off x="518044" y="4028559"/>
+            <a:off x="111642" y="3870514"/>
             <a:ext cx="2639608" cy="1440491"/>
           </a:xfrm>
           <a:prstGeom prst="rect">
@@ -5048,10 +6807,10 @@
       </p:pic>
       <p:pic>
         <p:nvPicPr>
-          <p:cNvPr id="7" name="Picture 6">
-            <a:extLst>
-              <a:ext uri="{FF2B5EF4-FFF2-40B4-BE49-F238E27FC236}">
-                <a16:creationId xmlns:a16="http://schemas.microsoft.com/office/drawing/2014/main" id="{2BB00342-4E4D-538A-85AF-DCE54845C2E0}"/>
+          <p:cNvPr id="6" name="Picture 5">
+            <a:extLst>
+              <a:ext uri="{FF2B5EF4-FFF2-40B4-BE49-F238E27FC236}">
+                <a16:creationId xmlns:a16="http://schemas.microsoft.com/office/drawing/2014/main" id="{DE0DE5DE-010A-078E-61FF-E14CADB91D0A}"/>
               </a:ext>
             </a:extLst>
           </p:cNvPr>
@@ -5068,28 +6827,18 @@
         </p:blipFill>
         <p:spPr>
           <a:xfrm>
-            <a:off x="3382633" y="3612956"/>
-            <a:ext cx="5132717" cy="2455653"/>
+            <a:off x="2872827" y="3429000"/>
+            <a:ext cx="6178550" cy="2293902"/>
           </a:xfrm>
           <a:prstGeom prst="rect">
             <a:avLst/>
           </a:prstGeom>
-          <a:ln>
-            <a:noFill/>
-          </a:ln>
-          <a:effectLst>
-            <a:outerShdw blurRad="292100" dist="139700" dir="2700000" algn="tl" rotWithShape="0">
-              <a:srgbClr val="333333">
-                <a:alpha val="65000"/>
-              </a:srgbClr>
-            </a:outerShdw>
-          </a:effectLst>
         </p:spPr>
       </p:pic>
     </p:spTree>
     <p:extLst>
       <p:ext uri="{BB962C8B-B14F-4D97-AF65-F5344CB8AC3E}">
-        <p14:creationId xmlns:p14="http://schemas.microsoft.com/office/powerpoint/2010/main" val="844710776"/>
+        <p14:creationId xmlns:p14="http://schemas.microsoft.com/office/powerpoint/2010/main" val="2869693128"/>
       </p:ext>
     </p:extLst>
   </p:cSld>
@@ -5121,7 +6870,7 @@
           <p:cNvPr id="2" name="Slide Number Placeholder 1">
             <a:extLst>
               <a:ext uri="{FF2B5EF4-FFF2-40B4-BE49-F238E27FC236}">
-                <a16:creationId xmlns:a16="http://schemas.microsoft.com/office/drawing/2014/main" id="{A864DFF6-6406-C00B-0820-38BBAA925B2E}"/>
+                <a16:creationId xmlns:a16="http://schemas.microsoft.com/office/drawing/2014/main" id="{17EC57C2-188E-074A-B457-0ED239BDC921}"/>
               </a:ext>
             </a:extLst>
           </p:cNvPr>
@@ -5151,7 +6900,7 @@
           <p:cNvPr id="3" name="Title 2">
             <a:extLst>
               <a:ext uri="{FF2B5EF4-FFF2-40B4-BE49-F238E27FC236}">
-                <a16:creationId xmlns:a16="http://schemas.microsoft.com/office/drawing/2014/main" id="{1C89E1AD-C54D-0A5E-7C41-1E4F4BBA883A}"/>
+                <a16:creationId xmlns:a16="http://schemas.microsoft.com/office/drawing/2014/main" id="{7D355FD8-C8F6-7CBE-CA99-48655478D159}"/>
               </a:ext>
             </a:extLst>
           </p:cNvPr>
@@ -5169,17 +6918,17 @@
           <a:p>
             <a:r>
               <a:rPr kumimoji="1" lang="zh-CN" altLang="en-US" dirty="0"/>
-              <a:t>查找一个节点</a:t>
-            </a:r>
-          </a:p>
-        </p:txBody>
-      </p:sp>
-      <p:sp>
-        <p:nvSpPr>
-          <p:cNvPr id="4" name="TextBox 3">
-            <a:extLst>
-              <a:ext uri="{FF2B5EF4-FFF2-40B4-BE49-F238E27FC236}">
-                <a16:creationId xmlns:a16="http://schemas.microsoft.com/office/drawing/2014/main" id="{B8AC6BCB-45C2-13F9-3981-EE1BD0F256DC}"/>
+              <a:t>可视化验证</a:t>
+            </a:r>
+          </a:p>
+        </p:txBody>
+      </p:sp>
+      <p:sp>
+        <p:nvSpPr>
+          <p:cNvPr id="7" name="TextBox 6">
+            <a:extLst>
+              <a:ext uri="{FF2B5EF4-FFF2-40B4-BE49-F238E27FC236}">
+                <a16:creationId xmlns:a16="http://schemas.microsoft.com/office/drawing/2014/main" id="{7F8115E8-139E-9F5D-CB43-203D1A06D3FA}"/>
               </a:ext>
             </a:extLst>
           </p:cNvPr>
@@ -5188,8 +6937,8 @@
         </p:nvSpPr>
         <p:spPr>
           <a:xfrm>
-            <a:off x="711200" y="1173288"/>
-            <a:ext cx="5883342" cy="1938992"/>
+            <a:off x="1642533" y="1358879"/>
+            <a:ext cx="5858934" cy="369332"/>
           </a:xfrm>
           <a:prstGeom prst="rect">
             <a:avLst/>
@@ -5197,153 +6946,30 @@
           <a:noFill/>
         </p:spPr>
         <p:txBody>
-          <a:bodyPr wrap="none" rtlCol="0">
+          <a:bodyPr wrap="square">
             <a:spAutoFit/>
           </a:bodyPr>
           <a:lstStyle/>
           <a:p>
-            <a:pPr marL="342900" indent="-342900" algn="l">
-              <a:buFont typeface="Arial" panose="020B0604020202020204" pitchFamily="34" charset="0"/>
-              <a:buChar char="•"/>
-            </a:pPr>
-            <a:r>
-              <a:rPr kumimoji="1" lang="zh-CN" altLang="en-US" sz="2400" dirty="0"/>
-              <a:t>例子</a:t>
-            </a:r>
-            <a:r>
-              <a:rPr kumimoji="1" lang="en-US" altLang="zh-CN" sz="2400" dirty="0"/>
-              <a:t>:</a:t>
-            </a:r>
-            <a:r>
-              <a:rPr kumimoji="1" lang="zh-CN" altLang="en-US" sz="2400" dirty="0"/>
-              <a:t> 在下面的二叉树中增加 </a:t>
-            </a:r>
-            <a:r>
-              <a:rPr kumimoji="1" lang="en-US" altLang="zh-CN" sz="2400" dirty="0"/>
-              <a:t>“10”,</a:t>
-            </a:r>
-            <a:r>
-              <a:rPr kumimoji="1" lang="zh-CN" altLang="en-US" sz="2400" dirty="0"/>
+            <a:r>
+              <a:rPr lang="zh-CN" altLang="en-US" dirty="0">
+                <a:hlinkClick r:id="rId2"/>
+              </a:rPr>
+              <a:t>https://www.cs.usfca.edu/~galles/visualization/BST.html</a:t>
+            </a:r>
+            <a:r>
+              <a:rPr lang="zh-CN" altLang="en-US" dirty="0"/>
               <a:t> </a:t>
-            </a:r>
-            <a:r>
-              <a:rPr kumimoji="1" lang="en-US" altLang="zh-CN" sz="2400" dirty="0"/>
-              <a:t>“3”</a:t>
-            </a:r>
-          </a:p>
-          <a:p>
-            <a:pPr marL="800100" lvl="1" indent="-342900">
-              <a:buFont typeface="Arial" panose="020B0604020202020204" pitchFamily="34" charset="0"/>
-              <a:buChar char="•"/>
-            </a:pPr>
-            <a:r>
-              <a:rPr kumimoji="1" lang="zh-CN" altLang="en-US" sz="2400" dirty="0"/>
-              <a:t>使用刚刚的定义</a:t>
-            </a:r>
-            <a:endParaRPr kumimoji="1" lang="en-US" altLang="zh-CN" sz="2400" dirty="0"/>
-          </a:p>
-          <a:p>
-            <a:pPr marL="1257300" lvl="2" indent="-342900">
-              <a:buFont typeface="Arial" panose="020B0604020202020204" pitchFamily="34" charset="0"/>
-              <a:buChar char="•"/>
-            </a:pPr>
-            <a:r>
-              <a:rPr kumimoji="1" lang="zh-CN" altLang="en-US" sz="2400" dirty="0"/>
-              <a:t>小于</a:t>
-            </a:r>
-            <a:r>
-              <a:rPr kumimoji="1" lang="en-US" altLang="zh-CN" sz="2400" dirty="0"/>
-              <a:t>?</a:t>
-            </a:r>
-            <a:r>
-              <a:rPr kumimoji="1" lang="zh-CN" altLang="en-US" sz="2400" dirty="0"/>
-              <a:t> 往左看</a:t>
-            </a:r>
-            <a:endParaRPr kumimoji="1" lang="en-US" altLang="zh-CN" sz="2400" dirty="0"/>
-          </a:p>
-          <a:p>
-            <a:pPr marL="1257300" lvl="2" indent="-342900">
-              <a:buFont typeface="Arial" panose="020B0604020202020204" pitchFamily="34" charset="0"/>
-              <a:buChar char="•"/>
-            </a:pPr>
-            <a:r>
-              <a:rPr kumimoji="1" lang="zh-CN" altLang="en-US" sz="2400" dirty="0"/>
-              <a:t>大于</a:t>
-            </a:r>
-            <a:r>
-              <a:rPr kumimoji="1" lang="en-US" altLang="zh-CN" sz="2400" dirty="0"/>
-              <a:t>?</a:t>
-            </a:r>
-            <a:r>
-              <a:rPr kumimoji="1" lang="zh-CN" altLang="en-US" sz="2400" dirty="0"/>
-              <a:t> 往右看</a:t>
-            </a:r>
-            <a:endParaRPr kumimoji="1" lang="en-US" altLang="zh-CN" sz="2400" dirty="0"/>
-          </a:p>
-          <a:p>
-            <a:pPr marL="1257300" lvl="2" indent="-342900">
-              <a:buFont typeface="Arial" panose="020B0604020202020204" pitchFamily="34" charset="0"/>
-              <a:buChar char="•"/>
-            </a:pPr>
-            <a:r>
-              <a:rPr kumimoji="1" lang="zh-CN" altLang="en-US" sz="2400" dirty="0"/>
-              <a:t>找到了好诶</a:t>
-            </a:r>
-            <a:r>
-              <a:rPr kumimoji="1" lang="en-US" altLang="zh-CN" sz="2400" dirty="0"/>
-              <a:t>!</a:t>
-            </a:r>
-            <a:r>
-              <a:rPr kumimoji="1" lang="zh-CN" altLang="en-US" sz="2400" dirty="0"/>
-              <a:t> 是</a:t>
-            </a:r>
-            <a:r>
-              <a:rPr kumimoji="1" lang="en-US" altLang="zh-CN" sz="2400" dirty="0"/>
-              <a:t>NULL</a:t>
-            </a:r>
-            <a:r>
-              <a:rPr kumimoji="1" lang="zh-CN" altLang="en-US" sz="2400" dirty="0"/>
-              <a:t>就没找到了</a:t>
             </a:r>
           </a:p>
         </p:txBody>
       </p:sp>
       <p:pic>
         <p:nvPicPr>
-          <p:cNvPr id="5" name="Picture 4">
-            <a:extLst>
-              <a:ext uri="{FF2B5EF4-FFF2-40B4-BE49-F238E27FC236}">
-                <a16:creationId xmlns:a16="http://schemas.microsoft.com/office/drawing/2014/main" id="{49900DCB-91E0-AB78-8A6E-E721F642F8C8}"/>
-              </a:ext>
-            </a:extLst>
-          </p:cNvPr>
-          <p:cNvPicPr>
-            <a:picLocks noChangeAspect="1"/>
-          </p:cNvPicPr>
-          <p:nvPr/>
-        </p:nvPicPr>
-        <p:blipFill>
-          <a:blip r:embed="rId2"/>
-          <a:stretch>
-            <a:fillRect/>
-          </a:stretch>
-        </p:blipFill>
-        <p:spPr>
-          <a:xfrm rot="16200000" flipV="1">
-            <a:off x="111642" y="3870514"/>
-            <a:ext cx="2639608" cy="1440491"/>
-          </a:xfrm>
-          <a:prstGeom prst="rect">
-            <a:avLst/>
-          </a:prstGeom>
-        </p:spPr>
-      </p:pic>
-      <p:pic>
-        <p:nvPicPr>
-          <p:cNvPr id="6" name="Picture 5">
-            <a:extLst>
-              <a:ext uri="{FF2B5EF4-FFF2-40B4-BE49-F238E27FC236}">
-                <a16:creationId xmlns:a16="http://schemas.microsoft.com/office/drawing/2014/main" id="{DE0DE5DE-010A-078E-61FF-E14CADB91D0A}"/>
+          <p:cNvPr id="8" name="Picture 7">
+            <a:extLst>
+              <a:ext uri="{FF2B5EF4-FFF2-40B4-BE49-F238E27FC236}">
+                <a16:creationId xmlns:a16="http://schemas.microsoft.com/office/drawing/2014/main" id="{81FEB04E-EBAC-1C6E-5C64-E38E9F76CCF1}"/>
               </a:ext>
             </a:extLst>
           </p:cNvPr>
@@ -5360,8 +6986,8 @@
         </p:blipFill>
         <p:spPr>
           <a:xfrm>
-            <a:off x="2872827" y="3429000"/>
-            <a:ext cx="6178550" cy="2293902"/>
+            <a:off x="3162300" y="1954790"/>
+            <a:ext cx="2819400" cy="3175000"/>
           </a:xfrm>
           <a:prstGeom prst="rect">
             <a:avLst/>
@@ -5371,7 +6997,7 @@
     </p:spTree>
     <p:extLst>
       <p:ext uri="{BB962C8B-B14F-4D97-AF65-F5344CB8AC3E}">
-        <p14:creationId xmlns:p14="http://schemas.microsoft.com/office/powerpoint/2010/main" val="2869693128"/>
+        <p14:creationId xmlns:p14="http://schemas.microsoft.com/office/powerpoint/2010/main" val="2343141956"/>
       </p:ext>
     </p:extLst>
   </p:cSld>
@@ -5403,7 +7029,7 @@
           <p:cNvPr id="2" name="Slide Number Placeholder 1">
             <a:extLst>
               <a:ext uri="{FF2B5EF4-FFF2-40B4-BE49-F238E27FC236}">
-                <a16:creationId xmlns:a16="http://schemas.microsoft.com/office/drawing/2014/main" id="{17EC57C2-188E-074A-B457-0ED239BDC921}"/>
+                <a16:creationId xmlns:a16="http://schemas.microsoft.com/office/drawing/2014/main" id="{B72B23B9-FA50-032A-20CB-FE44E3529415}"/>
               </a:ext>
             </a:extLst>
           </p:cNvPr>
@@ -5430,10 +7056,10 @@
       </p:sp>
       <p:sp>
         <p:nvSpPr>
-          <p:cNvPr id="3" name="Title 2">
-            <a:extLst>
-              <a:ext uri="{FF2B5EF4-FFF2-40B4-BE49-F238E27FC236}">
-                <a16:creationId xmlns:a16="http://schemas.microsoft.com/office/drawing/2014/main" id="{7D355FD8-C8F6-7CBE-CA99-48655478D159}"/>
+          <p:cNvPr id="4" name="Title 3">
+            <a:extLst>
+              <a:ext uri="{FF2B5EF4-FFF2-40B4-BE49-F238E27FC236}">
+                <a16:creationId xmlns:a16="http://schemas.microsoft.com/office/drawing/2014/main" id="{04004468-4226-1D9F-6B88-AE4DF9E83D17}"/>
               </a:ext>
             </a:extLst>
           </p:cNvPr>
@@ -5450,87 +7076,16 @@
           <a:lstStyle/>
           <a:p>
             <a:r>
-              <a:rPr kumimoji="1" lang="zh-CN" altLang="en-US" dirty="0"/>
-              <a:t>可视化验证</a:t>
-            </a:r>
-          </a:p>
-        </p:txBody>
-      </p:sp>
-      <p:sp>
-        <p:nvSpPr>
-          <p:cNvPr id="7" name="TextBox 6">
-            <a:extLst>
-              <a:ext uri="{FF2B5EF4-FFF2-40B4-BE49-F238E27FC236}">
-                <a16:creationId xmlns:a16="http://schemas.microsoft.com/office/drawing/2014/main" id="{7F8115E8-139E-9F5D-CB43-203D1A06D3FA}"/>
-              </a:ext>
-            </a:extLst>
-          </p:cNvPr>
-          <p:cNvSpPr txBox="1"/>
-          <p:nvPr/>
-        </p:nvSpPr>
-        <p:spPr>
-          <a:xfrm>
-            <a:off x="1642533" y="1358879"/>
-            <a:ext cx="5858934" cy="369332"/>
-          </a:xfrm>
-          <a:prstGeom prst="rect">
-            <a:avLst/>
-          </a:prstGeom>
-          <a:noFill/>
-        </p:spPr>
-        <p:txBody>
-          <a:bodyPr wrap="square">
-            <a:spAutoFit/>
-          </a:bodyPr>
-          <a:lstStyle/>
-          <a:p>
-            <a:r>
-              <a:rPr lang="zh-CN" altLang="en-US" dirty="0">
-                <a:hlinkClick r:id="rId2"/>
-              </a:rPr>
-              <a:t>https://www.cs.usfca.edu/~galles/visualization/BST.html</a:t>
-            </a:r>
-            <a:r>
               <a:rPr lang="zh-CN" altLang="en-US" dirty="0"/>
-              <a:t> </a:t>
-            </a:r>
-          </a:p>
-        </p:txBody>
-      </p:sp>
-      <p:pic>
-        <p:nvPicPr>
-          <p:cNvPr id="8" name="Picture 7">
-            <a:extLst>
-              <a:ext uri="{FF2B5EF4-FFF2-40B4-BE49-F238E27FC236}">
-                <a16:creationId xmlns:a16="http://schemas.microsoft.com/office/drawing/2014/main" id="{81FEB04E-EBAC-1C6E-5C64-E38E9F76CCF1}"/>
-              </a:ext>
-            </a:extLst>
-          </p:cNvPr>
-          <p:cNvPicPr>
-            <a:picLocks noChangeAspect="1"/>
-          </p:cNvPicPr>
-          <p:nvPr/>
-        </p:nvPicPr>
-        <p:blipFill>
-          <a:blip r:embed="rId3"/>
-          <a:stretch>
-            <a:fillRect/>
-          </a:stretch>
-        </p:blipFill>
-        <p:spPr>
-          <a:xfrm>
-            <a:off x="3162300" y="1954790"/>
-            <a:ext cx="2819400" cy="3175000"/>
-          </a:xfrm>
-          <a:prstGeom prst="rect">
-            <a:avLst/>
-          </a:prstGeom>
-        </p:spPr>
-      </p:pic>
+              <a:t>删除一个值</a:t>
+            </a:r>
+          </a:p>
+        </p:txBody>
+      </p:sp>
     </p:spTree>
     <p:extLst>
       <p:ext uri="{BB962C8B-B14F-4D97-AF65-F5344CB8AC3E}">
-        <p14:creationId xmlns:p14="http://schemas.microsoft.com/office/powerpoint/2010/main" val="2343141956"/>
+        <p14:creationId xmlns:p14="http://schemas.microsoft.com/office/powerpoint/2010/main" val="2141308570"/>
       </p:ext>
     </p:extLst>
   </p:cSld>
@@ -5562,7 +7117,7 @@
           <p:cNvPr id="2" name="Slide Number Placeholder 1">
             <a:extLst>
               <a:ext uri="{FF2B5EF4-FFF2-40B4-BE49-F238E27FC236}">
-                <a16:creationId xmlns:a16="http://schemas.microsoft.com/office/drawing/2014/main" id="{B72B23B9-FA50-032A-20CB-FE44E3529415}"/>
+                <a16:creationId xmlns:a16="http://schemas.microsoft.com/office/drawing/2014/main" id="{89AAE84D-2485-CF9F-3C55-4BB72A9D09EC}"/>
               </a:ext>
             </a:extLst>
           </p:cNvPr>
@@ -5589,10 +7144,10 @@
       </p:sp>
       <p:sp>
         <p:nvSpPr>
-          <p:cNvPr id="4" name="Title 3">
-            <a:extLst>
-              <a:ext uri="{FF2B5EF4-FFF2-40B4-BE49-F238E27FC236}">
-                <a16:creationId xmlns:a16="http://schemas.microsoft.com/office/drawing/2014/main" id="{04004468-4226-1D9F-6B88-AE4DF9E83D17}"/>
+          <p:cNvPr id="3" name="Title 2">
+            <a:extLst>
+              <a:ext uri="{FF2B5EF4-FFF2-40B4-BE49-F238E27FC236}">
+                <a16:creationId xmlns:a16="http://schemas.microsoft.com/office/drawing/2014/main" id="{3218E4D4-079B-13DD-D790-9CC52A0D1664}"/>
               </a:ext>
             </a:extLst>
           </p:cNvPr>
@@ -5609,8 +7164,256 @@
           <a:lstStyle/>
           <a:p>
             <a:r>
-              <a:rPr lang="zh-CN" altLang="en-US" dirty="0"/>
-              <a:t>删除一个值</a:t>
+              <a:rPr kumimoji="1" lang="zh-CN" altLang="en-US" dirty="0"/>
+              <a:t>例子</a:t>
+            </a:r>
+          </a:p>
+        </p:txBody>
+      </p:sp>
+      <p:pic>
+        <p:nvPicPr>
+          <p:cNvPr id="4" name="Picture 3">
+            <a:extLst>
+              <a:ext uri="{FF2B5EF4-FFF2-40B4-BE49-F238E27FC236}">
+                <a16:creationId xmlns:a16="http://schemas.microsoft.com/office/drawing/2014/main" id="{349B263A-1E62-746A-B8B8-0607816BF99F}"/>
+              </a:ext>
+            </a:extLst>
+          </p:cNvPr>
+          <p:cNvPicPr>
+            <a:picLocks noChangeAspect="1"/>
+          </p:cNvPicPr>
+          <p:nvPr/>
+        </p:nvPicPr>
+        <p:blipFill>
+          <a:blip r:embed="rId2"/>
+          <a:stretch>
+            <a:fillRect/>
+          </a:stretch>
+        </p:blipFill>
+        <p:spPr>
+          <a:xfrm>
+            <a:off x="628650" y="1841500"/>
+            <a:ext cx="2819400" cy="3175000"/>
+          </a:xfrm>
+          <a:prstGeom prst="rect">
+            <a:avLst/>
+          </a:prstGeom>
+        </p:spPr>
+      </p:pic>
+      <p:cxnSp>
+        <p:nvCxnSpPr>
+          <p:cNvPr id="6" name="Straight Arrow Connector 5">
+            <a:extLst>
+              <a:ext uri="{FF2B5EF4-FFF2-40B4-BE49-F238E27FC236}">
+                <a16:creationId xmlns:a16="http://schemas.microsoft.com/office/drawing/2014/main" id="{07BFF2C1-2B4F-7134-DF7C-E689CCEF6A44}"/>
+              </a:ext>
+            </a:extLst>
+          </p:cNvPr>
+          <p:cNvCxnSpPr/>
+          <p:nvPr/>
+        </p:nvCxnSpPr>
+        <p:spPr>
+          <a:xfrm flipV="1">
+            <a:off x="2388305" y="2878667"/>
+            <a:ext cx="699911" cy="349955"/>
+          </a:xfrm>
+          <a:prstGeom prst="straightConnector1">
+            <a:avLst/>
+          </a:prstGeom>
+          <a:ln w="57150">
+            <a:solidFill>
+              <a:srgbClr val="FF0000"/>
+            </a:solidFill>
+            <a:tailEnd type="triangle"/>
+          </a:ln>
+        </p:spPr>
+        <p:style>
+          <a:lnRef idx="1">
+            <a:schemeClr val="accent1"/>
+          </a:lnRef>
+          <a:fillRef idx="0">
+            <a:schemeClr val="accent1"/>
+          </a:fillRef>
+          <a:effectRef idx="0">
+            <a:schemeClr val="accent1"/>
+          </a:effectRef>
+          <a:fontRef idx="minor">
+            <a:schemeClr val="tx1"/>
+          </a:fontRef>
+        </p:style>
+      </p:cxnSp>
+      <p:pic>
+        <p:nvPicPr>
+          <p:cNvPr id="10" name="Picture 9">
+            <a:extLst>
+              <a:ext uri="{FF2B5EF4-FFF2-40B4-BE49-F238E27FC236}">
+                <a16:creationId xmlns:a16="http://schemas.microsoft.com/office/drawing/2014/main" id="{01C62857-3925-6D60-BD63-7ABF4FF4A223}"/>
+              </a:ext>
+            </a:extLst>
+          </p:cNvPr>
+          <p:cNvPicPr>
+            <a:picLocks noChangeAspect="1"/>
+          </p:cNvPicPr>
+          <p:nvPr/>
+        </p:nvPicPr>
+        <p:blipFill>
+          <a:blip r:embed="rId3"/>
+          <a:stretch>
+            <a:fillRect/>
+          </a:stretch>
+        </p:blipFill>
+        <p:spPr>
+          <a:xfrm>
+            <a:off x="5409494" y="2311400"/>
+            <a:ext cx="2108200" cy="2235200"/>
+          </a:xfrm>
+          <a:prstGeom prst="rect">
+            <a:avLst/>
+          </a:prstGeom>
+        </p:spPr>
+      </p:pic>
+      <p:sp>
+        <p:nvSpPr>
+          <p:cNvPr id="11" name="Right Arrow 10">
+            <a:extLst>
+              <a:ext uri="{FF2B5EF4-FFF2-40B4-BE49-F238E27FC236}">
+                <a16:creationId xmlns:a16="http://schemas.microsoft.com/office/drawing/2014/main" id="{103235A3-A90B-DEF8-1B34-353A2480AEAE}"/>
+              </a:ext>
+            </a:extLst>
+          </p:cNvPr>
+          <p:cNvSpPr/>
+          <p:nvPr/>
+        </p:nvSpPr>
+        <p:spPr>
+          <a:xfrm>
+            <a:off x="3912305" y="3228622"/>
+            <a:ext cx="1295400" cy="417689"/>
+          </a:xfrm>
+          <a:prstGeom prst="rightArrow">
+            <a:avLst/>
+          </a:prstGeom>
+        </p:spPr>
+        <p:style>
+          <a:lnRef idx="2">
+            <a:schemeClr val="accent5"/>
+          </a:lnRef>
+          <a:fillRef idx="1">
+            <a:schemeClr val="lt1"/>
+          </a:fillRef>
+          <a:effectRef idx="0">
+            <a:schemeClr val="accent5"/>
+          </a:effectRef>
+          <a:fontRef idx="minor">
+            <a:schemeClr val="dk1"/>
+          </a:fontRef>
+        </p:style>
+        <p:txBody>
+          <a:bodyPr rtlCol="0" anchor="t"/>
+          <a:lstStyle/>
+          <a:p>
+            <a:pPr algn="l"/>
+            <a:endParaRPr kumimoji="1" lang="zh-CN" altLang="en-US" sz="1600" dirty="0">
+              <a:latin typeface="Consolas" panose="020B0609020204030204" pitchFamily="49" charset="0"/>
+              <a:ea typeface="FangSong" panose="02010609060101010101" pitchFamily="49" charset="-122"/>
+              <a:cs typeface="Consolas" panose="020B0609020204030204" pitchFamily="49" charset="0"/>
+            </a:endParaRPr>
+          </a:p>
+        </p:txBody>
+      </p:sp>
+      <p:sp>
+        <p:nvSpPr>
+          <p:cNvPr id="12" name="TextBox 11">
+            <a:extLst>
+              <a:ext uri="{FF2B5EF4-FFF2-40B4-BE49-F238E27FC236}">
+                <a16:creationId xmlns:a16="http://schemas.microsoft.com/office/drawing/2014/main" id="{F75E4E82-3993-72CF-519D-7A00F464E1E7}"/>
+              </a:ext>
+            </a:extLst>
+          </p:cNvPr>
+          <p:cNvSpPr txBox="1"/>
+          <p:nvPr/>
+        </p:nvSpPr>
+        <p:spPr>
+          <a:xfrm>
+            <a:off x="638528" y="5192354"/>
+            <a:ext cx="6112571" cy="461665"/>
+          </a:xfrm>
+          <a:prstGeom prst="rect">
+            <a:avLst/>
+          </a:prstGeom>
+          <a:noFill/>
+        </p:spPr>
+        <p:txBody>
+          <a:bodyPr wrap="none" rtlCol="0">
+            <a:spAutoFit/>
+          </a:bodyPr>
+          <a:lstStyle/>
+          <a:p>
+            <a:pPr marL="342900" indent="-342900" algn="l">
+              <a:buFont typeface="Arial" panose="020B0604020202020204" pitchFamily="34" charset="0"/>
+              <a:buChar char="•"/>
+            </a:pPr>
+            <a:r>
+              <a:rPr kumimoji="1" lang="zh-CN" altLang="en-US" sz="2400" dirty="0"/>
+              <a:t>如果要删除的节点挂了两个孩子</a:t>
+            </a:r>
+            <a:r>
+              <a:rPr kumimoji="1" lang="en-US" altLang="zh-CN" sz="2400" dirty="0"/>
+              <a:t>,</a:t>
+            </a:r>
+            <a:r>
+              <a:rPr kumimoji="1" lang="zh-CN" altLang="en-US" sz="2400" dirty="0"/>
+              <a:t> 怎么办</a:t>
+            </a:r>
+            <a:r>
+              <a:rPr kumimoji="1" lang="en-US" altLang="zh-CN" sz="2400" dirty="0"/>
+              <a:t>?</a:t>
+            </a:r>
+          </a:p>
+        </p:txBody>
+      </p:sp>
+      <p:sp>
+        <p:nvSpPr>
+          <p:cNvPr id="13" name="TextBox 12">
+            <a:extLst>
+              <a:ext uri="{FF2B5EF4-FFF2-40B4-BE49-F238E27FC236}">
+                <a16:creationId xmlns:a16="http://schemas.microsoft.com/office/drawing/2014/main" id="{7C588B8C-DA49-DD65-31A6-7DD81AA1DE2D}"/>
+              </a:ext>
+            </a:extLst>
+          </p:cNvPr>
+          <p:cNvSpPr txBox="1"/>
+          <p:nvPr/>
+        </p:nvSpPr>
+        <p:spPr>
+          <a:xfrm>
+            <a:off x="638528" y="1203981"/>
+            <a:ext cx="1931939" cy="461665"/>
+          </a:xfrm>
+          <a:prstGeom prst="rect">
+            <a:avLst/>
+          </a:prstGeom>
+          <a:noFill/>
+        </p:spPr>
+        <p:txBody>
+          <a:bodyPr wrap="none" rtlCol="0">
+            <a:spAutoFit/>
+          </a:bodyPr>
+          <a:lstStyle/>
+          <a:p>
+            <a:pPr marL="342900" indent="-342900" algn="l">
+              <a:buFont typeface="Arial" panose="020B0604020202020204" pitchFamily="34" charset="0"/>
+              <a:buChar char="•"/>
+            </a:pPr>
+            <a:r>
+              <a:rPr kumimoji="1" lang="zh-CN" altLang="en-US" sz="2400" dirty="0"/>
+              <a:t>先玩玩看</a:t>
+            </a:r>
+            <a:r>
+              <a:rPr kumimoji="1" lang="en-US" altLang="zh-CN" sz="2400" dirty="0"/>
+              <a:t>!</a:t>
+            </a:r>
+            <a:r>
+              <a:rPr kumimoji="1" lang="zh-CN" altLang="en-US" sz="2400" dirty="0"/>
+              <a:t> </a:t>
             </a:r>
           </a:p>
         </p:txBody>
@@ -5618,7 +7421,7 @@
     </p:spTree>
     <p:extLst>
       <p:ext uri="{BB962C8B-B14F-4D97-AF65-F5344CB8AC3E}">
-        <p14:creationId xmlns:p14="http://schemas.microsoft.com/office/powerpoint/2010/main" val="2141308570"/>
+        <p14:creationId xmlns:p14="http://schemas.microsoft.com/office/powerpoint/2010/main" val="509900258"/>
       </p:ext>
     </p:extLst>
   </p:cSld>
@@ -5650,7 +7453,7 @@
           <p:cNvPr id="2" name="Slide Number Placeholder 1">
             <a:extLst>
               <a:ext uri="{FF2B5EF4-FFF2-40B4-BE49-F238E27FC236}">
-                <a16:creationId xmlns:a16="http://schemas.microsoft.com/office/drawing/2014/main" id="{89AAE84D-2485-CF9F-3C55-4BB72A9D09EC}"/>
+                <a16:creationId xmlns:a16="http://schemas.microsoft.com/office/drawing/2014/main" id="{E373E668-847D-ED0C-5E50-9EF947EC89FA}"/>
               </a:ext>
             </a:extLst>
           </p:cNvPr>
@@ -5680,7 +7483,7 @@
           <p:cNvPr id="3" name="Title 2">
             <a:extLst>
               <a:ext uri="{FF2B5EF4-FFF2-40B4-BE49-F238E27FC236}">
-                <a16:creationId xmlns:a16="http://schemas.microsoft.com/office/drawing/2014/main" id="{3218E4D4-079B-13DD-D790-9CC52A0D1664}"/>
+                <a16:creationId xmlns:a16="http://schemas.microsoft.com/office/drawing/2014/main" id="{81A1DD38-946C-5041-5FA6-5E3ADB592241}"/>
               </a:ext>
             </a:extLst>
           </p:cNvPr>
@@ -5697,18 +7500,247 @@
           <a:lstStyle/>
           <a:p>
             <a:r>
+              <a:rPr kumimoji="1" lang="en-US" altLang="zh-CN" dirty="0"/>
+              <a:t>By</a:t>
+            </a:r>
+            <a:r>
               <a:rPr kumimoji="1" lang="zh-CN" altLang="en-US" dirty="0"/>
-              <a:t>例子</a:t>
-            </a:r>
+              <a:t> </a:t>
+            </a:r>
+            <a:r>
+              <a:rPr kumimoji="1" lang="en-US" altLang="zh-CN" dirty="0"/>
+              <a:t>case</a:t>
+            </a:r>
+            <a:r>
+              <a:rPr kumimoji="1" lang="zh-CN" altLang="en-US" dirty="0"/>
+              <a:t> </a:t>
+            </a:r>
+            <a:r>
+              <a:rPr kumimoji="1" lang="en-US" altLang="zh-CN" dirty="0"/>
+              <a:t>analysis!</a:t>
+            </a:r>
+            <a:r>
+              <a:rPr kumimoji="1" lang="zh-CN" altLang="en-US" dirty="0"/>
+              <a:t> </a:t>
+            </a:r>
+          </a:p>
+        </p:txBody>
+      </p:sp>
+      <p:sp>
+        <p:nvSpPr>
+          <p:cNvPr id="4" name="TextBox 3">
+            <a:extLst>
+              <a:ext uri="{FF2B5EF4-FFF2-40B4-BE49-F238E27FC236}">
+                <a16:creationId xmlns:a16="http://schemas.microsoft.com/office/drawing/2014/main" id="{50B0B41C-176F-67FB-D05E-790186DF1E49}"/>
+              </a:ext>
+            </a:extLst>
+          </p:cNvPr>
+          <p:cNvSpPr txBox="1"/>
+          <p:nvPr/>
+        </p:nvSpPr>
+        <p:spPr>
+          <a:xfrm>
+            <a:off x="812800" y="1411111"/>
+            <a:ext cx="5455340" cy="3785652"/>
+          </a:xfrm>
+          <a:prstGeom prst="rect">
+            <a:avLst/>
+          </a:prstGeom>
+          <a:noFill/>
+        </p:spPr>
+        <p:txBody>
+          <a:bodyPr wrap="none" rtlCol="0">
+            <a:spAutoFit/>
+          </a:bodyPr>
+          <a:lstStyle/>
+          <a:p>
+            <a:pPr marL="342900" indent="-342900" algn="l">
+              <a:buFont typeface="Arial" panose="020B0604020202020204" pitchFamily="34" charset="0"/>
+              <a:buChar char="•"/>
+            </a:pPr>
+            <a:r>
+              <a:rPr kumimoji="1" lang="zh-CN" altLang="en-US" sz="2400" dirty="0"/>
+              <a:t>按照要删除的节点挂了</a:t>
+            </a:r>
+            <a:r>
+              <a:rPr kumimoji="1" lang="zh-CN" altLang="en-US" sz="2400" dirty="0">
+                <a:solidFill>
+                  <a:srgbClr val="FF0000"/>
+                </a:solidFill>
+              </a:rPr>
+              <a:t>几个孩子</a:t>
+            </a:r>
+            <a:r>
+              <a:rPr kumimoji="1" lang="zh-CN" altLang="en-US" sz="2400" dirty="0"/>
+              <a:t>分为</a:t>
+            </a:r>
+            <a:endParaRPr kumimoji="1" lang="en-US" altLang="zh-CN" sz="2400" dirty="0"/>
+          </a:p>
+          <a:p>
+            <a:pPr marL="800100" lvl="1" indent="-342900">
+              <a:buFont typeface="Arial" panose="020B0604020202020204" pitchFamily="34" charset="0"/>
+              <a:buChar char="•"/>
+            </a:pPr>
+            <a:r>
+              <a:rPr kumimoji="1" lang="en-US" altLang="zh-CN" sz="2400" dirty="0">
+                <a:solidFill>
+                  <a:srgbClr val="FF0000"/>
+                </a:solidFill>
+              </a:rPr>
+              <a:t>0</a:t>
+            </a:r>
+            <a:r>
+              <a:rPr kumimoji="1" lang="en-US" altLang="zh-CN" sz="2400" dirty="0"/>
+              <a:t>:</a:t>
+            </a:r>
+            <a:r>
+              <a:rPr kumimoji="1" lang="zh-CN" altLang="en-US" sz="2400" dirty="0"/>
+              <a:t> 直接删去</a:t>
+            </a:r>
+            <a:endParaRPr kumimoji="1" lang="en-US" altLang="zh-CN" sz="2400" dirty="0"/>
+          </a:p>
+          <a:p>
+            <a:pPr marL="1257300" lvl="2" indent="-342900">
+              <a:buFont typeface="Arial" panose="020B0604020202020204" pitchFamily="34" charset="0"/>
+              <a:buChar char="•"/>
+            </a:pPr>
+            <a:r>
+              <a:rPr kumimoji="1" lang="zh-CN" altLang="en-US" sz="2400" dirty="0"/>
+              <a:t>保持了</a:t>
+            </a:r>
+            <a:r>
+              <a:rPr kumimoji="1" lang="en-US" altLang="zh-CN" sz="2400" dirty="0"/>
+              <a:t>BST</a:t>
+            </a:r>
+            <a:r>
+              <a:rPr kumimoji="1" lang="zh-CN" altLang="en-US" sz="2400" dirty="0"/>
+              <a:t>的性质吗</a:t>
+            </a:r>
+            <a:r>
+              <a:rPr kumimoji="1" lang="en-US" altLang="zh-CN" sz="2400" dirty="0"/>
+              <a:t>?</a:t>
+            </a:r>
+          </a:p>
+          <a:p>
+            <a:pPr marL="800100" lvl="1" indent="-342900">
+              <a:buFont typeface="Arial" panose="020B0604020202020204" pitchFamily="34" charset="0"/>
+              <a:buChar char="•"/>
+            </a:pPr>
+            <a:r>
+              <a:rPr kumimoji="1" lang="en-US" altLang="zh-CN" sz="2400" dirty="0">
+                <a:solidFill>
+                  <a:srgbClr val="FF0000"/>
+                </a:solidFill>
+              </a:rPr>
+              <a:t>1</a:t>
+            </a:r>
+            <a:r>
+              <a:rPr kumimoji="1" lang="en-US" altLang="zh-CN" sz="2400" dirty="0"/>
+              <a:t>:</a:t>
+            </a:r>
+            <a:r>
+              <a:rPr kumimoji="1" lang="zh-CN" altLang="en-US" sz="2400" dirty="0"/>
+              <a:t> 直接删去</a:t>
+            </a:r>
+            <a:r>
+              <a:rPr kumimoji="1" lang="en-US" altLang="zh-CN" sz="2400" dirty="0"/>
+              <a:t>,</a:t>
+            </a:r>
+            <a:r>
+              <a:rPr kumimoji="1" lang="zh-CN" altLang="en-US" sz="2400" dirty="0"/>
+              <a:t> 把那个孩子</a:t>
+            </a:r>
+            <a:r>
+              <a:rPr kumimoji="1" lang="zh-CN" altLang="en-CN" sz="2400" dirty="0"/>
+              <a:t>挂过来</a:t>
+            </a:r>
+            <a:endParaRPr kumimoji="1" lang="en-US" altLang="zh-CN" sz="2400" dirty="0"/>
+          </a:p>
+          <a:p>
+            <a:pPr marL="1257300" lvl="2" indent="-342900">
+              <a:buFont typeface="Arial" panose="020B0604020202020204" pitchFamily="34" charset="0"/>
+              <a:buChar char="•"/>
+            </a:pPr>
+            <a:r>
+              <a:rPr kumimoji="1" lang="zh-CN" altLang="en-US" sz="2400" dirty="0"/>
+              <a:t>保持了</a:t>
+            </a:r>
+            <a:r>
+              <a:rPr kumimoji="1" lang="en-US" altLang="zh-CN" sz="2400" dirty="0"/>
+              <a:t>BST</a:t>
+            </a:r>
+            <a:r>
+              <a:rPr kumimoji="1" lang="zh-CN" altLang="en-US" sz="2400" dirty="0"/>
+              <a:t>的性质吗</a:t>
+            </a:r>
+            <a:r>
+              <a:rPr kumimoji="1" lang="en-US" altLang="zh-CN" sz="2400" dirty="0"/>
+              <a:t>?</a:t>
+            </a:r>
+          </a:p>
+          <a:p>
+            <a:pPr marL="1257300" lvl="2" indent="-342900">
+              <a:buFont typeface="Arial" panose="020B0604020202020204" pitchFamily="34" charset="0"/>
+              <a:buChar char="•"/>
+            </a:pPr>
+            <a:endParaRPr kumimoji="1" lang="en-US" altLang="zh-CN" sz="2400" dirty="0"/>
+          </a:p>
+          <a:p>
+            <a:pPr marL="1257300" lvl="2" indent="-342900">
+              <a:buFont typeface="Arial" panose="020B0604020202020204" pitchFamily="34" charset="0"/>
+              <a:buChar char="•"/>
+            </a:pPr>
+            <a:endParaRPr kumimoji="1" lang="en-US" altLang="zh-CN" sz="2400" dirty="0"/>
+          </a:p>
+          <a:p>
+            <a:pPr marL="1257300" lvl="2" indent="-342900">
+              <a:buFont typeface="Arial" panose="020B0604020202020204" pitchFamily="34" charset="0"/>
+              <a:buChar char="•"/>
+            </a:pPr>
+            <a:endParaRPr kumimoji="1" lang="en-US" altLang="zh-CN" sz="2400" dirty="0"/>
+          </a:p>
+          <a:p>
+            <a:pPr marL="1257300" lvl="2" indent="-342900">
+              <a:buFont typeface="Arial" panose="020B0604020202020204" pitchFamily="34" charset="0"/>
+              <a:buChar char="•"/>
+            </a:pPr>
+            <a:endParaRPr kumimoji="1" lang="en-US" altLang="zh-CN" sz="2400" dirty="0"/>
+          </a:p>
+          <a:p>
+            <a:pPr marL="800100" lvl="1" indent="-342900">
+              <a:buFont typeface="Arial" panose="020B0604020202020204" pitchFamily="34" charset="0"/>
+              <a:buChar char="•"/>
+            </a:pPr>
+            <a:r>
+              <a:rPr kumimoji="1" lang="en-US" altLang="zh-CN" sz="2400" dirty="0">
+                <a:solidFill>
+                  <a:srgbClr val="FF0000"/>
+                </a:solidFill>
+              </a:rPr>
+              <a:t>2</a:t>
+            </a:r>
+            <a:r>
+              <a:rPr kumimoji="1" lang="en-US" altLang="zh-CN" sz="2400" dirty="0"/>
+              <a:t>:</a:t>
+            </a:r>
+            <a:r>
+              <a:rPr kumimoji="1" lang="zh-CN" altLang="en-US" sz="2400" dirty="0"/>
+              <a:t> 那该选谁做继承人</a:t>
+            </a:r>
+            <a:r>
+              <a:rPr kumimoji="1" lang="en-US" altLang="zh-CN" sz="2400" dirty="0"/>
+              <a:t>???</a:t>
+            </a:r>
+            <a:endParaRPr kumimoji="1" lang="zh-CN" altLang="en-US" sz="2400" dirty="0"/>
           </a:p>
         </p:txBody>
       </p:sp>
       <p:pic>
         <p:nvPicPr>
-          <p:cNvPr id="4" name="Picture 3">
-            <a:extLst>
-              <a:ext uri="{FF2B5EF4-FFF2-40B4-BE49-F238E27FC236}">
-                <a16:creationId xmlns:a16="http://schemas.microsoft.com/office/drawing/2014/main" id="{349B263A-1E62-746A-B8B8-0607816BF99F}"/>
+          <p:cNvPr id="5" name="Picture 4">
+            <a:extLst>
+              <a:ext uri="{FF2B5EF4-FFF2-40B4-BE49-F238E27FC236}">
+                <a16:creationId xmlns:a16="http://schemas.microsoft.com/office/drawing/2014/main" id="{E0D713BB-8FB5-9361-FCE6-CB24F50D3E6F}"/>
               </a:ext>
             </a:extLst>
           </p:cNvPr>
@@ -5725,7 +7757,7 @@
         </p:blipFill>
         <p:spPr>
           <a:xfrm>
-            <a:off x="628650" y="1841500"/>
+            <a:off x="6013450" y="2145354"/>
             <a:ext cx="2819400" cy="3175000"/>
           </a:xfrm>
           <a:prstGeom prst="rect">
@@ -5738,7 +7770,7 @@
           <p:cNvPr id="6" name="Straight Arrow Connector 5">
             <a:extLst>
               <a:ext uri="{FF2B5EF4-FFF2-40B4-BE49-F238E27FC236}">
-                <a16:creationId xmlns:a16="http://schemas.microsoft.com/office/drawing/2014/main" id="{07BFF2C1-2B4F-7134-DF7C-E689CCEF6A44}"/>
+                <a16:creationId xmlns:a16="http://schemas.microsoft.com/office/drawing/2014/main" id="{426BBBC0-D90B-DD7B-DC17-1DC07BF18B07}"/>
               </a:ext>
             </a:extLst>
           </p:cNvPr>
@@ -5747,7 +7779,7 @@
         </p:nvCxnSpPr>
         <p:spPr>
           <a:xfrm flipV="1">
-            <a:off x="2388305" y="2878667"/>
+            <a:off x="7773105" y="3182521"/>
             <a:ext cx="699911" cy="349955"/>
           </a:xfrm>
           <a:prstGeom prst="straightConnector1">
@@ -5775,42 +7807,12 @@
           </a:fontRef>
         </p:style>
       </p:cxnSp>
-      <p:pic>
-        <p:nvPicPr>
-          <p:cNvPr id="10" name="Picture 9">
-            <a:extLst>
-              <a:ext uri="{FF2B5EF4-FFF2-40B4-BE49-F238E27FC236}">
-                <a16:creationId xmlns:a16="http://schemas.microsoft.com/office/drawing/2014/main" id="{01C62857-3925-6D60-BD63-7ABF4FF4A223}"/>
-              </a:ext>
-            </a:extLst>
-          </p:cNvPr>
-          <p:cNvPicPr>
-            <a:picLocks noChangeAspect="1"/>
-          </p:cNvPicPr>
-          <p:nvPr/>
-        </p:nvPicPr>
-        <p:blipFill>
-          <a:blip r:embed="rId3"/>
-          <a:stretch>
-            <a:fillRect/>
-          </a:stretch>
-        </p:blipFill>
-        <p:spPr>
-          <a:xfrm>
-            <a:off x="5409494" y="2311400"/>
-            <a:ext cx="2108200" cy="2235200"/>
-          </a:xfrm>
-          <a:prstGeom prst="rect">
-            <a:avLst/>
-          </a:prstGeom>
-        </p:spPr>
-      </p:pic>
-      <p:sp>
-        <p:nvSpPr>
-          <p:cNvPr id="11" name="Right Arrow 10">
-            <a:extLst>
-              <a:ext uri="{FF2B5EF4-FFF2-40B4-BE49-F238E27FC236}">
-                <a16:creationId xmlns:a16="http://schemas.microsoft.com/office/drawing/2014/main" id="{103235A3-A90B-DEF8-1B34-353A2480AEAE}"/>
+      <p:sp>
+        <p:nvSpPr>
+          <p:cNvPr id="7" name="Freeform 6">
+            <a:extLst>
+              <a:ext uri="{FF2B5EF4-FFF2-40B4-BE49-F238E27FC236}">
+                <a16:creationId xmlns:a16="http://schemas.microsoft.com/office/drawing/2014/main" id="{980908E3-7465-D28E-9B05-1605DEEFE2AD}"/>
               </a:ext>
             </a:extLst>
           </p:cNvPr>
@@ -5819,12 +7821,58 @@
         </p:nvSpPr>
         <p:spPr>
           <a:xfrm>
-            <a:off x="3912305" y="3228622"/>
-            <a:ext cx="1295400" cy="417689"/>
-          </a:xfrm>
-          <a:prstGeom prst="rightArrow">
-            <a:avLst/>
-          </a:prstGeom>
+            <a:off x="7360356" y="2878667"/>
+            <a:ext cx="353302" cy="869244"/>
+          </a:xfrm>
+          <a:custGeom>
+            <a:avLst/>
+            <a:gdLst>
+              <a:gd name="connsiteX0" fmla="*/ 0 w 353302"/>
+              <a:gd name="connsiteY0" fmla="*/ 0 h 869244"/>
+              <a:gd name="connsiteX1" fmla="*/ 349955 w 353302"/>
+              <a:gd name="connsiteY1" fmla="*/ 417689 h 869244"/>
+              <a:gd name="connsiteX2" fmla="*/ 146755 w 353302"/>
+              <a:gd name="connsiteY2" fmla="*/ 869244 h 869244"/>
+            </a:gdLst>
+            <a:ahLst/>
+            <a:cxnLst>
+              <a:cxn ang="0">
+                <a:pos x="connsiteX0" y="connsiteY0"/>
+              </a:cxn>
+              <a:cxn ang="0">
+                <a:pos x="connsiteX1" y="connsiteY1"/>
+              </a:cxn>
+              <a:cxn ang="0">
+                <a:pos x="connsiteX2" y="connsiteY2"/>
+              </a:cxn>
+            </a:cxnLst>
+            <a:rect l="l" t="t" r="r" b="b"/>
+            <a:pathLst>
+              <a:path w="353302" h="869244">
+                <a:moveTo>
+                  <a:pt x="0" y="0"/>
+                </a:moveTo>
+                <a:cubicBezTo>
+                  <a:pt x="162748" y="136407"/>
+                  <a:pt x="325496" y="272815"/>
+                  <a:pt x="349955" y="417689"/>
+                </a:cubicBezTo>
+                <a:cubicBezTo>
+                  <a:pt x="374414" y="562563"/>
+                  <a:pt x="260584" y="715903"/>
+                  <a:pt x="146755" y="869244"/>
+                </a:cubicBezTo>
+              </a:path>
+            </a:pathLst>
+          </a:custGeom>
+          <a:noFill/>
+          <a:ln w="50800">
+            <a:solidFill>
+              <a:srgbClr val="C00000"/>
+            </a:solidFill>
+            <a:prstDash val="sysDash"/>
+            <a:tailEnd type="triangle" w="med" len="lg"/>
+          </a:ln>
         </p:spPr>
         <p:style>
           <a:lnRef idx="2">
@@ -5841,120 +7889,18 @@
           </a:fontRef>
         </p:style>
         <p:txBody>
-          <a:bodyPr rtlCol="0" anchor="t"/>
+          <a:bodyPr rtlCol="0" anchor="ctr"/>
           <a:lstStyle/>
           <a:p>
-            <a:pPr algn="l"/>
-            <a:endParaRPr kumimoji="1" lang="zh-CN" altLang="en-US" sz="1600" dirty="0">
-              <a:latin typeface="Consolas" panose="020B0609020204030204" pitchFamily="49" charset="0"/>
-              <a:ea typeface="FangSong" panose="02010609060101010101" pitchFamily="49" charset="-122"/>
-              <a:cs typeface="Consolas" panose="020B0609020204030204" pitchFamily="49" charset="0"/>
-            </a:endParaRPr>
-          </a:p>
-        </p:txBody>
-      </p:sp>
-      <p:sp>
-        <p:nvSpPr>
-          <p:cNvPr id="12" name="TextBox 11">
-            <a:extLst>
-              <a:ext uri="{FF2B5EF4-FFF2-40B4-BE49-F238E27FC236}">
-                <a16:creationId xmlns:a16="http://schemas.microsoft.com/office/drawing/2014/main" id="{F75E4E82-3993-72CF-519D-7A00F464E1E7}"/>
-              </a:ext>
-            </a:extLst>
-          </p:cNvPr>
-          <p:cNvSpPr txBox="1"/>
-          <p:nvPr/>
-        </p:nvSpPr>
-        <p:spPr>
-          <a:xfrm>
-            <a:off x="638528" y="5192354"/>
-            <a:ext cx="6112571" cy="461665"/>
-          </a:xfrm>
-          <a:prstGeom prst="rect">
-            <a:avLst/>
-          </a:prstGeom>
-          <a:noFill/>
-        </p:spPr>
-        <p:txBody>
-          <a:bodyPr wrap="none" rtlCol="0">
-            <a:spAutoFit/>
-          </a:bodyPr>
-          <a:lstStyle/>
-          <a:p>
-            <a:pPr marL="342900" indent="-342900" algn="l">
-              <a:buFont typeface="Arial" panose="020B0604020202020204" pitchFamily="34" charset="0"/>
-              <a:buChar char="•"/>
-            </a:pPr>
-            <a:r>
-              <a:rPr kumimoji="1" lang="zh-CN" altLang="en-US" sz="2400" dirty="0"/>
-              <a:t>如果要删除的节点挂了两个孩子</a:t>
-            </a:r>
-            <a:r>
-              <a:rPr kumimoji="1" lang="en-US" altLang="zh-CN" sz="2400" dirty="0"/>
-              <a:t>,</a:t>
-            </a:r>
-            <a:r>
-              <a:rPr kumimoji="1" lang="zh-CN" altLang="en-US" sz="2400" dirty="0"/>
-              <a:t> 怎么办</a:t>
-            </a:r>
-            <a:r>
-              <a:rPr kumimoji="1" lang="en-US" altLang="zh-CN" sz="2400" dirty="0"/>
-              <a:t>?</a:t>
-            </a:r>
-          </a:p>
-        </p:txBody>
-      </p:sp>
-      <p:sp>
-        <p:nvSpPr>
-          <p:cNvPr id="13" name="TextBox 12">
-            <a:extLst>
-              <a:ext uri="{FF2B5EF4-FFF2-40B4-BE49-F238E27FC236}">
-                <a16:creationId xmlns:a16="http://schemas.microsoft.com/office/drawing/2014/main" id="{7C588B8C-DA49-DD65-31A6-7DD81AA1DE2D}"/>
-              </a:ext>
-            </a:extLst>
-          </p:cNvPr>
-          <p:cNvSpPr txBox="1"/>
-          <p:nvPr/>
-        </p:nvSpPr>
-        <p:spPr>
-          <a:xfrm>
-            <a:off x="638528" y="1203981"/>
-            <a:ext cx="1931939" cy="461665"/>
-          </a:xfrm>
-          <a:prstGeom prst="rect">
-            <a:avLst/>
-          </a:prstGeom>
-          <a:noFill/>
-        </p:spPr>
-        <p:txBody>
-          <a:bodyPr wrap="none" rtlCol="0">
-            <a:spAutoFit/>
-          </a:bodyPr>
-          <a:lstStyle/>
-          <a:p>
-            <a:pPr marL="342900" indent="-342900" algn="l">
-              <a:buFont typeface="Arial" panose="020B0604020202020204" pitchFamily="34" charset="0"/>
-              <a:buChar char="•"/>
-            </a:pPr>
-            <a:r>
-              <a:rPr kumimoji="1" lang="zh-CN" altLang="en-US" sz="2400" dirty="0"/>
-              <a:t>先玩玩看</a:t>
-            </a:r>
-            <a:r>
-              <a:rPr kumimoji="1" lang="en-US" altLang="zh-CN" sz="2400" dirty="0"/>
-              <a:t>!</a:t>
-            </a:r>
-            <a:r>
-              <a:rPr kumimoji="1" lang="zh-CN" altLang="en-US" sz="2400" dirty="0"/>
-              <a:t> </a:t>
-            </a:r>
+            <a:pPr algn="ctr"/>
+            <a:endParaRPr kumimoji="1" lang="zh-CN" altLang="en-US"/>
           </a:p>
         </p:txBody>
       </p:sp>
     </p:spTree>
     <p:extLst>
       <p:ext uri="{BB962C8B-B14F-4D97-AF65-F5344CB8AC3E}">
-        <p14:creationId xmlns:p14="http://schemas.microsoft.com/office/powerpoint/2010/main" val="509900258"/>
+        <p14:creationId xmlns:p14="http://schemas.microsoft.com/office/powerpoint/2010/main" val="1717940072"/>
       </p:ext>
     </p:extLst>
   </p:cSld>

--- a/notes/notes/ds-algo/ch6-bst.pptx
+++ b/notes/notes/ds-algo/ch6-bst.pptx
@@ -216,7 +216,7 @@
           <a:p>
             <a:fld id="{9BFDADED-620D-D24E-82E2-96F000A12D1D}" type="datetimeFigureOut">
               <a:rPr lang="en-CN" smtClean="0"/>
-              <a:t>2024/1/23</a:t>
+              <a:t>2024/1/26</a:t>
             </a:fld>
             <a:endParaRPr lang="en-CN"/>
           </a:p>
@@ -1140,6 +1140,53 @@
           </a:p>
         </p:txBody>
       </p:sp>
+      <p:pic>
+        <p:nvPicPr>
+          <p:cNvPr id="6" name="Picture 2">
+            <a:extLst>
+              <a:ext uri="{FF2B5EF4-FFF2-40B4-BE49-F238E27FC236}">
+                <a16:creationId xmlns:a16="http://schemas.microsoft.com/office/drawing/2014/main" id="{0F772801-E0AA-5D88-A5F9-ED113942E78B}"/>
+              </a:ext>
+            </a:extLst>
+          </p:cNvPr>
+          <p:cNvPicPr>
+            <a:picLocks noChangeAspect="1" noChangeArrowheads="1"/>
+          </p:cNvPicPr>
+          <p:nvPr userDrawn="1"/>
+        </p:nvPicPr>
+        <p:blipFill>
+          <a:blip r:embed="rId2">
+            <a:extLst>
+              <a:ext uri="{28A0092B-C50C-407E-A947-70E740481C1C}">
+                <a14:useLocalDpi xmlns:a14="http://schemas.microsoft.com/office/drawing/2010/main" val="0"/>
+              </a:ext>
+            </a:extLst>
+          </a:blip>
+          <a:srcRect/>
+          <a:stretch>
+            <a:fillRect/>
+          </a:stretch>
+        </p:blipFill>
+        <p:spPr bwMode="auto">
+          <a:xfrm>
+            <a:off x="8244520" y="0"/>
+            <a:ext cx="899480" cy="168442"/>
+          </a:xfrm>
+          <a:prstGeom prst="rect">
+            <a:avLst/>
+          </a:prstGeom>
+          <a:noFill/>
+          <a:extLst>
+            <a:ext uri="{909E8E84-426E-40DD-AFC4-6F175D3DCCD1}">
+              <a14:hiddenFill xmlns:a14="http://schemas.microsoft.com/office/drawing/2010/main">
+                <a:solidFill>
+                  <a:srgbClr val="FFFFFF"/>
+                </a:solidFill>
+              </a14:hiddenFill>
+            </a:ext>
+          </a:extLst>
+        </p:spPr>
+      </p:pic>
     </p:spTree>
     <p:extLst>
       <p:ext uri="{BB962C8B-B14F-4D97-AF65-F5344CB8AC3E}">
@@ -1789,7 +1836,7 @@
           <a:p>
             <a:fld id="{58D30FAB-176C-8449-8796-69F8D9C85B57}" type="datetime1">
               <a:rPr lang="en-US" smtClean="0"/>
-              <a:t>1/23/24</a:t>
+              <a:t>1/26/24</a:t>
             </a:fld>
             <a:endParaRPr lang="en-CN"/>
           </a:p>
@@ -4867,8 +4914,8 @@
           </a:p>
         </p:txBody>
       </p:sp>
-      <mc:AlternateContent xmlns:mc="http://schemas.openxmlformats.org/markup-compatibility/2006">
-        <mc:Choice xmlns:a14="http://schemas.microsoft.com/office/drawing/2010/main" Requires="a14">
+      <mc:AlternateContent xmlns:mc="http://schemas.openxmlformats.org/markup-compatibility/2006" xmlns:a14="http://schemas.microsoft.com/office/drawing/2010/main">
+        <mc:Choice Requires="a14">
           <p:sp>
             <p:nvSpPr>
               <p:cNvPr id="4" name="TextBox 3">
@@ -4951,7 +4998,7 @@
             </p:txBody>
           </p:sp>
         </mc:Choice>
-        <mc:Fallback>
+        <mc:Fallback xmlns="">
           <p:sp>
             <p:nvSpPr>
               <p:cNvPr id="4" name="TextBox 3">

--- a/notes/notes/ds-algo/ch6-bst.pptx
+++ b/notes/notes/ds-algo/ch6-bst.pptx
@@ -216,7 +216,7 @@
           <a:p>
             <a:fld id="{9BFDADED-620D-D24E-82E2-96F000A12D1D}" type="datetimeFigureOut">
               <a:rPr lang="en-CN" smtClean="0"/>
-              <a:t>2024/1/26</a:t>
+              <a:t>2024/1/29</a:t>
             </a:fld>
             <a:endParaRPr lang="en-CN"/>
           </a:p>
@@ -887,6 +887,53 @@
           </a:p>
         </p:txBody>
       </p:sp>
+      <p:pic>
+        <p:nvPicPr>
+          <p:cNvPr id="9" name="Picture 2">
+            <a:extLst>
+              <a:ext uri="{FF2B5EF4-FFF2-40B4-BE49-F238E27FC236}">
+                <a16:creationId xmlns:a16="http://schemas.microsoft.com/office/drawing/2014/main" id="{156BB7DA-71F8-30EB-D17A-3100AF528A67}"/>
+              </a:ext>
+            </a:extLst>
+          </p:cNvPr>
+          <p:cNvPicPr>
+            <a:picLocks noChangeAspect="1" noChangeArrowheads="1"/>
+          </p:cNvPicPr>
+          <p:nvPr userDrawn="1"/>
+        </p:nvPicPr>
+        <p:blipFill>
+          <a:blip r:embed="rId2">
+            <a:extLst>
+              <a:ext uri="{28A0092B-C50C-407E-A947-70E740481C1C}">
+                <a14:useLocalDpi xmlns:a14="http://schemas.microsoft.com/office/drawing/2010/main" val="0"/>
+              </a:ext>
+            </a:extLst>
+          </a:blip>
+          <a:srcRect/>
+          <a:stretch>
+            <a:fillRect/>
+          </a:stretch>
+        </p:blipFill>
+        <p:spPr bwMode="auto">
+          <a:xfrm>
+            <a:off x="8244520" y="0"/>
+            <a:ext cx="899480" cy="168442"/>
+          </a:xfrm>
+          <a:prstGeom prst="rect">
+            <a:avLst/>
+          </a:prstGeom>
+          <a:noFill/>
+          <a:extLst>
+            <a:ext uri="{909E8E84-426E-40DD-AFC4-6F175D3DCCD1}">
+              <a14:hiddenFill xmlns:a14="http://schemas.microsoft.com/office/drawing/2010/main">
+                <a:solidFill>
+                  <a:srgbClr val="FFFFFF"/>
+                </a:solidFill>
+              </a14:hiddenFill>
+            </a:ext>
+          </a:extLst>
+        </p:spPr>
+      </p:pic>
     </p:spTree>
     <p:extLst>
       <p:ext uri="{BB962C8B-B14F-4D97-AF65-F5344CB8AC3E}">
@@ -1140,53 +1187,6 @@
           </a:p>
         </p:txBody>
       </p:sp>
-      <p:pic>
-        <p:nvPicPr>
-          <p:cNvPr id="6" name="Picture 2">
-            <a:extLst>
-              <a:ext uri="{FF2B5EF4-FFF2-40B4-BE49-F238E27FC236}">
-                <a16:creationId xmlns:a16="http://schemas.microsoft.com/office/drawing/2014/main" id="{0F772801-E0AA-5D88-A5F9-ED113942E78B}"/>
-              </a:ext>
-            </a:extLst>
-          </p:cNvPr>
-          <p:cNvPicPr>
-            <a:picLocks noChangeAspect="1" noChangeArrowheads="1"/>
-          </p:cNvPicPr>
-          <p:nvPr userDrawn="1"/>
-        </p:nvPicPr>
-        <p:blipFill>
-          <a:blip r:embed="rId2">
-            <a:extLst>
-              <a:ext uri="{28A0092B-C50C-407E-A947-70E740481C1C}">
-                <a14:useLocalDpi xmlns:a14="http://schemas.microsoft.com/office/drawing/2010/main" val="0"/>
-              </a:ext>
-            </a:extLst>
-          </a:blip>
-          <a:srcRect/>
-          <a:stretch>
-            <a:fillRect/>
-          </a:stretch>
-        </p:blipFill>
-        <p:spPr bwMode="auto">
-          <a:xfrm>
-            <a:off x="8244520" y="0"/>
-            <a:ext cx="899480" cy="168442"/>
-          </a:xfrm>
-          <a:prstGeom prst="rect">
-            <a:avLst/>
-          </a:prstGeom>
-          <a:noFill/>
-          <a:extLst>
-            <a:ext uri="{909E8E84-426E-40DD-AFC4-6F175D3DCCD1}">
-              <a14:hiddenFill xmlns:a14="http://schemas.microsoft.com/office/drawing/2010/main">
-                <a:solidFill>
-                  <a:srgbClr val="FFFFFF"/>
-                </a:solidFill>
-              </a14:hiddenFill>
-            </a:ext>
-          </a:extLst>
-        </p:spPr>
-      </p:pic>
     </p:spTree>
     <p:extLst>
       <p:ext uri="{BB962C8B-B14F-4D97-AF65-F5344CB8AC3E}">
@@ -1836,7 +1836,7 @@
           <a:p>
             <a:fld id="{58D30FAB-176C-8449-8796-69F8D9C85B57}" type="datetime1">
               <a:rPr lang="en-US" smtClean="0"/>
-              <a:t>1/26/24</a:t>
+              <a:t>1/29/24</a:t>
             </a:fld>
             <a:endParaRPr lang="en-CN"/>
           </a:p>
@@ -2412,7 +2412,7 @@
         </p:blipFill>
         <p:spPr>
           <a:xfrm rot="16200000" flipV="1">
-            <a:off x="1134370" y="1481685"/>
+            <a:off x="1100503" y="1481685"/>
             <a:ext cx="2639608" cy="1440491"/>
           </a:xfrm>
           <a:prstGeom prst="rect">
